--- a/Bemutato.pptx
+++ b/Bemutato.pptx
@@ -7,6 +7,12 @@
   <p:sldIdLst>
     <p:sldId id="256" r:id="rId2"/>
     <p:sldId id="258" r:id="rId3"/>
+    <p:sldId id="259" r:id="rId4"/>
+    <p:sldId id="261" r:id="rId5"/>
+    <p:sldId id="262" r:id="rId6"/>
+    <p:sldId id="260" r:id="rId7"/>
+    <p:sldId id="263" r:id="rId8"/>
+    <p:sldId id="264" r:id="rId9"/>
   </p:sldIdLst>
   <p:sldSz cx="12192000" cy="6858000"/>
   <p:notesSz cx="6858000" cy="9144000"/>
@@ -105,6 +111,11 @@
       </a:defRPr>
     </a:lvl9pPr>
   </p:defaultTextStyle>
+  <p:extLst>
+    <p:ext uri="{EFAFB233-063F-42B5-8137-9DF3F51BA10A}">
+      <p15:sldGuideLst xmlns:p15="http://schemas.microsoft.com/office/powerpoint/2012/main"/>
+    </p:ext>
+  </p:extLst>
 </p:presentation>
 </file>
 
@@ -118,6 +129,3016 @@
     </p:extLst>
   </p:cmAuthor>
 </p:cmAuthorLst>
+</file>
+
+<file path=ppt/diagrams/colors1.xml><?xml version="1.0" encoding="utf-8"?>
+<dgm:colorsDef xmlns:dgm="http://schemas.openxmlformats.org/drawingml/2006/diagram" xmlns:a="http://schemas.openxmlformats.org/drawingml/2006/main" uniqueId="urn:microsoft.com/office/officeart/2005/8/colors/colorful2">
+  <dgm:title val=""/>
+  <dgm:desc val=""/>
+  <dgm:catLst>
+    <dgm:cat type="colorful" pri="10200"/>
+  </dgm:catLst>
+  <dgm:styleLbl name="node0">
+    <dgm:fillClrLst meth="repeat">
+      <a:schemeClr val="accent1"/>
+    </dgm:fillClrLst>
+    <dgm:linClrLst meth="repeat">
+      <a:schemeClr val="lt1"/>
+    </dgm:linClrLst>
+    <dgm:effectClrLst/>
+    <dgm:txLinClrLst/>
+    <dgm:txFillClrLst/>
+    <dgm:txEffectClrLst/>
+  </dgm:styleLbl>
+  <dgm:styleLbl name="node1">
+    <dgm:fillClrLst>
+      <a:schemeClr val="accent2"/>
+      <a:schemeClr val="accent3"/>
+    </dgm:fillClrLst>
+    <dgm:linClrLst meth="repeat">
+      <a:schemeClr val="lt1"/>
+    </dgm:linClrLst>
+    <dgm:effectClrLst/>
+    <dgm:txLinClrLst/>
+    <dgm:txFillClrLst/>
+    <dgm:txEffectClrLst/>
+  </dgm:styleLbl>
+  <dgm:styleLbl name="alignNode1">
+    <dgm:fillClrLst>
+      <a:schemeClr val="accent2"/>
+      <a:schemeClr val="accent3"/>
+    </dgm:fillClrLst>
+    <dgm:linClrLst>
+      <a:schemeClr val="accent2"/>
+      <a:schemeClr val="accent3"/>
+    </dgm:linClrLst>
+    <dgm:effectClrLst/>
+    <dgm:txLinClrLst/>
+    <dgm:txFillClrLst/>
+    <dgm:txEffectClrLst/>
+  </dgm:styleLbl>
+  <dgm:styleLbl name="lnNode1">
+    <dgm:fillClrLst>
+      <a:schemeClr val="accent2"/>
+      <a:schemeClr val="accent3"/>
+    </dgm:fillClrLst>
+    <dgm:linClrLst meth="repeat">
+      <a:schemeClr val="lt1"/>
+    </dgm:linClrLst>
+    <dgm:effectClrLst/>
+    <dgm:txLinClrLst/>
+    <dgm:txFillClrLst/>
+    <dgm:txEffectClrLst/>
+  </dgm:styleLbl>
+  <dgm:styleLbl name="vennNode1">
+    <dgm:fillClrLst>
+      <a:schemeClr val="accent2">
+        <a:alpha val="50000"/>
+      </a:schemeClr>
+      <a:schemeClr val="accent3">
+        <a:alpha val="50000"/>
+      </a:schemeClr>
+    </dgm:fillClrLst>
+    <dgm:linClrLst meth="repeat">
+      <a:schemeClr val="lt1"/>
+    </dgm:linClrLst>
+    <dgm:effectClrLst/>
+    <dgm:txLinClrLst/>
+    <dgm:txFillClrLst/>
+    <dgm:txEffectClrLst/>
+  </dgm:styleLbl>
+  <dgm:styleLbl name="node2">
+    <dgm:fillClrLst>
+      <a:schemeClr val="accent3"/>
+    </dgm:fillClrLst>
+    <dgm:linClrLst meth="repeat">
+      <a:schemeClr val="lt1"/>
+    </dgm:linClrLst>
+    <dgm:effectClrLst/>
+    <dgm:txLinClrLst/>
+    <dgm:txFillClrLst/>
+    <dgm:txEffectClrLst/>
+  </dgm:styleLbl>
+  <dgm:styleLbl name="node3">
+    <dgm:fillClrLst>
+      <a:schemeClr val="accent4"/>
+    </dgm:fillClrLst>
+    <dgm:linClrLst meth="repeat">
+      <a:schemeClr val="lt1"/>
+    </dgm:linClrLst>
+    <dgm:effectClrLst/>
+    <dgm:txLinClrLst/>
+    <dgm:txFillClrLst/>
+    <dgm:txEffectClrLst/>
+  </dgm:styleLbl>
+  <dgm:styleLbl name="node4">
+    <dgm:fillClrLst>
+      <a:schemeClr val="accent5"/>
+    </dgm:fillClrLst>
+    <dgm:linClrLst meth="repeat">
+      <a:schemeClr val="lt1"/>
+    </dgm:linClrLst>
+    <dgm:effectClrLst/>
+    <dgm:txLinClrLst/>
+    <dgm:txFillClrLst/>
+    <dgm:txEffectClrLst/>
+  </dgm:styleLbl>
+  <dgm:styleLbl name="fgImgPlace1">
+    <dgm:fillClrLst>
+      <a:schemeClr val="accent2">
+        <a:tint val="50000"/>
+      </a:schemeClr>
+      <a:schemeClr val="accent3">
+        <a:tint val="50000"/>
+      </a:schemeClr>
+    </dgm:fillClrLst>
+    <dgm:linClrLst meth="repeat">
+      <a:schemeClr val="lt1"/>
+    </dgm:linClrLst>
+    <dgm:effectClrLst/>
+    <dgm:txLinClrLst/>
+    <dgm:txFillClrLst meth="repeat">
+      <a:schemeClr val="lt1"/>
+    </dgm:txFillClrLst>
+    <dgm:txEffectClrLst/>
+  </dgm:styleLbl>
+  <dgm:styleLbl name="alignImgPlace1">
+    <dgm:fillClrLst>
+      <a:schemeClr val="accent2">
+        <a:tint val="50000"/>
+      </a:schemeClr>
+      <a:schemeClr val="accent3">
+        <a:tint val="20000"/>
+      </a:schemeClr>
+    </dgm:fillClrLst>
+    <dgm:linClrLst meth="repeat">
+      <a:schemeClr val="lt1"/>
+    </dgm:linClrLst>
+    <dgm:effectClrLst/>
+    <dgm:txLinClrLst/>
+    <dgm:txFillClrLst meth="repeat">
+      <a:schemeClr val="lt1"/>
+    </dgm:txFillClrLst>
+    <dgm:txEffectClrLst/>
+  </dgm:styleLbl>
+  <dgm:styleLbl name="bgImgPlace1">
+    <dgm:fillClrLst>
+      <a:schemeClr val="accent2">
+        <a:tint val="50000"/>
+      </a:schemeClr>
+      <a:schemeClr val="accent3">
+        <a:tint val="20000"/>
+      </a:schemeClr>
+    </dgm:fillClrLst>
+    <dgm:linClrLst meth="repeat">
+      <a:schemeClr val="lt1"/>
+    </dgm:linClrLst>
+    <dgm:effectClrLst/>
+    <dgm:txLinClrLst/>
+    <dgm:txFillClrLst meth="repeat">
+      <a:schemeClr val="lt1"/>
+    </dgm:txFillClrLst>
+    <dgm:txEffectClrLst/>
+  </dgm:styleLbl>
+  <dgm:styleLbl name="sibTrans2D1">
+    <dgm:fillClrLst>
+      <a:schemeClr val="accent2"/>
+      <a:schemeClr val="accent3"/>
+    </dgm:fillClrLst>
+    <dgm:linClrLst meth="repeat">
+      <a:schemeClr val="lt1"/>
+    </dgm:linClrLst>
+    <dgm:effectClrLst/>
+    <dgm:txLinClrLst/>
+    <dgm:txFillClrLst/>
+    <dgm:txEffectClrLst/>
+  </dgm:styleLbl>
+  <dgm:styleLbl name="fgSibTrans2D1">
+    <dgm:fillClrLst>
+      <a:schemeClr val="accent2"/>
+      <a:schemeClr val="accent3"/>
+    </dgm:fillClrLst>
+    <dgm:linClrLst meth="repeat">
+      <a:schemeClr val="lt1"/>
+    </dgm:linClrLst>
+    <dgm:effectClrLst/>
+    <dgm:txLinClrLst/>
+    <dgm:txFillClrLst meth="repeat">
+      <a:schemeClr val="lt1"/>
+    </dgm:txFillClrLst>
+    <dgm:txEffectClrLst/>
+  </dgm:styleLbl>
+  <dgm:styleLbl name="bgSibTrans2D1">
+    <dgm:fillClrLst>
+      <a:schemeClr val="accent2"/>
+      <a:schemeClr val="accent3"/>
+    </dgm:fillClrLst>
+    <dgm:linClrLst meth="repeat">
+      <a:schemeClr val="lt1"/>
+    </dgm:linClrLst>
+    <dgm:effectClrLst/>
+    <dgm:txLinClrLst/>
+    <dgm:txFillClrLst meth="repeat">
+      <a:schemeClr val="lt1"/>
+    </dgm:txFillClrLst>
+    <dgm:txEffectClrLst/>
+  </dgm:styleLbl>
+  <dgm:styleLbl name="sibTrans1D1">
+    <dgm:fillClrLst/>
+    <dgm:linClrLst>
+      <a:schemeClr val="accent2"/>
+      <a:schemeClr val="accent3"/>
+    </dgm:linClrLst>
+    <dgm:effectClrLst/>
+    <dgm:txLinClrLst/>
+    <dgm:txFillClrLst meth="repeat">
+      <a:schemeClr val="tx1"/>
+    </dgm:txFillClrLst>
+    <dgm:txEffectClrLst/>
+  </dgm:styleLbl>
+  <dgm:styleLbl name="callout">
+    <dgm:fillClrLst meth="repeat">
+      <a:schemeClr val="accent2"/>
+    </dgm:fillClrLst>
+    <dgm:linClrLst meth="repeat">
+      <a:schemeClr val="accent2">
+        <a:tint val="50000"/>
+      </a:schemeClr>
+    </dgm:linClrLst>
+    <dgm:effectClrLst/>
+    <dgm:txLinClrLst/>
+    <dgm:txFillClrLst meth="repeat">
+      <a:schemeClr val="tx1"/>
+    </dgm:txFillClrLst>
+    <dgm:txEffectClrLst/>
+  </dgm:styleLbl>
+  <dgm:styleLbl name="asst0">
+    <dgm:fillClrLst meth="repeat">
+      <a:schemeClr val="accent2"/>
+    </dgm:fillClrLst>
+    <dgm:linClrLst meth="repeat">
+      <a:schemeClr val="lt1">
+        <a:shade val="80000"/>
+      </a:schemeClr>
+    </dgm:linClrLst>
+    <dgm:effectClrLst/>
+    <dgm:txLinClrLst/>
+    <dgm:txFillClrLst/>
+    <dgm:txEffectClrLst/>
+  </dgm:styleLbl>
+  <dgm:styleLbl name="asst1">
+    <dgm:fillClrLst meth="repeat">
+      <a:schemeClr val="accent3"/>
+    </dgm:fillClrLst>
+    <dgm:linClrLst meth="repeat">
+      <a:schemeClr val="lt1">
+        <a:shade val="80000"/>
+      </a:schemeClr>
+    </dgm:linClrLst>
+    <dgm:effectClrLst/>
+    <dgm:txLinClrLst/>
+    <dgm:txFillClrLst/>
+    <dgm:txEffectClrLst/>
+  </dgm:styleLbl>
+  <dgm:styleLbl name="asst2">
+    <dgm:fillClrLst>
+      <a:schemeClr val="accent4"/>
+    </dgm:fillClrLst>
+    <dgm:linClrLst meth="repeat">
+      <a:schemeClr val="lt1"/>
+    </dgm:linClrLst>
+    <dgm:effectClrLst/>
+    <dgm:txLinClrLst/>
+    <dgm:txFillClrLst/>
+    <dgm:txEffectClrLst/>
+  </dgm:styleLbl>
+  <dgm:styleLbl name="asst3">
+    <dgm:fillClrLst>
+      <a:schemeClr val="accent5"/>
+    </dgm:fillClrLst>
+    <dgm:linClrLst meth="repeat">
+      <a:schemeClr val="lt1"/>
+    </dgm:linClrLst>
+    <dgm:effectClrLst/>
+    <dgm:txLinClrLst/>
+    <dgm:txFillClrLst/>
+    <dgm:txEffectClrLst/>
+  </dgm:styleLbl>
+  <dgm:styleLbl name="asst4">
+    <dgm:fillClrLst>
+      <a:schemeClr val="accent6"/>
+    </dgm:fillClrLst>
+    <dgm:linClrLst meth="repeat">
+      <a:schemeClr val="lt1"/>
+    </dgm:linClrLst>
+    <dgm:effectClrLst/>
+    <dgm:txLinClrLst/>
+    <dgm:txFillClrLst/>
+    <dgm:txEffectClrLst/>
+  </dgm:styleLbl>
+  <dgm:styleLbl name="parChTrans2D1">
+    <dgm:fillClrLst meth="repeat">
+      <a:schemeClr val="accent2"/>
+    </dgm:fillClrLst>
+    <dgm:linClrLst meth="repeat">
+      <a:schemeClr val="lt1"/>
+    </dgm:linClrLst>
+    <dgm:effectClrLst/>
+    <dgm:txLinClrLst/>
+    <dgm:txFillClrLst meth="repeat">
+      <a:schemeClr val="lt1"/>
+    </dgm:txFillClrLst>
+    <dgm:txEffectClrLst/>
+  </dgm:styleLbl>
+  <dgm:styleLbl name="parChTrans2D2">
+    <dgm:fillClrLst meth="repeat">
+      <a:schemeClr val="accent3"/>
+    </dgm:fillClrLst>
+    <dgm:linClrLst meth="repeat">
+      <a:schemeClr val="lt1"/>
+    </dgm:linClrLst>
+    <dgm:effectClrLst/>
+    <dgm:txLinClrLst/>
+    <dgm:txFillClrLst/>
+    <dgm:txEffectClrLst/>
+  </dgm:styleLbl>
+  <dgm:styleLbl name="parChTrans2D3">
+    <dgm:fillClrLst meth="repeat">
+      <a:schemeClr val="accent4"/>
+    </dgm:fillClrLst>
+    <dgm:linClrLst meth="repeat">
+      <a:schemeClr val="lt1"/>
+    </dgm:linClrLst>
+    <dgm:effectClrLst/>
+    <dgm:txLinClrLst/>
+    <dgm:txFillClrLst/>
+    <dgm:txEffectClrLst/>
+  </dgm:styleLbl>
+  <dgm:styleLbl name="parChTrans2D4">
+    <dgm:fillClrLst meth="repeat">
+      <a:schemeClr val="accent5"/>
+    </dgm:fillClrLst>
+    <dgm:linClrLst meth="repeat">
+      <a:schemeClr val="lt1"/>
+    </dgm:linClrLst>
+    <dgm:effectClrLst/>
+    <dgm:txLinClrLst/>
+    <dgm:txFillClrLst meth="repeat">
+      <a:schemeClr val="lt1"/>
+    </dgm:txFillClrLst>
+    <dgm:txEffectClrLst/>
+  </dgm:styleLbl>
+  <dgm:styleLbl name="parChTrans1D1">
+    <dgm:fillClrLst meth="repeat">
+      <a:schemeClr val="accent2"/>
+    </dgm:fillClrLst>
+    <dgm:linClrLst meth="repeat">
+      <a:schemeClr val="accent2"/>
+    </dgm:linClrLst>
+    <dgm:effectClrLst/>
+    <dgm:txLinClrLst/>
+    <dgm:txFillClrLst meth="repeat">
+      <a:schemeClr val="tx1"/>
+    </dgm:txFillClrLst>
+    <dgm:txEffectClrLst/>
+  </dgm:styleLbl>
+  <dgm:styleLbl name="parChTrans1D2">
+    <dgm:fillClrLst meth="repeat">
+      <a:schemeClr val="accent2">
+        <a:tint val="90000"/>
+      </a:schemeClr>
+    </dgm:fillClrLst>
+    <dgm:linClrLst meth="repeat">
+      <a:schemeClr val="accent3"/>
+    </dgm:linClrLst>
+    <dgm:effectClrLst/>
+    <dgm:txLinClrLst/>
+    <dgm:txFillClrLst meth="repeat">
+      <a:schemeClr val="tx1"/>
+    </dgm:txFillClrLst>
+    <dgm:txEffectClrLst/>
+  </dgm:styleLbl>
+  <dgm:styleLbl name="parChTrans1D3">
+    <dgm:fillClrLst meth="repeat">
+      <a:schemeClr val="accent2">
+        <a:tint val="70000"/>
+      </a:schemeClr>
+    </dgm:fillClrLst>
+    <dgm:linClrLst meth="repeat">
+      <a:schemeClr val="accent4"/>
+    </dgm:linClrLst>
+    <dgm:effectClrLst/>
+    <dgm:txLinClrLst/>
+    <dgm:txFillClrLst meth="repeat">
+      <a:schemeClr val="tx1"/>
+    </dgm:txFillClrLst>
+    <dgm:txEffectClrLst/>
+  </dgm:styleLbl>
+  <dgm:styleLbl name="parChTrans1D4">
+    <dgm:fillClrLst meth="repeat">
+      <a:schemeClr val="accent2">
+        <a:tint val="50000"/>
+      </a:schemeClr>
+    </dgm:fillClrLst>
+    <dgm:linClrLst meth="repeat">
+      <a:schemeClr val="accent5"/>
+    </dgm:linClrLst>
+    <dgm:effectClrLst/>
+    <dgm:txLinClrLst/>
+    <dgm:txFillClrLst meth="repeat">
+      <a:schemeClr val="tx1"/>
+    </dgm:txFillClrLst>
+    <dgm:txEffectClrLst/>
+  </dgm:styleLbl>
+  <dgm:styleLbl name="fgAcc1">
+    <dgm:fillClrLst meth="repeat">
+      <a:schemeClr val="lt1">
+        <a:alpha val="90000"/>
+      </a:schemeClr>
+    </dgm:fillClrLst>
+    <dgm:linClrLst>
+      <a:schemeClr val="accent2"/>
+      <a:schemeClr val="accent3"/>
+    </dgm:linClrLst>
+    <dgm:effectClrLst/>
+    <dgm:txLinClrLst/>
+    <dgm:txFillClrLst meth="repeat">
+      <a:schemeClr val="dk1"/>
+    </dgm:txFillClrLst>
+    <dgm:txEffectClrLst/>
+  </dgm:styleLbl>
+  <dgm:styleLbl name="conFgAcc1">
+    <dgm:fillClrLst meth="repeat">
+      <a:schemeClr val="lt1">
+        <a:alpha val="90000"/>
+      </a:schemeClr>
+    </dgm:fillClrLst>
+    <dgm:linClrLst>
+      <a:schemeClr val="accent2"/>
+      <a:schemeClr val="accent3"/>
+    </dgm:linClrLst>
+    <dgm:effectClrLst/>
+    <dgm:txLinClrLst/>
+    <dgm:txFillClrLst meth="repeat">
+      <a:schemeClr val="dk1"/>
+    </dgm:txFillClrLst>
+    <dgm:txEffectClrLst/>
+  </dgm:styleLbl>
+  <dgm:styleLbl name="alignAcc1">
+    <dgm:fillClrLst meth="repeat">
+      <a:schemeClr val="lt1">
+        <a:alpha val="90000"/>
+      </a:schemeClr>
+    </dgm:fillClrLst>
+    <dgm:linClrLst>
+      <a:schemeClr val="accent2"/>
+      <a:schemeClr val="accent3"/>
+    </dgm:linClrLst>
+    <dgm:effectClrLst/>
+    <dgm:txLinClrLst/>
+    <dgm:txFillClrLst meth="repeat">
+      <a:schemeClr val="dk1"/>
+    </dgm:txFillClrLst>
+    <dgm:txEffectClrLst/>
+  </dgm:styleLbl>
+  <dgm:styleLbl name="trAlignAcc1">
+    <dgm:fillClrLst meth="repeat">
+      <a:schemeClr val="lt1">
+        <a:alpha val="40000"/>
+      </a:schemeClr>
+    </dgm:fillClrLst>
+    <dgm:linClrLst meth="repeat">
+      <a:schemeClr val="accent2"/>
+    </dgm:linClrLst>
+    <dgm:effectClrLst/>
+    <dgm:txLinClrLst/>
+    <dgm:txFillClrLst meth="repeat">
+      <a:schemeClr val="dk1"/>
+    </dgm:txFillClrLst>
+    <dgm:txEffectClrLst/>
+  </dgm:styleLbl>
+  <dgm:styleLbl name="bgAcc1">
+    <dgm:fillClrLst meth="repeat">
+      <a:schemeClr val="lt1">
+        <a:alpha val="90000"/>
+      </a:schemeClr>
+    </dgm:fillClrLst>
+    <dgm:linClrLst>
+      <a:schemeClr val="accent2"/>
+      <a:schemeClr val="accent3"/>
+    </dgm:linClrLst>
+    <dgm:effectClrLst/>
+    <dgm:txLinClrLst/>
+    <dgm:txFillClrLst meth="repeat">
+      <a:schemeClr val="dk1"/>
+    </dgm:txFillClrLst>
+    <dgm:txEffectClrLst/>
+  </dgm:styleLbl>
+  <dgm:styleLbl name="solidFgAcc1">
+    <dgm:fillClrLst meth="repeat">
+      <a:schemeClr val="lt1"/>
+    </dgm:fillClrLst>
+    <dgm:linClrLst>
+      <a:schemeClr val="accent2"/>
+      <a:schemeClr val="accent3"/>
+    </dgm:linClrLst>
+    <dgm:effectClrLst/>
+    <dgm:txLinClrLst/>
+    <dgm:txFillClrLst meth="repeat">
+      <a:schemeClr val="dk1"/>
+    </dgm:txFillClrLst>
+    <dgm:txEffectClrLst/>
+  </dgm:styleLbl>
+  <dgm:styleLbl name="solidAlignAcc1">
+    <dgm:fillClrLst meth="repeat">
+      <a:schemeClr val="lt1"/>
+    </dgm:fillClrLst>
+    <dgm:linClrLst>
+      <a:schemeClr val="accent2"/>
+      <a:schemeClr val="accent3"/>
+    </dgm:linClrLst>
+    <dgm:effectClrLst/>
+    <dgm:txLinClrLst/>
+    <dgm:txFillClrLst meth="repeat">
+      <a:schemeClr val="dk1"/>
+    </dgm:txFillClrLst>
+    <dgm:txEffectClrLst/>
+  </dgm:styleLbl>
+  <dgm:styleLbl name="solidBgAcc1">
+    <dgm:fillClrLst meth="repeat">
+      <a:schemeClr val="lt1"/>
+    </dgm:fillClrLst>
+    <dgm:linClrLst>
+      <a:schemeClr val="accent2"/>
+      <a:schemeClr val="accent3"/>
+    </dgm:linClrLst>
+    <dgm:effectClrLst/>
+    <dgm:txLinClrLst/>
+    <dgm:txFillClrLst meth="repeat">
+      <a:schemeClr val="dk1"/>
+    </dgm:txFillClrLst>
+    <dgm:txEffectClrLst/>
+  </dgm:styleLbl>
+  <dgm:styleLbl name="fgAccFollowNode1">
+    <dgm:fillClrLst>
+      <a:schemeClr val="accent2">
+        <a:tint val="40000"/>
+        <a:alpha val="90000"/>
+      </a:schemeClr>
+      <a:schemeClr val="accent3">
+        <a:tint val="40000"/>
+        <a:alpha val="90000"/>
+      </a:schemeClr>
+    </dgm:fillClrLst>
+    <dgm:linClrLst>
+      <a:schemeClr val="accent2">
+        <a:tint val="40000"/>
+        <a:alpha val="90000"/>
+      </a:schemeClr>
+      <a:schemeClr val="accent3">
+        <a:tint val="40000"/>
+        <a:alpha val="90000"/>
+      </a:schemeClr>
+    </dgm:linClrLst>
+    <dgm:effectClrLst/>
+    <dgm:txLinClrLst/>
+    <dgm:txFillClrLst meth="repeat">
+      <a:schemeClr val="dk1"/>
+    </dgm:txFillClrLst>
+    <dgm:txEffectClrLst/>
+  </dgm:styleLbl>
+  <dgm:styleLbl name="alignAccFollowNode1">
+    <dgm:fillClrLst>
+      <a:schemeClr val="accent2">
+        <a:tint val="40000"/>
+        <a:alpha val="90000"/>
+      </a:schemeClr>
+      <a:schemeClr val="accent3">
+        <a:tint val="40000"/>
+        <a:alpha val="90000"/>
+      </a:schemeClr>
+    </dgm:fillClrLst>
+    <dgm:linClrLst>
+      <a:schemeClr val="accent2">
+        <a:tint val="40000"/>
+        <a:alpha val="90000"/>
+      </a:schemeClr>
+      <a:schemeClr val="accent3">
+        <a:tint val="40000"/>
+        <a:alpha val="90000"/>
+      </a:schemeClr>
+    </dgm:linClrLst>
+    <dgm:effectClrLst/>
+    <dgm:txLinClrLst/>
+    <dgm:txFillClrLst meth="repeat">
+      <a:schemeClr val="dk1"/>
+    </dgm:txFillClrLst>
+    <dgm:txEffectClrLst/>
+  </dgm:styleLbl>
+  <dgm:styleLbl name="bgAccFollowNode1">
+    <dgm:fillClrLst>
+      <a:schemeClr val="accent2">
+        <a:tint val="40000"/>
+        <a:alpha val="90000"/>
+      </a:schemeClr>
+      <a:schemeClr val="accent3">
+        <a:tint val="40000"/>
+        <a:alpha val="90000"/>
+      </a:schemeClr>
+    </dgm:fillClrLst>
+    <dgm:linClrLst>
+      <a:schemeClr val="accent2">
+        <a:tint val="40000"/>
+        <a:alpha val="90000"/>
+      </a:schemeClr>
+      <a:schemeClr val="accent3">
+        <a:tint val="40000"/>
+        <a:alpha val="90000"/>
+      </a:schemeClr>
+    </dgm:linClrLst>
+    <dgm:effectClrLst/>
+    <dgm:txLinClrLst/>
+    <dgm:txFillClrLst meth="repeat">
+      <a:schemeClr val="dk1"/>
+    </dgm:txFillClrLst>
+    <dgm:txEffectClrLst/>
+  </dgm:styleLbl>
+  <dgm:styleLbl name="fgAcc0">
+    <dgm:fillClrLst meth="repeat">
+      <a:schemeClr val="lt1">
+        <a:alpha val="90000"/>
+      </a:schemeClr>
+    </dgm:fillClrLst>
+    <dgm:linClrLst>
+      <a:schemeClr val="accent1"/>
+    </dgm:linClrLst>
+    <dgm:effectClrLst/>
+    <dgm:txLinClrLst/>
+    <dgm:txFillClrLst meth="repeat">
+      <a:schemeClr val="dk1"/>
+    </dgm:txFillClrLst>
+    <dgm:txEffectClrLst/>
+  </dgm:styleLbl>
+  <dgm:styleLbl name="fgAcc2">
+    <dgm:fillClrLst meth="repeat">
+      <a:schemeClr val="lt1">
+        <a:alpha val="90000"/>
+      </a:schemeClr>
+    </dgm:fillClrLst>
+    <dgm:linClrLst>
+      <a:schemeClr val="accent3"/>
+    </dgm:linClrLst>
+    <dgm:effectClrLst/>
+    <dgm:txLinClrLst/>
+    <dgm:txFillClrLst meth="repeat">
+      <a:schemeClr val="dk1"/>
+    </dgm:txFillClrLst>
+    <dgm:txEffectClrLst/>
+  </dgm:styleLbl>
+  <dgm:styleLbl name="fgAcc3">
+    <dgm:fillClrLst meth="repeat">
+      <a:schemeClr val="lt1">
+        <a:alpha val="90000"/>
+      </a:schemeClr>
+    </dgm:fillClrLst>
+    <dgm:linClrLst>
+      <a:schemeClr val="accent4"/>
+    </dgm:linClrLst>
+    <dgm:effectClrLst/>
+    <dgm:txLinClrLst/>
+    <dgm:txFillClrLst meth="repeat">
+      <a:schemeClr val="dk1"/>
+    </dgm:txFillClrLst>
+    <dgm:txEffectClrLst/>
+  </dgm:styleLbl>
+  <dgm:styleLbl name="fgAcc4">
+    <dgm:fillClrLst meth="repeat">
+      <a:schemeClr val="lt1">
+        <a:alpha val="90000"/>
+      </a:schemeClr>
+    </dgm:fillClrLst>
+    <dgm:linClrLst>
+      <a:schemeClr val="accent5"/>
+    </dgm:linClrLst>
+    <dgm:effectClrLst/>
+    <dgm:txLinClrLst/>
+    <dgm:txFillClrLst meth="repeat">
+      <a:schemeClr val="dk1"/>
+    </dgm:txFillClrLst>
+    <dgm:txEffectClrLst/>
+  </dgm:styleLbl>
+  <dgm:styleLbl name="bgShp">
+    <dgm:fillClrLst meth="repeat">
+      <a:schemeClr val="accent2">
+        <a:tint val="40000"/>
+      </a:schemeClr>
+    </dgm:fillClrLst>
+    <dgm:linClrLst meth="repeat">
+      <a:schemeClr val="dk1"/>
+    </dgm:linClrLst>
+    <dgm:effectClrLst/>
+    <dgm:txLinClrLst/>
+    <dgm:txFillClrLst meth="repeat">
+      <a:schemeClr val="dk1"/>
+    </dgm:txFillClrLst>
+    <dgm:txEffectClrLst/>
+  </dgm:styleLbl>
+  <dgm:styleLbl name="dkBgShp">
+    <dgm:fillClrLst meth="repeat">
+      <a:schemeClr val="accent2">
+        <a:shade val="90000"/>
+      </a:schemeClr>
+    </dgm:fillClrLst>
+    <dgm:linClrLst meth="repeat">
+      <a:schemeClr val="dk1"/>
+    </dgm:linClrLst>
+    <dgm:effectClrLst/>
+    <dgm:txLinClrLst/>
+    <dgm:txFillClrLst meth="repeat">
+      <a:schemeClr val="lt1"/>
+    </dgm:txFillClrLst>
+    <dgm:txEffectClrLst/>
+  </dgm:styleLbl>
+  <dgm:styleLbl name="trBgShp">
+    <dgm:fillClrLst meth="repeat">
+      <a:schemeClr val="accent2">
+        <a:tint val="50000"/>
+        <a:alpha val="40000"/>
+      </a:schemeClr>
+    </dgm:fillClrLst>
+    <dgm:linClrLst meth="repeat">
+      <a:schemeClr val="accent2"/>
+    </dgm:linClrLst>
+    <dgm:effectClrLst/>
+    <dgm:txLinClrLst/>
+    <dgm:txFillClrLst meth="repeat">
+      <a:schemeClr val="lt1"/>
+    </dgm:txFillClrLst>
+    <dgm:txEffectClrLst/>
+  </dgm:styleLbl>
+  <dgm:styleLbl name="fgShp">
+    <dgm:fillClrLst meth="repeat">
+      <a:schemeClr val="accent2">
+        <a:tint val="40000"/>
+      </a:schemeClr>
+    </dgm:fillClrLst>
+    <dgm:linClrLst meth="repeat">
+      <a:schemeClr val="lt1"/>
+    </dgm:linClrLst>
+    <dgm:effectClrLst/>
+    <dgm:txLinClrLst/>
+    <dgm:txFillClrLst meth="repeat">
+      <a:schemeClr val="dk1"/>
+    </dgm:txFillClrLst>
+    <dgm:txEffectClrLst/>
+  </dgm:styleLbl>
+  <dgm:styleLbl name="revTx">
+    <dgm:fillClrLst meth="repeat">
+      <a:schemeClr val="lt1">
+        <a:alpha val="0"/>
+      </a:schemeClr>
+    </dgm:fillClrLst>
+    <dgm:linClrLst meth="repeat">
+      <a:schemeClr val="dk1">
+        <a:alpha val="0"/>
+      </a:schemeClr>
+    </dgm:linClrLst>
+    <dgm:effectClrLst/>
+    <dgm:txLinClrLst/>
+    <dgm:txFillClrLst meth="repeat">
+      <a:schemeClr val="tx1"/>
+    </dgm:txFillClrLst>
+    <dgm:txEffectClrLst/>
+  </dgm:styleLbl>
+</dgm:colorsDef>
+</file>
+
+<file path=ppt/diagrams/data1.xml><?xml version="1.0" encoding="utf-8"?>
+<dgm:dataModel xmlns:dgm="http://schemas.openxmlformats.org/drawingml/2006/diagram" xmlns:a="http://schemas.openxmlformats.org/drawingml/2006/main">
+  <dgm:ptLst>
+    <dgm:pt modelId="{038AA3EA-98C2-4EB4-808F-7867FB947805}" type="doc">
+      <dgm:prSet loTypeId="urn:microsoft.com/office/officeart/2005/8/layout/list1" loCatId="list" qsTypeId="urn:microsoft.com/office/officeart/2005/8/quickstyle/simple4" qsCatId="simple" csTypeId="urn:microsoft.com/office/officeart/2005/8/colors/colorful2" csCatId="colorful"/>
+      <dgm:spPr/>
+      <dgm:t>
+        <a:bodyPr/>
+        <a:lstStyle/>
+        <a:p>
+          <a:endParaRPr lang="en-US"/>
+        </a:p>
+      </dgm:t>
+    </dgm:pt>
+    <dgm:pt modelId="{0ED261CC-59B4-4B70-BFCB-23F3E68922B4}">
+      <dgm:prSet/>
+      <dgm:spPr/>
+      <dgm:t>
+        <a:bodyPr/>
+        <a:lstStyle/>
+        <a:p>
+          <a:r>
+            <a:rPr lang="hu-HU"/>
+            <a:t>Funkcionális követelmények:</a:t>
+          </a:r>
+          <a:endParaRPr lang="en-US"/>
+        </a:p>
+      </dgm:t>
+    </dgm:pt>
+    <dgm:pt modelId="{47E2C487-63BD-4FFB-B77D-2339F29A24BF}" type="parTrans" cxnId="{BFF69ED5-4CE4-4803-9AA0-170D1CBAD135}">
+      <dgm:prSet/>
+      <dgm:spPr/>
+      <dgm:t>
+        <a:bodyPr/>
+        <a:lstStyle/>
+        <a:p>
+          <a:endParaRPr lang="en-US"/>
+        </a:p>
+      </dgm:t>
+    </dgm:pt>
+    <dgm:pt modelId="{3E8F4609-9B41-480D-8501-2A7105B85B63}" type="sibTrans" cxnId="{BFF69ED5-4CE4-4803-9AA0-170D1CBAD135}">
+      <dgm:prSet/>
+      <dgm:spPr/>
+      <dgm:t>
+        <a:bodyPr/>
+        <a:lstStyle/>
+        <a:p>
+          <a:endParaRPr lang="en-US"/>
+        </a:p>
+      </dgm:t>
+    </dgm:pt>
+    <dgm:pt modelId="{CE61AAB9-4D1A-49C7-A08E-54A838D2649B}">
+      <dgm:prSet/>
+      <dgm:spPr/>
+      <dgm:t>
+        <a:bodyPr/>
+        <a:lstStyle/>
+        <a:p>
+          <a:r>
+            <a:rPr lang="hu-HU"/>
+            <a:t>Egyéni tápanyagigények meghatározása</a:t>
+          </a:r>
+          <a:endParaRPr lang="en-US"/>
+        </a:p>
+      </dgm:t>
+    </dgm:pt>
+    <dgm:pt modelId="{BF9B2533-3235-4FF0-A080-D85B10A90D8F}" type="parTrans" cxnId="{9ED19E9A-8435-49B0-B38C-F8C322B1F4D3}">
+      <dgm:prSet/>
+      <dgm:spPr/>
+      <dgm:t>
+        <a:bodyPr/>
+        <a:lstStyle/>
+        <a:p>
+          <a:endParaRPr lang="en-US"/>
+        </a:p>
+      </dgm:t>
+    </dgm:pt>
+    <dgm:pt modelId="{D8609DD3-A62B-4B6A-B79A-FE8F780E9FB5}" type="sibTrans" cxnId="{9ED19E9A-8435-49B0-B38C-F8C322B1F4D3}">
+      <dgm:prSet/>
+      <dgm:spPr/>
+      <dgm:t>
+        <a:bodyPr/>
+        <a:lstStyle/>
+        <a:p>
+          <a:endParaRPr lang="en-US"/>
+        </a:p>
+      </dgm:t>
+    </dgm:pt>
+    <dgm:pt modelId="{6CA82EAE-5459-4D35-86C1-7B6F81065FCE}">
+      <dgm:prSet/>
+      <dgm:spPr/>
+      <dgm:t>
+        <a:bodyPr/>
+        <a:lstStyle/>
+        <a:p>
+          <a:r>
+            <a:rPr lang="hu-HU"/>
+            <a:t>Személyre szabott étrend generálása</a:t>
+          </a:r>
+          <a:endParaRPr lang="en-US"/>
+        </a:p>
+      </dgm:t>
+    </dgm:pt>
+    <dgm:pt modelId="{1D195863-3952-4C1E-B031-61971CC69A95}" type="parTrans" cxnId="{D566C4F3-66D1-4215-9BA5-28C518E5236F}">
+      <dgm:prSet/>
+      <dgm:spPr/>
+      <dgm:t>
+        <a:bodyPr/>
+        <a:lstStyle/>
+        <a:p>
+          <a:endParaRPr lang="en-US"/>
+        </a:p>
+      </dgm:t>
+    </dgm:pt>
+    <dgm:pt modelId="{9BAB19C8-7F47-4E23-8DD9-D17EA3FAFE87}" type="sibTrans" cxnId="{D566C4F3-66D1-4215-9BA5-28C518E5236F}">
+      <dgm:prSet/>
+      <dgm:spPr/>
+      <dgm:t>
+        <a:bodyPr/>
+        <a:lstStyle/>
+        <a:p>
+          <a:endParaRPr lang="en-US"/>
+        </a:p>
+      </dgm:t>
+    </dgm:pt>
+    <dgm:pt modelId="{C733F54B-9DC8-429A-984B-45537B6266C8}">
+      <dgm:prSet/>
+      <dgm:spPr/>
+      <dgm:t>
+        <a:bodyPr/>
+        <a:lstStyle/>
+        <a:p>
+          <a:r>
+            <a:rPr lang="hu-HU"/>
+            <a:t>Célkitűzésnek megfelelő grafikus előrejelzés</a:t>
+          </a:r>
+          <a:endParaRPr lang="en-US"/>
+        </a:p>
+      </dgm:t>
+    </dgm:pt>
+    <dgm:pt modelId="{250D9C6F-9B89-4617-B182-4EBFF44AE224}" type="parTrans" cxnId="{7DB134C1-342D-4B5A-8A9C-A43B5A8B3722}">
+      <dgm:prSet/>
+      <dgm:spPr/>
+      <dgm:t>
+        <a:bodyPr/>
+        <a:lstStyle/>
+        <a:p>
+          <a:endParaRPr lang="en-US"/>
+        </a:p>
+      </dgm:t>
+    </dgm:pt>
+    <dgm:pt modelId="{815D3E92-1547-46BC-B80F-B1220AC84AE8}" type="sibTrans" cxnId="{7DB134C1-342D-4B5A-8A9C-A43B5A8B3722}">
+      <dgm:prSet/>
+      <dgm:spPr/>
+      <dgm:t>
+        <a:bodyPr/>
+        <a:lstStyle/>
+        <a:p>
+          <a:endParaRPr lang="en-US"/>
+        </a:p>
+      </dgm:t>
+    </dgm:pt>
+    <dgm:pt modelId="{EA16A54A-ABE0-4C1B-9708-91F3308A62E7}">
+      <dgm:prSet/>
+      <dgm:spPr/>
+      <dgm:t>
+        <a:bodyPr/>
+        <a:lstStyle/>
+        <a:p>
+          <a:r>
+            <a:rPr lang="hu-HU"/>
+            <a:t>PDF export készítése</a:t>
+          </a:r>
+          <a:endParaRPr lang="en-US"/>
+        </a:p>
+      </dgm:t>
+    </dgm:pt>
+    <dgm:pt modelId="{272025E5-BC49-4C0E-A201-6F97ED846509}" type="parTrans" cxnId="{A54A71EC-9629-4693-82D6-CA16E1E1C124}">
+      <dgm:prSet/>
+      <dgm:spPr/>
+      <dgm:t>
+        <a:bodyPr/>
+        <a:lstStyle/>
+        <a:p>
+          <a:endParaRPr lang="en-US"/>
+        </a:p>
+      </dgm:t>
+    </dgm:pt>
+    <dgm:pt modelId="{BD7EBB51-3411-43CB-9B23-B6AD33E861EB}" type="sibTrans" cxnId="{A54A71EC-9629-4693-82D6-CA16E1E1C124}">
+      <dgm:prSet/>
+      <dgm:spPr/>
+      <dgm:t>
+        <a:bodyPr/>
+        <a:lstStyle/>
+        <a:p>
+          <a:endParaRPr lang="en-US"/>
+        </a:p>
+      </dgm:t>
+    </dgm:pt>
+    <dgm:pt modelId="{7512A1A0-01FB-4B0F-8BD5-7F1920200F7F}">
+      <dgm:prSet/>
+      <dgm:spPr/>
+      <dgm:t>
+        <a:bodyPr/>
+        <a:lstStyle/>
+        <a:p>
+          <a:r>
+            <a:rPr lang="hu-HU"/>
+            <a:t>Nem-funkcionális követelmények:</a:t>
+          </a:r>
+          <a:endParaRPr lang="en-US"/>
+        </a:p>
+      </dgm:t>
+    </dgm:pt>
+    <dgm:pt modelId="{E6AEECD7-E955-430D-877E-E5357C4925A9}" type="parTrans" cxnId="{E15B4460-000C-4465-834A-93EBE1245F55}">
+      <dgm:prSet/>
+      <dgm:spPr/>
+      <dgm:t>
+        <a:bodyPr/>
+        <a:lstStyle/>
+        <a:p>
+          <a:endParaRPr lang="en-US"/>
+        </a:p>
+      </dgm:t>
+    </dgm:pt>
+    <dgm:pt modelId="{531DA052-4578-42D1-B241-A454984D457F}" type="sibTrans" cxnId="{E15B4460-000C-4465-834A-93EBE1245F55}">
+      <dgm:prSet/>
+      <dgm:spPr/>
+      <dgm:t>
+        <a:bodyPr/>
+        <a:lstStyle/>
+        <a:p>
+          <a:endParaRPr lang="en-US"/>
+        </a:p>
+      </dgm:t>
+    </dgm:pt>
+    <dgm:pt modelId="{59FCEBB0-9935-4F17-B5C3-E74073899E04}">
+      <dgm:prSet/>
+      <dgm:spPr/>
+      <dgm:t>
+        <a:bodyPr/>
+        <a:lstStyle/>
+        <a:p>
+          <a:r>
+            <a:rPr lang="hu-HU"/>
+            <a:t>Hordozhatóság</a:t>
+          </a:r>
+          <a:endParaRPr lang="en-US"/>
+        </a:p>
+      </dgm:t>
+    </dgm:pt>
+    <dgm:pt modelId="{068C8090-A874-45C9-8F6A-69D00B8CEFC1}" type="parTrans" cxnId="{BBE55EE3-3AEF-4DC6-9079-5018A6E572C9}">
+      <dgm:prSet/>
+      <dgm:spPr/>
+      <dgm:t>
+        <a:bodyPr/>
+        <a:lstStyle/>
+        <a:p>
+          <a:endParaRPr lang="en-US"/>
+        </a:p>
+      </dgm:t>
+    </dgm:pt>
+    <dgm:pt modelId="{6C78F122-3A4C-466F-B992-909873CF4A1B}" type="sibTrans" cxnId="{BBE55EE3-3AEF-4DC6-9079-5018A6E572C9}">
+      <dgm:prSet/>
+      <dgm:spPr/>
+      <dgm:t>
+        <a:bodyPr/>
+        <a:lstStyle/>
+        <a:p>
+          <a:endParaRPr lang="en-US"/>
+        </a:p>
+      </dgm:t>
+    </dgm:pt>
+    <dgm:pt modelId="{4F9160E7-3D00-4143-9AEB-000A8835B58E}">
+      <dgm:prSet/>
+      <dgm:spPr/>
+      <dgm:t>
+        <a:bodyPr/>
+        <a:lstStyle/>
+        <a:p>
+          <a:r>
+            <a:rPr lang="hu-HU"/>
+            <a:t>Gyors működés</a:t>
+          </a:r>
+          <a:endParaRPr lang="en-US"/>
+        </a:p>
+      </dgm:t>
+    </dgm:pt>
+    <dgm:pt modelId="{24C98DE1-DE2A-4A12-A4F8-E25D25BC73E8}" type="parTrans" cxnId="{7622683F-6AF1-4D47-AA18-BA86189FF32B}">
+      <dgm:prSet/>
+      <dgm:spPr/>
+      <dgm:t>
+        <a:bodyPr/>
+        <a:lstStyle/>
+        <a:p>
+          <a:endParaRPr lang="en-US"/>
+        </a:p>
+      </dgm:t>
+    </dgm:pt>
+    <dgm:pt modelId="{EEAE265E-FE17-4206-A333-F82320728C6B}" type="sibTrans" cxnId="{7622683F-6AF1-4D47-AA18-BA86189FF32B}">
+      <dgm:prSet/>
+      <dgm:spPr/>
+      <dgm:t>
+        <a:bodyPr/>
+        <a:lstStyle/>
+        <a:p>
+          <a:endParaRPr lang="en-US"/>
+        </a:p>
+      </dgm:t>
+    </dgm:pt>
+    <dgm:pt modelId="{8B73AF1B-44E0-4FA2-93B3-22D24DBBDE21}">
+      <dgm:prSet/>
+      <dgm:spPr/>
+      <dgm:t>
+        <a:bodyPr/>
+        <a:lstStyle/>
+        <a:p>
+          <a:r>
+            <a:rPr lang="hu-HU"/>
+            <a:t>Könnyű használhatóság</a:t>
+          </a:r>
+          <a:endParaRPr lang="en-US"/>
+        </a:p>
+      </dgm:t>
+    </dgm:pt>
+    <dgm:pt modelId="{01207BB8-8AFE-4DF5-9A07-51BE0A1CC321}" type="parTrans" cxnId="{33F5CB8C-05DB-47B7-9482-248BC45A63B9}">
+      <dgm:prSet/>
+      <dgm:spPr/>
+      <dgm:t>
+        <a:bodyPr/>
+        <a:lstStyle/>
+        <a:p>
+          <a:endParaRPr lang="en-US"/>
+        </a:p>
+      </dgm:t>
+    </dgm:pt>
+    <dgm:pt modelId="{30057DD7-B9E4-46FF-9DE8-8F4F7D8CAB5D}" type="sibTrans" cxnId="{33F5CB8C-05DB-47B7-9482-248BC45A63B9}">
+      <dgm:prSet/>
+      <dgm:spPr/>
+      <dgm:t>
+        <a:bodyPr/>
+        <a:lstStyle/>
+        <a:p>
+          <a:endParaRPr lang="en-US"/>
+        </a:p>
+      </dgm:t>
+    </dgm:pt>
+    <dgm:pt modelId="{13B1BD04-B4F9-4703-8955-7AF709892205}">
+      <dgm:prSet/>
+      <dgm:spPr/>
+      <dgm:t>
+        <a:bodyPr/>
+        <a:lstStyle/>
+        <a:p>
+          <a:r>
+            <a:rPr lang="hu-HU"/>
+            <a:t>Személyes adatok védelme</a:t>
+          </a:r>
+          <a:endParaRPr lang="en-US"/>
+        </a:p>
+      </dgm:t>
+    </dgm:pt>
+    <dgm:pt modelId="{80D8FEB0-C158-4048-AD90-E9B245B56443}" type="parTrans" cxnId="{E5B0DAB8-D993-4AF9-9BF6-CB83541DE840}">
+      <dgm:prSet/>
+      <dgm:spPr/>
+      <dgm:t>
+        <a:bodyPr/>
+        <a:lstStyle/>
+        <a:p>
+          <a:endParaRPr lang="en-US"/>
+        </a:p>
+      </dgm:t>
+    </dgm:pt>
+    <dgm:pt modelId="{2B652A04-16E5-4D62-B198-FF38AA4BFD30}" type="sibTrans" cxnId="{E5B0DAB8-D993-4AF9-9BF6-CB83541DE840}">
+      <dgm:prSet/>
+      <dgm:spPr/>
+      <dgm:t>
+        <a:bodyPr/>
+        <a:lstStyle/>
+        <a:p>
+          <a:endParaRPr lang="en-US"/>
+        </a:p>
+      </dgm:t>
+    </dgm:pt>
+    <dgm:pt modelId="{24DFA4A1-8828-4141-9536-63709FBB9CDA}" type="pres">
+      <dgm:prSet presAssocID="{038AA3EA-98C2-4EB4-808F-7867FB947805}" presName="linear" presStyleCnt="0">
+        <dgm:presLayoutVars>
+          <dgm:dir/>
+          <dgm:animLvl val="lvl"/>
+          <dgm:resizeHandles val="exact"/>
+        </dgm:presLayoutVars>
+      </dgm:prSet>
+      <dgm:spPr/>
+    </dgm:pt>
+    <dgm:pt modelId="{AB904625-538B-43A8-91BD-83DCD65A9031}" type="pres">
+      <dgm:prSet presAssocID="{0ED261CC-59B4-4B70-BFCB-23F3E68922B4}" presName="parentLin" presStyleCnt="0"/>
+      <dgm:spPr/>
+    </dgm:pt>
+    <dgm:pt modelId="{26FD1912-5858-4676-9B01-22B9B1DCC2D0}" type="pres">
+      <dgm:prSet presAssocID="{0ED261CC-59B4-4B70-BFCB-23F3E68922B4}" presName="parentLeftMargin" presStyleLbl="node1" presStyleIdx="0" presStyleCnt="2"/>
+      <dgm:spPr/>
+    </dgm:pt>
+    <dgm:pt modelId="{EB22EE99-AC23-4FE1-969E-AF5CAE19D1A1}" type="pres">
+      <dgm:prSet presAssocID="{0ED261CC-59B4-4B70-BFCB-23F3E68922B4}" presName="parentText" presStyleLbl="node1" presStyleIdx="0" presStyleCnt="2">
+        <dgm:presLayoutVars>
+          <dgm:chMax val="0"/>
+          <dgm:bulletEnabled val="1"/>
+        </dgm:presLayoutVars>
+      </dgm:prSet>
+      <dgm:spPr/>
+    </dgm:pt>
+    <dgm:pt modelId="{74AB9729-9755-4C3D-9C27-B5B642B9646A}" type="pres">
+      <dgm:prSet presAssocID="{0ED261CC-59B4-4B70-BFCB-23F3E68922B4}" presName="negativeSpace" presStyleCnt="0"/>
+      <dgm:spPr/>
+    </dgm:pt>
+    <dgm:pt modelId="{59D7EE9E-7E37-4889-8A3A-A206792F7077}" type="pres">
+      <dgm:prSet presAssocID="{0ED261CC-59B4-4B70-BFCB-23F3E68922B4}" presName="childText" presStyleLbl="conFgAcc1" presStyleIdx="0" presStyleCnt="2">
+        <dgm:presLayoutVars>
+          <dgm:bulletEnabled val="1"/>
+        </dgm:presLayoutVars>
+      </dgm:prSet>
+      <dgm:spPr/>
+    </dgm:pt>
+    <dgm:pt modelId="{A4B6FEA6-9C1B-4C4A-9753-BFB42E2082A3}" type="pres">
+      <dgm:prSet presAssocID="{3E8F4609-9B41-480D-8501-2A7105B85B63}" presName="spaceBetweenRectangles" presStyleCnt="0"/>
+      <dgm:spPr/>
+    </dgm:pt>
+    <dgm:pt modelId="{414AE7AC-1741-46D2-990F-13B24C7E954E}" type="pres">
+      <dgm:prSet presAssocID="{7512A1A0-01FB-4B0F-8BD5-7F1920200F7F}" presName="parentLin" presStyleCnt="0"/>
+      <dgm:spPr/>
+    </dgm:pt>
+    <dgm:pt modelId="{2CE363A1-1201-4A31-8B1D-E3195C421922}" type="pres">
+      <dgm:prSet presAssocID="{7512A1A0-01FB-4B0F-8BD5-7F1920200F7F}" presName="parentLeftMargin" presStyleLbl="node1" presStyleIdx="0" presStyleCnt="2"/>
+      <dgm:spPr/>
+    </dgm:pt>
+    <dgm:pt modelId="{6F6582BA-AE18-48BC-B030-3E32B9BC3EF8}" type="pres">
+      <dgm:prSet presAssocID="{7512A1A0-01FB-4B0F-8BD5-7F1920200F7F}" presName="parentText" presStyleLbl="node1" presStyleIdx="1" presStyleCnt="2">
+        <dgm:presLayoutVars>
+          <dgm:chMax val="0"/>
+          <dgm:bulletEnabled val="1"/>
+        </dgm:presLayoutVars>
+      </dgm:prSet>
+      <dgm:spPr/>
+    </dgm:pt>
+    <dgm:pt modelId="{5A4D83A8-DAAA-42E2-89FA-E133A996E333}" type="pres">
+      <dgm:prSet presAssocID="{7512A1A0-01FB-4B0F-8BD5-7F1920200F7F}" presName="negativeSpace" presStyleCnt="0"/>
+      <dgm:spPr/>
+    </dgm:pt>
+    <dgm:pt modelId="{486F4D37-748C-4DBF-BE14-D17D388924B4}" type="pres">
+      <dgm:prSet presAssocID="{7512A1A0-01FB-4B0F-8BD5-7F1920200F7F}" presName="childText" presStyleLbl="conFgAcc1" presStyleIdx="1" presStyleCnt="2">
+        <dgm:presLayoutVars>
+          <dgm:bulletEnabled val="1"/>
+        </dgm:presLayoutVars>
+      </dgm:prSet>
+      <dgm:spPr/>
+    </dgm:pt>
+  </dgm:ptLst>
+  <dgm:cxnLst>
+    <dgm:cxn modelId="{404A8F05-A7FB-4AE9-9123-1E716B065B24}" type="presOf" srcId="{0ED261CC-59B4-4B70-BFCB-23F3E68922B4}" destId="{26FD1912-5858-4676-9B01-22B9B1DCC2D0}" srcOrd="0" destOrd="0" presId="urn:microsoft.com/office/officeart/2005/8/layout/list1"/>
+    <dgm:cxn modelId="{AC136308-46F5-4EFC-9154-5905E6B4DDA5}" type="presOf" srcId="{EA16A54A-ABE0-4C1B-9708-91F3308A62E7}" destId="{59D7EE9E-7E37-4889-8A3A-A206792F7077}" srcOrd="0" destOrd="3" presId="urn:microsoft.com/office/officeart/2005/8/layout/list1"/>
+    <dgm:cxn modelId="{47993A0B-5BB7-42C1-AA86-02A36F866B65}" type="presOf" srcId="{7512A1A0-01FB-4B0F-8BD5-7F1920200F7F}" destId="{2CE363A1-1201-4A31-8B1D-E3195C421922}" srcOrd="0" destOrd="0" presId="urn:microsoft.com/office/officeart/2005/8/layout/list1"/>
+    <dgm:cxn modelId="{B2F31A13-59FC-4CE9-9CA6-71A73474B94B}" type="presOf" srcId="{7512A1A0-01FB-4B0F-8BD5-7F1920200F7F}" destId="{6F6582BA-AE18-48BC-B030-3E32B9BC3EF8}" srcOrd="1" destOrd="0" presId="urn:microsoft.com/office/officeart/2005/8/layout/list1"/>
+    <dgm:cxn modelId="{53118624-1BB5-4349-9613-9DDA9B39F863}" type="presOf" srcId="{8B73AF1B-44E0-4FA2-93B3-22D24DBBDE21}" destId="{486F4D37-748C-4DBF-BE14-D17D388924B4}" srcOrd="0" destOrd="2" presId="urn:microsoft.com/office/officeart/2005/8/layout/list1"/>
+    <dgm:cxn modelId="{02FB582E-0F4C-410F-8D55-F1870F83F328}" type="presOf" srcId="{0ED261CC-59B4-4B70-BFCB-23F3E68922B4}" destId="{EB22EE99-AC23-4FE1-969E-AF5CAE19D1A1}" srcOrd="1" destOrd="0" presId="urn:microsoft.com/office/officeart/2005/8/layout/list1"/>
+    <dgm:cxn modelId="{7622683F-6AF1-4D47-AA18-BA86189FF32B}" srcId="{7512A1A0-01FB-4B0F-8BD5-7F1920200F7F}" destId="{4F9160E7-3D00-4143-9AEB-000A8835B58E}" srcOrd="1" destOrd="0" parTransId="{24C98DE1-DE2A-4A12-A4F8-E25D25BC73E8}" sibTransId="{EEAE265E-FE17-4206-A333-F82320728C6B}"/>
+    <dgm:cxn modelId="{E15B4460-000C-4465-834A-93EBE1245F55}" srcId="{038AA3EA-98C2-4EB4-808F-7867FB947805}" destId="{7512A1A0-01FB-4B0F-8BD5-7F1920200F7F}" srcOrd="1" destOrd="0" parTransId="{E6AEECD7-E955-430D-877E-E5357C4925A9}" sibTransId="{531DA052-4578-42D1-B241-A454984D457F}"/>
+    <dgm:cxn modelId="{79484A49-23A4-4084-9A93-212DCBABDB04}" type="presOf" srcId="{C733F54B-9DC8-429A-984B-45537B6266C8}" destId="{59D7EE9E-7E37-4889-8A3A-A206792F7077}" srcOrd="0" destOrd="2" presId="urn:microsoft.com/office/officeart/2005/8/layout/list1"/>
+    <dgm:cxn modelId="{AB95026D-98B1-463D-B307-7FD30019F931}" type="presOf" srcId="{13B1BD04-B4F9-4703-8955-7AF709892205}" destId="{486F4D37-748C-4DBF-BE14-D17D388924B4}" srcOrd="0" destOrd="3" presId="urn:microsoft.com/office/officeart/2005/8/layout/list1"/>
+    <dgm:cxn modelId="{323B9D74-3CDC-4C91-B237-7D111DEAB283}" type="presOf" srcId="{6CA82EAE-5459-4D35-86C1-7B6F81065FCE}" destId="{59D7EE9E-7E37-4889-8A3A-A206792F7077}" srcOrd="0" destOrd="1" presId="urn:microsoft.com/office/officeart/2005/8/layout/list1"/>
+    <dgm:cxn modelId="{68F3E279-F4DE-464B-92F4-14BF37EAF36B}" type="presOf" srcId="{4F9160E7-3D00-4143-9AEB-000A8835B58E}" destId="{486F4D37-748C-4DBF-BE14-D17D388924B4}" srcOrd="0" destOrd="1" presId="urn:microsoft.com/office/officeart/2005/8/layout/list1"/>
+    <dgm:cxn modelId="{33F5CB8C-05DB-47B7-9482-248BC45A63B9}" srcId="{7512A1A0-01FB-4B0F-8BD5-7F1920200F7F}" destId="{8B73AF1B-44E0-4FA2-93B3-22D24DBBDE21}" srcOrd="2" destOrd="0" parTransId="{01207BB8-8AFE-4DF5-9A07-51BE0A1CC321}" sibTransId="{30057DD7-B9E4-46FF-9DE8-8F4F7D8CAB5D}"/>
+    <dgm:cxn modelId="{9ED19E9A-8435-49B0-B38C-F8C322B1F4D3}" srcId="{0ED261CC-59B4-4B70-BFCB-23F3E68922B4}" destId="{CE61AAB9-4D1A-49C7-A08E-54A838D2649B}" srcOrd="0" destOrd="0" parTransId="{BF9B2533-3235-4FF0-A080-D85B10A90D8F}" sibTransId="{D8609DD3-A62B-4B6A-B79A-FE8F780E9FB5}"/>
+    <dgm:cxn modelId="{E5B0DAB8-D993-4AF9-9BF6-CB83541DE840}" srcId="{7512A1A0-01FB-4B0F-8BD5-7F1920200F7F}" destId="{13B1BD04-B4F9-4703-8955-7AF709892205}" srcOrd="3" destOrd="0" parTransId="{80D8FEB0-C158-4048-AD90-E9B245B56443}" sibTransId="{2B652A04-16E5-4D62-B198-FF38AA4BFD30}"/>
+    <dgm:cxn modelId="{7DB134C1-342D-4B5A-8A9C-A43B5A8B3722}" srcId="{0ED261CC-59B4-4B70-BFCB-23F3E68922B4}" destId="{C733F54B-9DC8-429A-984B-45537B6266C8}" srcOrd="2" destOrd="0" parTransId="{250D9C6F-9B89-4617-B182-4EBFF44AE224}" sibTransId="{815D3E92-1547-46BC-B80F-B1220AC84AE8}"/>
+    <dgm:cxn modelId="{E4340FC8-DA4B-45C8-BC81-705A40EF75E0}" type="presOf" srcId="{CE61AAB9-4D1A-49C7-A08E-54A838D2649B}" destId="{59D7EE9E-7E37-4889-8A3A-A206792F7077}" srcOrd="0" destOrd="0" presId="urn:microsoft.com/office/officeart/2005/8/layout/list1"/>
+    <dgm:cxn modelId="{4AA4BBCD-88EF-412D-8B15-27E2C3466A4E}" type="presOf" srcId="{59FCEBB0-9935-4F17-B5C3-E74073899E04}" destId="{486F4D37-748C-4DBF-BE14-D17D388924B4}" srcOrd="0" destOrd="0" presId="urn:microsoft.com/office/officeart/2005/8/layout/list1"/>
+    <dgm:cxn modelId="{BFF69ED5-4CE4-4803-9AA0-170D1CBAD135}" srcId="{038AA3EA-98C2-4EB4-808F-7867FB947805}" destId="{0ED261CC-59B4-4B70-BFCB-23F3E68922B4}" srcOrd="0" destOrd="0" parTransId="{47E2C487-63BD-4FFB-B77D-2339F29A24BF}" sibTransId="{3E8F4609-9B41-480D-8501-2A7105B85B63}"/>
+    <dgm:cxn modelId="{BBE55EE3-3AEF-4DC6-9079-5018A6E572C9}" srcId="{7512A1A0-01FB-4B0F-8BD5-7F1920200F7F}" destId="{59FCEBB0-9935-4F17-B5C3-E74073899E04}" srcOrd="0" destOrd="0" parTransId="{068C8090-A874-45C9-8F6A-69D00B8CEFC1}" sibTransId="{6C78F122-3A4C-466F-B992-909873CF4A1B}"/>
+    <dgm:cxn modelId="{B8C545E5-5461-455C-89DC-A86DBE2750B3}" type="presOf" srcId="{038AA3EA-98C2-4EB4-808F-7867FB947805}" destId="{24DFA4A1-8828-4141-9536-63709FBB9CDA}" srcOrd="0" destOrd="0" presId="urn:microsoft.com/office/officeart/2005/8/layout/list1"/>
+    <dgm:cxn modelId="{A54A71EC-9629-4693-82D6-CA16E1E1C124}" srcId="{0ED261CC-59B4-4B70-BFCB-23F3E68922B4}" destId="{EA16A54A-ABE0-4C1B-9708-91F3308A62E7}" srcOrd="3" destOrd="0" parTransId="{272025E5-BC49-4C0E-A201-6F97ED846509}" sibTransId="{BD7EBB51-3411-43CB-9B23-B6AD33E861EB}"/>
+    <dgm:cxn modelId="{D566C4F3-66D1-4215-9BA5-28C518E5236F}" srcId="{0ED261CC-59B4-4B70-BFCB-23F3E68922B4}" destId="{6CA82EAE-5459-4D35-86C1-7B6F81065FCE}" srcOrd="1" destOrd="0" parTransId="{1D195863-3952-4C1E-B031-61971CC69A95}" sibTransId="{9BAB19C8-7F47-4E23-8DD9-D17EA3FAFE87}"/>
+    <dgm:cxn modelId="{2E7C26B1-124D-42E5-981D-DEE94F46B1FC}" type="presParOf" srcId="{24DFA4A1-8828-4141-9536-63709FBB9CDA}" destId="{AB904625-538B-43A8-91BD-83DCD65A9031}" srcOrd="0" destOrd="0" presId="urn:microsoft.com/office/officeart/2005/8/layout/list1"/>
+    <dgm:cxn modelId="{1056CBCB-BDB4-4C4B-A488-988ED94A433A}" type="presParOf" srcId="{AB904625-538B-43A8-91BD-83DCD65A9031}" destId="{26FD1912-5858-4676-9B01-22B9B1DCC2D0}" srcOrd="0" destOrd="0" presId="urn:microsoft.com/office/officeart/2005/8/layout/list1"/>
+    <dgm:cxn modelId="{9B4F2B03-4109-4B6B-8F2B-F334E659B638}" type="presParOf" srcId="{AB904625-538B-43A8-91BD-83DCD65A9031}" destId="{EB22EE99-AC23-4FE1-969E-AF5CAE19D1A1}" srcOrd="1" destOrd="0" presId="urn:microsoft.com/office/officeart/2005/8/layout/list1"/>
+    <dgm:cxn modelId="{44ADF03C-76DE-41D2-92B4-D80E1981EC6D}" type="presParOf" srcId="{24DFA4A1-8828-4141-9536-63709FBB9CDA}" destId="{74AB9729-9755-4C3D-9C27-B5B642B9646A}" srcOrd="1" destOrd="0" presId="urn:microsoft.com/office/officeart/2005/8/layout/list1"/>
+    <dgm:cxn modelId="{1A1546AB-A1CD-413A-BF34-02645D3DA007}" type="presParOf" srcId="{24DFA4A1-8828-4141-9536-63709FBB9CDA}" destId="{59D7EE9E-7E37-4889-8A3A-A206792F7077}" srcOrd="2" destOrd="0" presId="urn:microsoft.com/office/officeart/2005/8/layout/list1"/>
+    <dgm:cxn modelId="{68EDC4DA-461A-480C-B134-0533E15ACD4C}" type="presParOf" srcId="{24DFA4A1-8828-4141-9536-63709FBB9CDA}" destId="{A4B6FEA6-9C1B-4C4A-9753-BFB42E2082A3}" srcOrd="3" destOrd="0" presId="urn:microsoft.com/office/officeart/2005/8/layout/list1"/>
+    <dgm:cxn modelId="{CC004C41-F912-4646-9333-D34936B3ED4E}" type="presParOf" srcId="{24DFA4A1-8828-4141-9536-63709FBB9CDA}" destId="{414AE7AC-1741-46D2-990F-13B24C7E954E}" srcOrd="4" destOrd="0" presId="urn:microsoft.com/office/officeart/2005/8/layout/list1"/>
+    <dgm:cxn modelId="{95763E66-B741-448D-B046-E51D965C35D3}" type="presParOf" srcId="{414AE7AC-1741-46D2-990F-13B24C7E954E}" destId="{2CE363A1-1201-4A31-8B1D-E3195C421922}" srcOrd="0" destOrd="0" presId="urn:microsoft.com/office/officeart/2005/8/layout/list1"/>
+    <dgm:cxn modelId="{037185BE-DD1E-41B7-808E-28B4A8AA6BFA}" type="presParOf" srcId="{414AE7AC-1741-46D2-990F-13B24C7E954E}" destId="{6F6582BA-AE18-48BC-B030-3E32B9BC3EF8}" srcOrd="1" destOrd="0" presId="urn:microsoft.com/office/officeart/2005/8/layout/list1"/>
+    <dgm:cxn modelId="{6B8F0B30-99CE-4936-9CCE-1133405A32A1}" type="presParOf" srcId="{24DFA4A1-8828-4141-9536-63709FBB9CDA}" destId="{5A4D83A8-DAAA-42E2-89FA-E133A996E333}" srcOrd="5" destOrd="0" presId="urn:microsoft.com/office/officeart/2005/8/layout/list1"/>
+    <dgm:cxn modelId="{3C6955F4-782C-48BC-A42E-8186DE1AA6A8}" type="presParOf" srcId="{24DFA4A1-8828-4141-9536-63709FBB9CDA}" destId="{486F4D37-748C-4DBF-BE14-D17D388924B4}" srcOrd="6" destOrd="0" presId="urn:microsoft.com/office/officeart/2005/8/layout/list1"/>
+  </dgm:cxnLst>
+  <dgm:bg/>
+  <dgm:whole/>
+  <dgm:extLst>
+    <a:ext uri="http://schemas.microsoft.com/office/drawing/2008/diagram">
+      <dsp:dataModelExt xmlns:dsp="http://schemas.microsoft.com/office/drawing/2008/diagram" relId="rId6" minVer="http://schemas.openxmlformats.org/drawingml/2006/diagram"/>
+    </a:ext>
+  </dgm:extLst>
+</dgm:dataModel>
+</file>
+
+<file path=ppt/diagrams/drawing1.xml><?xml version="1.0" encoding="utf-8"?>
+<dsp:drawing xmlns:dgm="http://schemas.openxmlformats.org/drawingml/2006/diagram" xmlns:dsp="http://schemas.microsoft.com/office/drawing/2008/diagram" xmlns:a="http://schemas.openxmlformats.org/drawingml/2006/main">
+  <dsp:spTree>
+    <dsp:nvGrpSpPr>
+      <dsp:cNvPr id="0" name=""/>
+      <dsp:cNvGrpSpPr/>
+    </dsp:nvGrpSpPr>
+    <dsp:grpSpPr/>
+    <dsp:sp modelId="{59D7EE9E-7E37-4889-8A3A-A206792F7077}">
+      <dsp:nvSpPr>
+        <dsp:cNvPr id="0" name=""/>
+        <dsp:cNvSpPr/>
+      </dsp:nvSpPr>
+      <dsp:spPr>
+        <a:xfrm>
+          <a:off x="0" y="580890"/>
+          <a:ext cx="6628804" cy="1852200"/>
+        </a:xfrm>
+        <a:prstGeom prst="rect">
+          <a:avLst/>
+        </a:prstGeom>
+        <a:solidFill>
+          <a:schemeClr val="lt1">
+            <a:alpha val="90000"/>
+            <a:hueOff val="0"/>
+            <a:satOff val="0"/>
+            <a:lumOff val="0"/>
+            <a:alphaOff val="0"/>
+          </a:schemeClr>
+        </a:solidFill>
+        <a:ln w="12700" cap="rnd" cmpd="sng" algn="ctr">
+          <a:solidFill>
+            <a:schemeClr val="accent2">
+              <a:hueOff val="0"/>
+              <a:satOff val="0"/>
+              <a:lumOff val="0"/>
+              <a:alphaOff val="0"/>
+            </a:schemeClr>
+          </a:solidFill>
+          <a:prstDash val="solid"/>
+        </a:ln>
+        <a:effectLst/>
+      </dsp:spPr>
+      <dsp:style>
+        <a:lnRef idx="1">
+          <a:scrgbClr r="0" g="0" b="0"/>
+        </a:lnRef>
+        <a:fillRef idx="1">
+          <a:scrgbClr r="0" g="0" b="0"/>
+        </a:fillRef>
+        <a:effectRef idx="0">
+          <a:scrgbClr r="0" g="0" b="0"/>
+        </a:effectRef>
+        <a:fontRef idx="minor"/>
+      </dsp:style>
+      <dsp:txBody>
+        <a:bodyPr spcFirstLastPara="0" vert="horz" wrap="square" lIns="514469" tIns="437388" rIns="514469" bIns="149352" numCol="1" spcCol="1270" anchor="t" anchorCtr="0">
+          <a:noAutofit/>
+        </a:bodyPr>
+        <a:lstStyle/>
+        <a:p>
+          <a:pPr marL="228600" lvl="1" indent="-228600" algn="l" defTabSz="933450">
+            <a:lnSpc>
+              <a:spcPct val="90000"/>
+            </a:lnSpc>
+            <a:spcBef>
+              <a:spcPct val="0"/>
+            </a:spcBef>
+            <a:spcAft>
+              <a:spcPct val="15000"/>
+            </a:spcAft>
+            <a:buChar char="•"/>
+          </a:pPr>
+          <a:r>
+            <a:rPr lang="hu-HU" sz="2100" kern="1200"/>
+            <a:t>Egyéni tápanyagigények meghatározása</a:t>
+          </a:r>
+          <a:endParaRPr lang="en-US" sz="2100" kern="1200"/>
+        </a:p>
+        <a:p>
+          <a:pPr marL="228600" lvl="1" indent="-228600" algn="l" defTabSz="933450">
+            <a:lnSpc>
+              <a:spcPct val="90000"/>
+            </a:lnSpc>
+            <a:spcBef>
+              <a:spcPct val="0"/>
+            </a:spcBef>
+            <a:spcAft>
+              <a:spcPct val="15000"/>
+            </a:spcAft>
+            <a:buChar char="•"/>
+          </a:pPr>
+          <a:r>
+            <a:rPr lang="hu-HU" sz="2100" kern="1200"/>
+            <a:t>Személyre szabott étrend generálása</a:t>
+          </a:r>
+          <a:endParaRPr lang="en-US" sz="2100" kern="1200"/>
+        </a:p>
+        <a:p>
+          <a:pPr marL="228600" lvl="1" indent="-228600" algn="l" defTabSz="933450">
+            <a:lnSpc>
+              <a:spcPct val="90000"/>
+            </a:lnSpc>
+            <a:spcBef>
+              <a:spcPct val="0"/>
+            </a:spcBef>
+            <a:spcAft>
+              <a:spcPct val="15000"/>
+            </a:spcAft>
+            <a:buChar char="•"/>
+          </a:pPr>
+          <a:r>
+            <a:rPr lang="hu-HU" sz="2100" kern="1200"/>
+            <a:t>Célkitűzésnek megfelelő grafikus előrejelzés</a:t>
+          </a:r>
+          <a:endParaRPr lang="en-US" sz="2100" kern="1200"/>
+        </a:p>
+        <a:p>
+          <a:pPr marL="228600" lvl="1" indent="-228600" algn="l" defTabSz="933450">
+            <a:lnSpc>
+              <a:spcPct val="90000"/>
+            </a:lnSpc>
+            <a:spcBef>
+              <a:spcPct val="0"/>
+            </a:spcBef>
+            <a:spcAft>
+              <a:spcPct val="15000"/>
+            </a:spcAft>
+            <a:buChar char="•"/>
+          </a:pPr>
+          <a:r>
+            <a:rPr lang="hu-HU" sz="2100" kern="1200"/>
+            <a:t>PDF export készítése</a:t>
+          </a:r>
+          <a:endParaRPr lang="en-US" sz="2100" kern="1200"/>
+        </a:p>
+      </dsp:txBody>
+      <dsp:txXfrm>
+        <a:off x="0" y="580890"/>
+        <a:ext cx="6628804" cy="1852200"/>
+      </dsp:txXfrm>
+    </dsp:sp>
+    <dsp:sp modelId="{EB22EE99-AC23-4FE1-969E-AF5CAE19D1A1}">
+      <dsp:nvSpPr>
+        <dsp:cNvPr id="0" name=""/>
+        <dsp:cNvSpPr/>
+      </dsp:nvSpPr>
+      <dsp:spPr>
+        <a:xfrm>
+          <a:off x="331440" y="270930"/>
+          <a:ext cx="4640162" cy="619920"/>
+        </a:xfrm>
+        <a:prstGeom prst="roundRect">
+          <a:avLst/>
+        </a:prstGeom>
+        <a:gradFill rotWithShape="0">
+          <a:gsLst>
+            <a:gs pos="0">
+              <a:schemeClr val="accent2">
+                <a:hueOff val="0"/>
+                <a:satOff val="0"/>
+                <a:lumOff val="0"/>
+                <a:alphaOff val="0"/>
+                <a:tint val="96000"/>
+                <a:lumMod val="100000"/>
+              </a:schemeClr>
+            </a:gs>
+            <a:gs pos="78000">
+              <a:schemeClr val="accent2">
+                <a:hueOff val="0"/>
+                <a:satOff val="0"/>
+                <a:lumOff val="0"/>
+                <a:alphaOff val="0"/>
+                <a:shade val="94000"/>
+                <a:lumMod val="94000"/>
+              </a:schemeClr>
+            </a:gs>
+          </a:gsLst>
+          <a:lin ang="5400000" scaled="0"/>
+        </a:gradFill>
+        <a:ln>
+          <a:noFill/>
+        </a:ln>
+        <a:effectLst>
+          <a:outerShdw blurRad="38100" dist="25400" dir="5400000" rotWithShape="0">
+            <a:srgbClr val="000000">
+              <a:alpha val="35000"/>
+            </a:srgbClr>
+          </a:outerShdw>
+        </a:effectLst>
+      </dsp:spPr>
+      <dsp:style>
+        <a:lnRef idx="0">
+          <a:scrgbClr r="0" g="0" b="0"/>
+        </a:lnRef>
+        <a:fillRef idx="3">
+          <a:scrgbClr r="0" g="0" b="0"/>
+        </a:fillRef>
+        <a:effectRef idx="2">
+          <a:scrgbClr r="0" g="0" b="0"/>
+        </a:effectRef>
+        <a:fontRef idx="minor">
+          <a:schemeClr val="lt1"/>
+        </a:fontRef>
+      </dsp:style>
+      <dsp:txBody>
+        <a:bodyPr spcFirstLastPara="0" vert="horz" wrap="square" lIns="175387" tIns="0" rIns="175387" bIns="0" numCol="1" spcCol="1270" anchor="ctr" anchorCtr="0">
+          <a:noAutofit/>
+        </a:bodyPr>
+        <a:lstStyle/>
+        <a:p>
+          <a:pPr marL="0" lvl="0" indent="0" algn="l" defTabSz="933450">
+            <a:lnSpc>
+              <a:spcPct val="90000"/>
+            </a:lnSpc>
+            <a:spcBef>
+              <a:spcPct val="0"/>
+            </a:spcBef>
+            <a:spcAft>
+              <a:spcPct val="35000"/>
+            </a:spcAft>
+            <a:buNone/>
+          </a:pPr>
+          <a:r>
+            <a:rPr lang="hu-HU" sz="2100" kern="1200"/>
+            <a:t>Funkcionális követelmények:</a:t>
+          </a:r>
+          <a:endParaRPr lang="en-US" sz="2100" kern="1200"/>
+        </a:p>
+      </dsp:txBody>
+      <dsp:txXfrm>
+        <a:off x="361702" y="301192"/>
+        <a:ext cx="4579638" cy="559396"/>
+      </dsp:txXfrm>
+    </dsp:sp>
+    <dsp:sp modelId="{486F4D37-748C-4DBF-BE14-D17D388924B4}">
+      <dsp:nvSpPr>
+        <dsp:cNvPr id="0" name=""/>
+        <dsp:cNvSpPr/>
+      </dsp:nvSpPr>
+      <dsp:spPr>
+        <a:xfrm>
+          <a:off x="0" y="2856450"/>
+          <a:ext cx="6628804" cy="1852200"/>
+        </a:xfrm>
+        <a:prstGeom prst="rect">
+          <a:avLst/>
+        </a:prstGeom>
+        <a:solidFill>
+          <a:schemeClr val="lt1">
+            <a:alpha val="90000"/>
+            <a:hueOff val="0"/>
+            <a:satOff val="0"/>
+            <a:lumOff val="0"/>
+            <a:alphaOff val="0"/>
+          </a:schemeClr>
+        </a:solidFill>
+        <a:ln w="12700" cap="rnd" cmpd="sng" algn="ctr">
+          <a:solidFill>
+            <a:schemeClr val="accent2">
+              <a:hueOff val="-2964286"/>
+              <a:satOff val="14200"/>
+              <a:lumOff val="13137"/>
+              <a:alphaOff val="0"/>
+            </a:schemeClr>
+          </a:solidFill>
+          <a:prstDash val="solid"/>
+        </a:ln>
+        <a:effectLst/>
+      </dsp:spPr>
+      <dsp:style>
+        <a:lnRef idx="1">
+          <a:scrgbClr r="0" g="0" b="0"/>
+        </a:lnRef>
+        <a:fillRef idx="1">
+          <a:scrgbClr r="0" g="0" b="0"/>
+        </a:fillRef>
+        <a:effectRef idx="0">
+          <a:scrgbClr r="0" g="0" b="0"/>
+        </a:effectRef>
+        <a:fontRef idx="minor"/>
+      </dsp:style>
+      <dsp:txBody>
+        <a:bodyPr spcFirstLastPara="0" vert="horz" wrap="square" lIns="514469" tIns="437388" rIns="514469" bIns="149352" numCol="1" spcCol="1270" anchor="t" anchorCtr="0">
+          <a:noAutofit/>
+        </a:bodyPr>
+        <a:lstStyle/>
+        <a:p>
+          <a:pPr marL="228600" lvl="1" indent="-228600" algn="l" defTabSz="933450">
+            <a:lnSpc>
+              <a:spcPct val="90000"/>
+            </a:lnSpc>
+            <a:spcBef>
+              <a:spcPct val="0"/>
+            </a:spcBef>
+            <a:spcAft>
+              <a:spcPct val="15000"/>
+            </a:spcAft>
+            <a:buChar char="•"/>
+          </a:pPr>
+          <a:r>
+            <a:rPr lang="hu-HU" sz="2100" kern="1200"/>
+            <a:t>Hordozhatóság</a:t>
+          </a:r>
+          <a:endParaRPr lang="en-US" sz="2100" kern="1200"/>
+        </a:p>
+        <a:p>
+          <a:pPr marL="228600" lvl="1" indent="-228600" algn="l" defTabSz="933450">
+            <a:lnSpc>
+              <a:spcPct val="90000"/>
+            </a:lnSpc>
+            <a:spcBef>
+              <a:spcPct val="0"/>
+            </a:spcBef>
+            <a:spcAft>
+              <a:spcPct val="15000"/>
+            </a:spcAft>
+            <a:buChar char="•"/>
+          </a:pPr>
+          <a:r>
+            <a:rPr lang="hu-HU" sz="2100" kern="1200"/>
+            <a:t>Gyors működés</a:t>
+          </a:r>
+          <a:endParaRPr lang="en-US" sz="2100" kern="1200"/>
+        </a:p>
+        <a:p>
+          <a:pPr marL="228600" lvl="1" indent="-228600" algn="l" defTabSz="933450">
+            <a:lnSpc>
+              <a:spcPct val="90000"/>
+            </a:lnSpc>
+            <a:spcBef>
+              <a:spcPct val="0"/>
+            </a:spcBef>
+            <a:spcAft>
+              <a:spcPct val="15000"/>
+            </a:spcAft>
+            <a:buChar char="•"/>
+          </a:pPr>
+          <a:r>
+            <a:rPr lang="hu-HU" sz="2100" kern="1200"/>
+            <a:t>Könnyű használhatóság</a:t>
+          </a:r>
+          <a:endParaRPr lang="en-US" sz="2100" kern="1200"/>
+        </a:p>
+        <a:p>
+          <a:pPr marL="228600" lvl="1" indent="-228600" algn="l" defTabSz="933450">
+            <a:lnSpc>
+              <a:spcPct val="90000"/>
+            </a:lnSpc>
+            <a:spcBef>
+              <a:spcPct val="0"/>
+            </a:spcBef>
+            <a:spcAft>
+              <a:spcPct val="15000"/>
+            </a:spcAft>
+            <a:buChar char="•"/>
+          </a:pPr>
+          <a:r>
+            <a:rPr lang="hu-HU" sz="2100" kern="1200"/>
+            <a:t>Személyes adatok védelme</a:t>
+          </a:r>
+          <a:endParaRPr lang="en-US" sz="2100" kern="1200"/>
+        </a:p>
+      </dsp:txBody>
+      <dsp:txXfrm>
+        <a:off x="0" y="2856450"/>
+        <a:ext cx="6628804" cy="1852200"/>
+      </dsp:txXfrm>
+    </dsp:sp>
+    <dsp:sp modelId="{6F6582BA-AE18-48BC-B030-3E32B9BC3EF8}">
+      <dsp:nvSpPr>
+        <dsp:cNvPr id="0" name=""/>
+        <dsp:cNvSpPr/>
+      </dsp:nvSpPr>
+      <dsp:spPr>
+        <a:xfrm>
+          <a:off x="331440" y="2546490"/>
+          <a:ext cx="4640162" cy="619920"/>
+        </a:xfrm>
+        <a:prstGeom prst="roundRect">
+          <a:avLst/>
+        </a:prstGeom>
+        <a:gradFill rotWithShape="0">
+          <a:gsLst>
+            <a:gs pos="0">
+              <a:schemeClr val="accent2">
+                <a:hueOff val="-2964286"/>
+                <a:satOff val="14200"/>
+                <a:lumOff val="13137"/>
+                <a:alphaOff val="0"/>
+                <a:tint val="96000"/>
+                <a:lumMod val="100000"/>
+              </a:schemeClr>
+            </a:gs>
+            <a:gs pos="78000">
+              <a:schemeClr val="accent2">
+                <a:hueOff val="-2964286"/>
+                <a:satOff val="14200"/>
+                <a:lumOff val="13137"/>
+                <a:alphaOff val="0"/>
+                <a:shade val="94000"/>
+                <a:lumMod val="94000"/>
+              </a:schemeClr>
+            </a:gs>
+          </a:gsLst>
+          <a:lin ang="5400000" scaled="0"/>
+        </a:gradFill>
+        <a:ln>
+          <a:noFill/>
+        </a:ln>
+        <a:effectLst>
+          <a:outerShdw blurRad="38100" dist="25400" dir="5400000" rotWithShape="0">
+            <a:srgbClr val="000000">
+              <a:alpha val="35000"/>
+            </a:srgbClr>
+          </a:outerShdw>
+        </a:effectLst>
+      </dsp:spPr>
+      <dsp:style>
+        <a:lnRef idx="0">
+          <a:scrgbClr r="0" g="0" b="0"/>
+        </a:lnRef>
+        <a:fillRef idx="3">
+          <a:scrgbClr r="0" g="0" b="0"/>
+        </a:fillRef>
+        <a:effectRef idx="2">
+          <a:scrgbClr r="0" g="0" b="0"/>
+        </a:effectRef>
+        <a:fontRef idx="minor">
+          <a:schemeClr val="lt1"/>
+        </a:fontRef>
+      </dsp:style>
+      <dsp:txBody>
+        <a:bodyPr spcFirstLastPara="0" vert="horz" wrap="square" lIns="175387" tIns="0" rIns="175387" bIns="0" numCol="1" spcCol="1270" anchor="ctr" anchorCtr="0">
+          <a:noAutofit/>
+        </a:bodyPr>
+        <a:lstStyle/>
+        <a:p>
+          <a:pPr marL="0" lvl="0" indent="0" algn="l" defTabSz="933450">
+            <a:lnSpc>
+              <a:spcPct val="90000"/>
+            </a:lnSpc>
+            <a:spcBef>
+              <a:spcPct val="0"/>
+            </a:spcBef>
+            <a:spcAft>
+              <a:spcPct val="35000"/>
+            </a:spcAft>
+            <a:buNone/>
+          </a:pPr>
+          <a:r>
+            <a:rPr lang="hu-HU" sz="2100" kern="1200"/>
+            <a:t>Nem-funkcionális követelmények:</a:t>
+          </a:r>
+          <a:endParaRPr lang="en-US" sz="2100" kern="1200"/>
+        </a:p>
+      </dsp:txBody>
+      <dsp:txXfrm>
+        <a:off x="361702" y="2576752"/>
+        <a:ext cx="4579638" cy="559396"/>
+      </dsp:txXfrm>
+    </dsp:sp>
+  </dsp:spTree>
+</dsp:drawing>
+</file>
+
+<file path=ppt/diagrams/layout1.xml><?xml version="1.0" encoding="utf-8"?>
+<dgm:layoutDef xmlns:dgm="http://schemas.openxmlformats.org/drawingml/2006/diagram" xmlns:a="http://schemas.openxmlformats.org/drawingml/2006/main" uniqueId="urn:microsoft.com/office/officeart/2005/8/layout/list1">
+  <dgm:title val=""/>
+  <dgm:desc val=""/>
+  <dgm:catLst>
+    <dgm:cat type="list" pri="4000"/>
+  </dgm:catLst>
+  <dgm:sampData>
+    <dgm:dataModel>
+      <dgm:ptLst>
+        <dgm:pt modelId="0" type="doc"/>
+        <dgm:pt modelId="1">
+          <dgm:prSet phldr="1"/>
+        </dgm:pt>
+        <dgm:pt modelId="2">
+          <dgm:prSet phldr="1"/>
+        </dgm:pt>
+        <dgm:pt modelId="3">
+          <dgm:prSet phldr="1"/>
+        </dgm:pt>
+      </dgm:ptLst>
+      <dgm:cxnLst>
+        <dgm:cxn modelId="4" srcId="0" destId="1" srcOrd="0" destOrd="0"/>
+        <dgm:cxn modelId="5" srcId="0" destId="2" srcOrd="1" destOrd="0"/>
+        <dgm:cxn modelId="6" srcId="0" destId="3" srcOrd="2" destOrd="0"/>
+      </dgm:cxnLst>
+      <dgm:bg/>
+      <dgm:whole/>
+    </dgm:dataModel>
+  </dgm:sampData>
+  <dgm:styleData>
+    <dgm:dataModel>
+      <dgm:ptLst>
+        <dgm:pt modelId="0" type="doc"/>
+        <dgm:pt modelId="1"/>
+        <dgm:pt modelId="2"/>
+      </dgm:ptLst>
+      <dgm:cxnLst>
+        <dgm:cxn modelId="4" srcId="0" destId="1" srcOrd="0" destOrd="0"/>
+        <dgm:cxn modelId="5" srcId="0" destId="2" srcOrd="1" destOrd="0"/>
+      </dgm:cxnLst>
+      <dgm:bg/>
+      <dgm:whole/>
+    </dgm:dataModel>
+  </dgm:styleData>
+  <dgm:clrData>
+    <dgm:dataModel>
+      <dgm:ptLst>
+        <dgm:pt modelId="0" type="doc"/>
+        <dgm:pt modelId="1"/>
+        <dgm:pt modelId="2"/>
+        <dgm:pt modelId="3"/>
+        <dgm:pt modelId="4"/>
+      </dgm:ptLst>
+      <dgm:cxnLst>
+        <dgm:cxn modelId="5" srcId="0" destId="1" srcOrd="0" destOrd="0"/>
+        <dgm:cxn modelId="6" srcId="0" destId="2" srcOrd="1" destOrd="0"/>
+        <dgm:cxn modelId="7" srcId="0" destId="3" srcOrd="2" destOrd="0"/>
+        <dgm:cxn modelId="8" srcId="0" destId="4" srcOrd="3" destOrd="0"/>
+      </dgm:cxnLst>
+      <dgm:bg/>
+      <dgm:whole/>
+    </dgm:dataModel>
+  </dgm:clrData>
+  <dgm:layoutNode name="linear">
+    <dgm:varLst>
+      <dgm:dir/>
+      <dgm:animLvl val="lvl"/>
+      <dgm:resizeHandles val="exact"/>
+    </dgm:varLst>
+    <dgm:choose name="Name0">
+      <dgm:if name="Name1" func="var" arg="dir" op="equ" val="norm">
+        <dgm:alg type="lin">
+          <dgm:param type="linDir" val="fromT"/>
+          <dgm:param type="vertAlign" val="mid"/>
+          <dgm:param type="horzAlign" val="l"/>
+          <dgm:param type="nodeHorzAlign" val="l"/>
+        </dgm:alg>
+      </dgm:if>
+      <dgm:else name="Name2">
+        <dgm:alg type="lin">
+          <dgm:param type="linDir" val="fromT"/>
+          <dgm:param type="vertAlign" val="mid"/>
+          <dgm:param type="horzAlign" val="r"/>
+          <dgm:param type="nodeHorzAlign" val="r"/>
+        </dgm:alg>
+      </dgm:else>
+    </dgm:choose>
+    <dgm:shape xmlns:r="http://schemas.openxmlformats.org/officeDocument/2006/relationships" r:blip="">
+      <dgm:adjLst/>
+    </dgm:shape>
+    <dgm:presOf/>
+    <dgm:constrLst>
+      <dgm:constr type="w" for="ch" forName="parentLin" refType="w"/>
+      <dgm:constr type="h" for="ch" forName="parentLin" val="INF"/>
+      <dgm:constr type="w" for="des" forName="parentLeftMargin" refType="w" fact="0.05"/>
+      <dgm:constr type="w" for="des" forName="parentText" refType="w" fact="0.7"/>
+      <dgm:constr type="h" for="des" forName="parentText" refType="primFontSz" refFor="des" refForName="parentText" fact="0.82"/>
+      <dgm:constr type="h" for="ch" forName="negativeSpace" refType="primFontSz" refFor="des" refForName="parentText" fact="-0.41"/>
+      <dgm:constr type="h" for="ch" forName="negativeSpace" refType="h" refFor="des" refForName="parentText" op="lte" fact="-0.82"/>
+      <dgm:constr type="h" for="ch" forName="negativeSpace" refType="h" refFor="des" refForName="parentText" op="gte" fact="-0.82"/>
+      <dgm:constr type="w" for="ch" forName="childText" refType="w"/>
+      <dgm:constr type="h" for="ch" forName="childText" refType="primFontSz" refFor="des" refForName="parentText" fact="0.7"/>
+      <dgm:constr type="primFontSz" for="des" forName="parentText" val="65"/>
+      <dgm:constr type="primFontSz" for="ch" forName="childText" refType="primFontSz" refFor="des" refForName="parentText"/>
+      <dgm:constr type="tMarg" for="ch" forName="childText" refType="primFontSz" refFor="des" refForName="parentText" fact="1.64"/>
+      <dgm:constr type="tMarg" for="ch" forName="childText" refType="h" refFor="des" refForName="parentText" op="lte" fact="3.28"/>
+      <dgm:constr type="tMarg" for="ch" forName="childText" refType="h" refFor="des" refForName="parentText" op="gte" fact="3.28"/>
+      <dgm:constr type="lMarg" for="ch" forName="childText" refType="w" fact="0.22"/>
+      <dgm:constr type="rMarg" for="ch" forName="childText" refType="lMarg" refFor="ch" refForName="childText"/>
+      <dgm:constr type="lMarg" for="des" forName="parentText" refType="w" fact="0.075"/>
+      <dgm:constr type="rMarg" for="des" forName="parentText" refType="lMarg" refFor="des" refForName="parentText"/>
+      <dgm:constr type="h" for="ch" forName="spaceBetweenRectangles" refType="primFontSz" refFor="des" refForName="parentText" fact="0.15"/>
+    </dgm:constrLst>
+    <dgm:ruleLst>
+      <dgm:rule type="primFontSz" for="des" forName="parentText" val="5" fact="NaN" max="NaN"/>
+    </dgm:ruleLst>
+    <dgm:forEach name="Name3" axis="ch" ptType="node">
+      <dgm:layoutNode name="parentLin">
+        <dgm:choose name="Name4">
+          <dgm:if name="Name5" func="var" arg="dir" op="equ" val="norm">
+            <dgm:alg type="lin">
+              <dgm:param type="linDir" val="fromL"/>
+              <dgm:param type="horzAlign" val="l"/>
+              <dgm:param type="nodeHorzAlign" val="l"/>
+            </dgm:alg>
+          </dgm:if>
+          <dgm:else name="Name6">
+            <dgm:alg type="lin">
+              <dgm:param type="linDir" val="fromR"/>
+              <dgm:param type="horzAlign" val="r"/>
+              <dgm:param type="nodeHorzAlign" val="r"/>
+            </dgm:alg>
+          </dgm:else>
+        </dgm:choose>
+        <dgm:shape xmlns:r="http://schemas.openxmlformats.org/officeDocument/2006/relationships" r:blip="">
+          <dgm:adjLst/>
+        </dgm:shape>
+        <dgm:presOf/>
+        <dgm:constrLst/>
+        <dgm:ruleLst/>
+        <dgm:layoutNode name="parentLeftMargin">
+          <dgm:alg type="sp"/>
+          <dgm:shape xmlns:r="http://schemas.openxmlformats.org/officeDocument/2006/relationships" type="rect" r:blip="" hideGeom="1">
+            <dgm:adjLst/>
+          </dgm:shape>
+          <dgm:presOf axis="self"/>
+          <dgm:constrLst>
+            <dgm:constr type="h"/>
+          </dgm:constrLst>
+          <dgm:ruleLst/>
+        </dgm:layoutNode>
+        <dgm:layoutNode name="parentText" styleLbl="node1">
+          <dgm:varLst>
+            <dgm:chMax val="0"/>
+            <dgm:bulletEnabled val="1"/>
+          </dgm:varLst>
+          <dgm:choose name="Name7">
+            <dgm:if name="Name8" func="var" arg="dir" op="equ" val="norm">
+              <dgm:alg type="tx">
+                <dgm:param type="parTxLTRAlign" val="l"/>
+                <dgm:param type="parTxRTLAlign" val="l"/>
+              </dgm:alg>
+            </dgm:if>
+            <dgm:else name="Name9">
+              <dgm:alg type="tx">
+                <dgm:param type="parTxLTRAlign" val="r"/>
+                <dgm:param type="parTxRTLAlign" val="r"/>
+              </dgm:alg>
+            </dgm:else>
+          </dgm:choose>
+          <dgm:shape xmlns:r="http://schemas.openxmlformats.org/officeDocument/2006/relationships" type="roundRect" r:blip="">
+            <dgm:adjLst/>
+          </dgm:shape>
+          <dgm:presOf axis="self" ptType="node"/>
+          <dgm:constrLst>
+            <dgm:constr type="tMarg"/>
+            <dgm:constr type="bMarg"/>
+          </dgm:constrLst>
+          <dgm:ruleLst/>
+        </dgm:layoutNode>
+      </dgm:layoutNode>
+      <dgm:layoutNode name="negativeSpace">
+        <dgm:alg type="sp"/>
+        <dgm:shape xmlns:r="http://schemas.openxmlformats.org/officeDocument/2006/relationships" r:blip="">
+          <dgm:adjLst/>
+        </dgm:shape>
+        <dgm:presOf/>
+        <dgm:constrLst/>
+        <dgm:ruleLst/>
+      </dgm:layoutNode>
+      <dgm:layoutNode name="childText" styleLbl="conFgAcc1">
+        <dgm:varLst>
+          <dgm:bulletEnabled val="1"/>
+        </dgm:varLst>
+        <dgm:alg type="tx">
+          <dgm:param type="stBulletLvl" val="1"/>
+        </dgm:alg>
+        <dgm:shape xmlns:r="http://schemas.openxmlformats.org/officeDocument/2006/relationships" type="rect" r:blip="" zOrderOff="-2">
+          <dgm:adjLst/>
+        </dgm:shape>
+        <dgm:presOf axis="des" ptType="node"/>
+        <dgm:constrLst>
+          <dgm:constr type="secFontSz" refType="primFontSz"/>
+        </dgm:constrLst>
+        <dgm:ruleLst>
+          <dgm:rule type="h" val="INF" fact="NaN" max="NaN"/>
+        </dgm:ruleLst>
+      </dgm:layoutNode>
+      <dgm:forEach name="Name10" axis="followSib" ptType="sibTrans" cnt="1">
+        <dgm:layoutNode name="spaceBetweenRectangles">
+          <dgm:alg type="sp"/>
+          <dgm:shape xmlns:r="http://schemas.openxmlformats.org/officeDocument/2006/relationships" r:blip="">
+            <dgm:adjLst/>
+          </dgm:shape>
+          <dgm:presOf/>
+          <dgm:constrLst/>
+          <dgm:ruleLst/>
+        </dgm:layoutNode>
+      </dgm:forEach>
+    </dgm:forEach>
+  </dgm:layoutNode>
+</dgm:layoutDef>
+</file>
+
+<file path=ppt/diagrams/quickStyle1.xml><?xml version="1.0" encoding="utf-8"?>
+<dgm:styleDef xmlns:dgm="http://schemas.openxmlformats.org/drawingml/2006/diagram" xmlns:a="http://schemas.openxmlformats.org/drawingml/2006/main" uniqueId="urn:microsoft.com/office/officeart/2005/8/quickstyle/simple4">
+  <dgm:title val=""/>
+  <dgm:desc val=""/>
+  <dgm:catLst>
+    <dgm:cat type="simple" pri="10400"/>
+  </dgm:catLst>
+  <dgm:scene3d>
+    <a:camera prst="orthographicFront"/>
+    <a:lightRig rig="threePt" dir="t"/>
+  </dgm:scene3d>
+  <dgm:styleLbl name="node0">
+    <dgm:scene3d>
+      <a:camera prst="orthographicFront"/>
+      <a:lightRig rig="threePt" dir="t"/>
+    </dgm:scene3d>
+    <dgm:sp3d/>
+    <dgm:txPr/>
+    <dgm:style>
+      <a:lnRef idx="0">
+        <a:scrgbClr r="0" g="0" b="0"/>
+      </a:lnRef>
+      <a:fillRef idx="3">
+        <a:scrgbClr r="0" g="0" b="0"/>
+      </a:fillRef>
+      <a:effectRef idx="2">
+        <a:scrgbClr r="0" g="0" b="0"/>
+      </a:effectRef>
+      <a:fontRef idx="minor">
+        <a:schemeClr val="lt1"/>
+      </a:fontRef>
+    </dgm:style>
+  </dgm:styleLbl>
+  <dgm:styleLbl name="lnNode1">
+    <dgm:scene3d>
+      <a:camera prst="orthographicFront"/>
+      <a:lightRig rig="threePt" dir="t"/>
+    </dgm:scene3d>
+    <dgm:sp3d/>
+    <dgm:txPr/>
+    <dgm:style>
+      <a:lnRef idx="1">
+        <a:scrgbClr r="0" g="0" b="0"/>
+      </a:lnRef>
+      <a:fillRef idx="3">
+        <a:scrgbClr r="0" g="0" b="0"/>
+      </a:fillRef>
+      <a:effectRef idx="2">
+        <a:scrgbClr r="0" g="0" b="0"/>
+      </a:effectRef>
+      <a:fontRef idx="minor">
+        <a:schemeClr val="lt1"/>
+      </a:fontRef>
+    </dgm:style>
+  </dgm:styleLbl>
+  <dgm:styleLbl name="vennNode1">
+    <dgm:scene3d>
+      <a:camera prst="orthographicFront"/>
+      <a:lightRig rig="threePt" dir="t"/>
+    </dgm:scene3d>
+    <dgm:sp3d/>
+    <dgm:txPr/>
+    <dgm:style>
+      <a:lnRef idx="0">
+        <a:scrgbClr r="0" g="0" b="0"/>
+      </a:lnRef>
+      <a:fillRef idx="3">
+        <a:scrgbClr r="0" g="0" b="0"/>
+      </a:fillRef>
+      <a:effectRef idx="0">
+        <a:scrgbClr r="0" g="0" b="0"/>
+      </a:effectRef>
+      <a:fontRef idx="minor">
+        <a:schemeClr val="tx1"/>
+      </a:fontRef>
+    </dgm:style>
+  </dgm:styleLbl>
+  <dgm:styleLbl name="alignNode1">
+    <dgm:scene3d>
+      <a:camera prst="orthographicFront"/>
+      <a:lightRig rig="threePt" dir="t"/>
+    </dgm:scene3d>
+    <dgm:sp3d/>
+    <dgm:txPr/>
+    <dgm:style>
+      <a:lnRef idx="1">
+        <a:scrgbClr r="0" g="0" b="0"/>
+      </a:lnRef>
+      <a:fillRef idx="3">
+        <a:scrgbClr r="0" g="0" b="0"/>
+      </a:fillRef>
+      <a:effectRef idx="2">
+        <a:scrgbClr r="0" g="0" b="0"/>
+      </a:effectRef>
+      <a:fontRef idx="minor">
+        <a:schemeClr val="lt1"/>
+      </a:fontRef>
+    </dgm:style>
+  </dgm:styleLbl>
+  <dgm:styleLbl name="node1">
+    <dgm:scene3d>
+      <a:camera prst="orthographicFront"/>
+      <a:lightRig rig="threePt" dir="t"/>
+    </dgm:scene3d>
+    <dgm:sp3d/>
+    <dgm:txPr/>
+    <dgm:style>
+      <a:lnRef idx="0">
+        <a:scrgbClr r="0" g="0" b="0"/>
+      </a:lnRef>
+      <a:fillRef idx="3">
+        <a:scrgbClr r="0" g="0" b="0"/>
+      </a:fillRef>
+      <a:effectRef idx="2">
+        <a:scrgbClr r="0" g="0" b="0"/>
+      </a:effectRef>
+      <a:fontRef idx="minor">
+        <a:schemeClr val="lt1"/>
+      </a:fontRef>
+    </dgm:style>
+  </dgm:styleLbl>
+  <dgm:styleLbl name="node2">
+    <dgm:scene3d>
+      <a:camera prst="orthographicFront"/>
+      <a:lightRig rig="threePt" dir="t"/>
+    </dgm:scene3d>
+    <dgm:sp3d/>
+    <dgm:txPr/>
+    <dgm:style>
+      <a:lnRef idx="0">
+        <a:scrgbClr r="0" g="0" b="0"/>
+      </a:lnRef>
+      <a:fillRef idx="3">
+        <a:scrgbClr r="0" g="0" b="0"/>
+      </a:fillRef>
+      <a:effectRef idx="2">
+        <a:scrgbClr r="0" g="0" b="0"/>
+      </a:effectRef>
+      <a:fontRef idx="minor">
+        <a:schemeClr val="lt1"/>
+      </a:fontRef>
+    </dgm:style>
+  </dgm:styleLbl>
+  <dgm:styleLbl name="node3">
+    <dgm:scene3d>
+      <a:camera prst="orthographicFront"/>
+      <a:lightRig rig="threePt" dir="t"/>
+    </dgm:scene3d>
+    <dgm:sp3d/>
+    <dgm:txPr/>
+    <dgm:style>
+      <a:lnRef idx="0">
+        <a:scrgbClr r="0" g="0" b="0"/>
+      </a:lnRef>
+      <a:fillRef idx="3">
+        <a:scrgbClr r="0" g="0" b="0"/>
+      </a:fillRef>
+      <a:effectRef idx="2">
+        <a:scrgbClr r="0" g="0" b="0"/>
+      </a:effectRef>
+      <a:fontRef idx="minor">
+        <a:schemeClr val="lt1"/>
+      </a:fontRef>
+    </dgm:style>
+  </dgm:styleLbl>
+  <dgm:styleLbl name="node4">
+    <dgm:scene3d>
+      <a:camera prst="orthographicFront"/>
+      <a:lightRig rig="threePt" dir="t"/>
+    </dgm:scene3d>
+    <dgm:sp3d/>
+    <dgm:txPr/>
+    <dgm:style>
+      <a:lnRef idx="0">
+        <a:scrgbClr r="0" g="0" b="0"/>
+      </a:lnRef>
+      <a:fillRef idx="3">
+        <a:scrgbClr r="0" g="0" b="0"/>
+      </a:fillRef>
+      <a:effectRef idx="2">
+        <a:scrgbClr r="0" g="0" b="0"/>
+      </a:effectRef>
+      <a:fontRef idx="minor">
+        <a:schemeClr val="lt1"/>
+      </a:fontRef>
+    </dgm:style>
+  </dgm:styleLbl>
+  <dgm:styleLbl name="fgImgPlace1">
+    <dgm:scene3d>
+      <a:camera prst="orthographicFront"/>
+      <a:lightRig rig="threePt" dir="t"/>
+    </dgm:scene3d>
+    <dgm:sp3d/>
+    <dgm:txPr/>
+    <dgm:style>
+      <a:lnRef idx="0">
+        <a:scrgbClr r="0" g="0" b="0"/>
+      </a:lnRef>
+      <a:fillRef idx="1">
+        <a:scrgbClr r="0" g="0" b="0"/>
+      </a:fillRef>
+      <a:effectRef idx="2">
+        <a:scrgbClr r="0" g="0" b="0"/>
+      </a:effectRef>
+      <a:fontRef idx="minor"/>
+    </dgm:style>
+  </dgm:styleLbl>
+  <dgm:styleLbl name="alignImgPlace1">
+    <dgm:scene3d>
+      <a:camera prst="orthographicFront"/>
+      <a:lightRig rig="threePt" dir="t"/>
+    </dgm:scene3d>
+    <dgm:sp3d/>
+    <dgm:txPr/>
+    <dgm:style>
+      <a:lnRef idx="0">
+        <a:scrgbClr r="0" g="0" b="0"/>
+      </a:lnRef>
+      <a:fillRef idx="1">
+        <a:scrgbClr r="0" g="0" b="0"/>
+      </a:fillRef>
+      <a:effectRef idx="2">
+        <a:scrgbClr r="0" g="0" b="0"/>
+      </a:effectRef>
+      <a:fontRef idx="minor"/>
+    </dgm:style>
+  </dgm:styleLbl>
+  <dgm:styleLbl name="bgImgPlace1">
+    <dgm:scene3d>
+      <a:camera prst="orthographicFront"/>
+      <a:lightRig rig="threePt" dir="t"/>
+    </dgm:scene3d>
+    <dgm:sp3d/>
+    <dgm:txPr/>
+    <dgm:style>
+      <a:lnRef idx="0">
+        <a:scrgbClr r="0" g="0" b="0"/>
+      </a:lnRef>
+      <a:fillRef idx="1">
+        <a:scrgbClr r="0" g="0" b="0"/>
+      </a:fillRef>
+      <a:effectRef idx="2">
+        <a:scrgbClr r="0" g="0" b="0"/>
+      </a:effectRef>
+      <a:fontRef idx="minor"/>
+    </dgm:style>
+  </dgm:styleLbl>
+  <dgm:styleLbl name="sibTrans2D1">
+    <dgm:scene3d>
+      <a:camera prst="orthographicFront"/>
+      <a:lightRig rig="threePt" dir="t"/>
+    </dgm:scene3d>
+    <dgm:sp3d/>
+    <dgm:txPr/>
+    <dgm:style>
+      <a:lnRef idx="0">
+        <a:scrgbClr r="0" g="0" b="0"/>
+      </a:lnRef>
+      <a:fillRef idx="3">
+        <a:scrgbClr r="0" g="0" b="0"/>
+      </a:fillRef>
+      <a:effectRef idx="2">
+        <a:scrgbClr r="0" g="0" b="0"/>
+      </a:effectRef>
+      <a:fontRef idx="minor">
+        <a:schemeClr val="lt1"/>
+      </a:fontRef>
+    </dgm:style>
+  </dgm:styleLbl>
+  <dgm:styleLbl name="fgSibTrans2D1">
+    <dgm:scene3d>
+      <a:camera prst="orthographicFront"/>
+      <a:lightRig rig="threePt" dir="t"/>
+    </dgm:scene3d>
+    <dgm:sp3d/>
+    <dgm:txPr/>
+    <dgm:style>
+      <a:lnRef idx="0">
+        <a:scrgbClr r="0" g="0" b="0"/>
+      </a:lnRef>
+      <a:fillRef idx="3">
+        <a:scrgbClr r="0" g="0" b="0"/>
+      </a:fillRef>
+      <a:effectRef idx="2">
+        <a:scrgbClr r="0" g="0" b="0"/>
+      </a:effectRef>
+      <a:fontRef idx="minor">
+        <a:schemeClr val="lt1"/>
+      </a:fontRef>
+    </dgm:style>
+  </dgm:styleLbl>
+  <dgm:styleLbl name="bgSibTrans2D1">
+    <dgm:scene3d>
+      <a:camera prst="orthographicFront"/>
+      <a:lightRig rig="threePt" dir="t"/>
+    </dgm:scene3d>
+    <dgm:sp3d/>
+    <dgm:txPr/>
+    <dgm:style>
+      <a:lnRef idx="0">
+        <a:scrgbClr r="0" g="0" b="0"/>
+      </a:lnRef>
+      <a:fillRef idx="3">
+        <a:scrgbClr r="0" g="0" b="0"/>
+      </a:fillRef>
+      <a:effectRef idx="2">
+        <a:scrgbClr r="0" g="0" b="0"/>
+      </a:effectRef>
+      <a:fontRef idx="minor">
+        <a:schemeClr val="lt1"/>
+      </a:fontRef>
+    </dgm:style>
+  </dgm:styleLbl>
+  <dgm:styleLbl name="sibTrans1D1">
+    <dgm:scene3d>
+      <a:camera prst="orthographicFront"/>
+      <a:lightRig rig="threePt" dir="t"/>
+    </dgm:scene3d>
+    <dgm:sp3d/>
+    <dgm:txPr/>
+    <dgm:style>
+      <a:lnRef idx="1">
+        <a:scrgbClr r="0" g="0" b="0"/>
+      </a:lnRef>
+      <a:fillRef idx="0">
+        <a:scrgbClr r="0" g="0" b="0"/>
+      </a:fillRef>
+      <a:effectRef idx="0">
+        <a:scrgbClr r="0" g="0" b="0"/>
+      </a:effectRef>
+      <a:fontRef idx="minor"/>
+    </dgm:style>
+  </dgm:styleLbl>
+  <dgm:styleLbl name="callout">
+    <dgm:scene3d>
+      <a:camera prst="orthographicFront"/>
+      <a:lightRig rig="threePt" dir="t"/>
+    </dgm:scene3d>
+    <dgm:sp3d/>
+    <dgm:txPr/>
+    <dgm:style>
+      <a:lnRef idx="2">
+        <a:scrgbClr r="0" g="0" b="0"/>
+      </a:lnRef>
+      <a:fillRef idx="1">
+        <a:scrgbClr r="0" g="0" b="0"/>
+      </a:fillRef>
+      <a:effectRef idx="1">
+        <a:scrgbClr r="0" g="0" b="0"/>
+      </a:effectRef>
+      <a:fontRef idx="minor"/>
+    </dgm:style>
+  </dgm:styleLbl>
+  <dgm:styleLbl name="asst0">
+    <dgm:scene3d>
+      <a:camera prst="orthographicFront"/>
+      <a:lightRig rig="threePt" dir="t"/>
+    </dgm:scene3d>
+    <dgm:sp3d/>
+    <dgm:txPr/>
+    <dgm:style>
+      <a:lnRef idx="0">
+        <a:scrgbClr r="0" g="0" b="0"/>
+      </a:lnRef>
+      <a:fillRef idx="3">
+        <a:scrgbClr r="0" g="0" b="0"/>
+      </a:fillRef>
+      <a:effectRef idx="2">
+        <a:scrgbClr r="0" g="0" b="0"/>
+      </a:effectRef>
+      <a:fontRef idx="minor">
+        <a:schemeClr val="lt1"/>
+      </a:fontRef>
+    </dgm:style>
+  </dgm:styleLbl>
+  <dgm:styleLbl name="asst1">
+    <dgm:scene3d>
+      <a:camera prst="orthographicFront"/>
+      <a:lightRig rig="threePt" dir="t"/>
+    </dgm:scene3d>
+    <dgm:sp3d/>
+    <dgm:txPr/>
+    <dgm:style>
+      <a:lnRef idx="0">
+        <a:scrgbClr r="0" g="0" b="0"/>
+      </a:lnRef>
+      <a:fillRef idx="3">
+        <a:scrgbClr r="0" g="0" b="0"/>
+      </a:fillRef>
+      <a:effectRef idx="2">
+        <a:scrgbClr r="0" g="0" b="0"/>
+      </a:effectRef>
+      <a:fontRef idx="minor">
+        <a:schemeClr val="lt1"/>
+      </a:fontRef>
+    </dgm:style>
+  </dgm:styleLbl>
+  <dgm:styleLbl name="asst2">
+    <dgm:scene3d>
+      <a:camera prst="orthographicFront"/>
+      <a:lightRig rig="threePt" dir="t"/>
+    </dgm:scene3d>
+    <dgm:sp3d/>
+    <dgm:txPr/>
+    <dgm:style>
+      <a:lnRef idx="0">
+        <a:scrgbClr r="0" g="0" b="0"/>
+      </a:lnRef>
+      <a:fillRef idx="3">
+        <a:scrgbClr r="0" g="0" b="0"/>
+      </a:fillRef>
+      <a:effectRef idx="2">
+        <a:scrgbClr r="0" g="0" b="0"/>
+      </a:effectRef>
+      <a:fontRef idx="minor">
+        <a:schemeClr val="lt1"/>
+      </a:fontRef>
+    </dgm:style>
+  </dgm:styleLbl>
+  <dgm:styleLbl name="asst3">
+    <dgm:scene3d>
+      <a:camera prst="orthographicFront"/>
+      <a:lightRig rig="threePt" dir="t"/>
+    </dgm:scene3d>
+    <dgm:sp3d/>
+    <dgm:txPr/>
+    <dgm:style>
+      <a:lnRef idx="0">
+        <a:scrgbClr r="0" g="0" b="0"/>
+      </a:lnRef>
+      <a:fillRef idx="3">
+        <a:scrgbClr r="0" g="0" b="0"/>
+      </a:fillRef>
+      <a:effectRef idx="2">
+        <a:scrgbClr r="0" g="0" b="0"/>
+      </a:effectRef>
+      <a:fontRef idx="minor">
+        <a:schemeClr val="lt1"/>
+      </a:fontRef>
+    </dgm:style>
+  </dgm:styleLbl>
+  <dgm:styleLbl name="asst4">
+    <dgm:scene3d>
+      <a:camera prst="orthographicFront"/>
+      <a:lightRig rig="threePt" dir="t"/>
+    </dgm:scene3d>
+    <dgm:sp3d/>
+    <dgm:txPr/>
+    <dgm:style>
+      <a:lnRef idx="0">
+        <a:scrgbClr r="0" g="0" b="0"/>
+      </a:lnRef>
+      <a:fillRef idx="3">
+        <a:scrgbClr r="0" g="0" b="0"/>
+      </a:fillRef>
+      <a:effectRef idx="2">
+        <a:scrgbClr r="0" g="0" b="0"/>
+      </a:effectRef>
+      <a:fontRef idx="minor">
+        <a:schemeClr val="lt1"/>
+      </a:fontRef>
+    </dgm:style>
+  </dgm:styleLbl>
+  <dgm:styleLbl name="parChTrans2D1">
+    <dgm:scene3d>
+      <a:camera prst="orthographicFront"/>
+      <a:lightRig rig="threePt" dir="t"/>
+    </dgm:scene3d>
+    <dgm:sp3d/>
+    <dgm:txPr/>
+    <dgm:style>
+      <a:lnRef idx="0">
+        <a:scrgbClr r="0" g="0" b="0"/>
+      </a:lnRef>
+      <a:fillRef idx="3">
+        <a:scrgbClr r="0" g="0" b="0"/>
+      </a:fillRef>
+      <a:effectRef idx="2">
+        <a:scrgbClr r="0" g="0" b="0"/>
+      </a:effectRef>
+      <a:fontRef idx="minor">
+        <a:schemeClr val="lt1"/>
+      </a:fontRef>
+    </dgm:style>
+  </dgm:styleLbl>
+  <dgm:styleLbl name="parChTrans2D2">
+    <dgm:scene3d>
+      <a:camera prst="orthographicFront"/>
+      <a:lightRig rig="threePt" dir="t"/>
+    </dgm:scene3d>
+    <dgm:sp3d/>
+    <dgm:txPr/>
+    <dgm:style>
+      <a:lnRef idx="0">
+        <a:scrgbClr r="0" g="0" b="0"/>
+      </a:lnRef>
+      <a:fillRef idx="3">
+        <a:scrgbClr r="0" g="0" b="0"/>
+      </a:fillRef>
+      <a:effectRef idx="2">
+        <a:scrgbClr r="0" g="0" b="0"/>
+      </a:effectRef>
+      <a:fontRef idx="minor">
+        <a:schemeClr val="lt1"/>
+      </a:fontRef>
+    </dgm:style>
+  </dgm:styleLbl>
+  <dgm:styleLbl name="parChTrans2D3">
+    <dgm:scene3d>
+      <a:camera prst="orthographicFront"/>
+      <a:lightRig rig="threePt" dir="t"/>
+    </dgm:scene3d>
+    <dgm:sp3d/>
+    <dgm:txPr/>
+    <dgm:style>
+      <a:lnRef idx="1">
+        <a:scrgbClr r="0" g="0" b="0"/>
+      </a:lnRef>
+      <a:fillRef idx="3">
+        <a:scrgbClr r="0" g="0" b="0"/>
+      </a:fillRef>
+      <a:effectRef idx="2">
+        <a:scrgbClr r="0" g="0" b="0"/>
+      </a:effectRef>
+      <a:fontRef idx="minor">
+        <a:schemeClr val="lt1"/>
+      </a:fontRef>
+    </dgm:style>
+  </dgm:styleLbl>
+  <dgm:styleLbl name="parChTrans2D4">
+    <dgm:scene3d>
+      <a:camera prst="orthographicFront"/>
+      <a:lightRig rig="threePt" dir="t"/>
+    </dgm:scene3d>
+    <dgm:sp3d/>
+    <dgm:txPr/>
+    <dgm:style>
+      <a:lnRef idx="1">
+        <a:scrgbClr r="0" g="0" b="0"/>
+      </a:lnRef>
+      <a:fillRef idx="3">
+        <a:scrgbClr r="0" g="0" b="0"/>
+      </a:fillRef>
+      <a:effectRef idx="2">
+        <a:scrgbClr r="0" g="0" b="0"/>
+      </a:effectRef>
+      <a:fontRef idx="minor">
+        <a:schemeClr val="lt1"/>
+      </a:fontRef>
+    </dgm:style>
+  </dgm:styleLbl>
+  <dgm:styleLbl name="parChTrans1D1">
+    <dgm:scene3d>
+      <a:camera prst="orthographicFront"/>
+      <a:lightRig rig="threePt" dir="t"/>
+    </dgm:scene3d>
+    <dgm:sp3d/>
+    <dgm:txPr/>
+    <dgm:style>
+      <a:lnRef idx="1">
+        <a:scrgbClr r="0" g="0" b="0"/>
+      </a:lnRef>
+      <a:fillRef idx="0">
+        <a:scrgbClr r="0" g="0" b="0"/>
+      </a:fillRef>
+      <a:effectRef idx="0">
+        <a:scrgbClr r="0" g="0" b="0"/>
+      </a:effectRef>
+      <a:fontRef idx="minor"/>
+    </dgm:style>
+  </dgm:styleLbl>
+  <dgm:styleLbl name="parChTrans1D2">
+    <dgm:scene3d>
+      <a:camera prst="orthographicFront"/>
+      <a:lightRig rig="threePt" dir="t"/>
+    </dgm:scene3d>
+    <dgm:sp3d/>
+    <dgm:txPr/>
+    <dgm:style>
+      <a:lnRef idx="1">
+        <a:scrgbClr r="0" g="0" b="0"/>
+      </a:lnRef>
+      <a:fillRef idx="0">
+        <a:scrgbClr r="0" g="0" b="0"/>
+      </a:fillRef>
+      <a:effectRef idx="0">
+        <a:scrgbClr r="0" g="0" b="0"/>
+      </a:effectRef>
+      <a:fontRef idx="minor"/>
+    </dgm:style>
+  </dgm:styleLbl>
+  <dgm:styleLbl name="parChTrans1D3">
+    <dgm:scene3d>
+      <a:camera prst="orthographicFront"/>
+      <a:lightRig rig="threePt" dir="t"/>
+    </dgm:scene3d>
+    <dgm:sp3d/>
+    <dgm:txPr/>
+    <dgm:style>
+      <a:lnRef idx="1">
+        <a:scrgbClr r="0" g="0" b="0"/>
+      </a:lnRef>
+      <a:fillRef idx="0">
+        <a:scrgbClr r="0" g="0" b="0"/>
+      </a:fillRef>
+      <a:effectRef idx="0">
+        <a:scrgbClr r="0" g="0" b="0"/>
+      </a:effectRef>
+      <a:fontRef idx="minor"/>
+    </dgm:style>
+  </dgm:styleLbl>
+  <dgm:styleLbl name="parChTrans1D4">
+    <dgm:scene3d>
+      <a:camera prst="orthographicFront"/>
+      <a:lightRig rig="threePt" dir="t"/>
+    </dgm:scene3d>
+    <dgm:sp3d/>
+    <dgm:txPr/>
+    <dgm:style>
+      <a:lnRef idx="1">
+        <a:scrgbClr r="0" g="0" b="0"/>
+      </a:lnRef>
+      <a:fillRef idx="0">
+        <a:scrgbClr r="0" g="0" b="0"/>
+      </a:fillRef>
+      <a:effectRef idx="0">
+        <a:scrgbClr r="0" g="0" b="0"/>
+      </a:effectRef>
+      <a:fontRef idx="minor"/>
+    </dgm:style>
+  </dgm:styleLbl>
+  <dgm:styleLbl name="fgAcc1">
+    <dgm:scene3d>
+      <a:camera prst="orthographicFront"/>
+      <a:lightRig rig="threePt" dir="t"/>
+    </dgm:scene3d>
+    <dgm:sp3d/>
+    <dgm:txPr/>
+    <dgm:style>
+      <a:lnRef idx="1">
+        <a:scrgbClr r="0" g="0" b="0"/>
+      </a:lnRef>
+      <a:fillRef idx="1">
+        <a:scrgbClr r="0" g="0" b="0"/>
+      </a:fillRef>
+      <a:effectRef idx="0">
+        <a:scrgbClr r="0" g="0" b="0"/>
+      </a:effectRef>
+      <a:fontRef idx="minor"/>
+    </dgm:style>
+  </dgm:styleLbl>
+  <dgm:styleLbl name="conFgAcc1">
+    <dgm:scene3d>
+      <a:camera prst="orthographicFront"/>
+      <a:lightRig rig="threePt" dir="t"/>
+    </dgm:scene3d>
+    <dgm:sp3d/>
+    <dgm:txPr/>
+    <dgm:style>
+      <a:lnRef idx="1">
+        <a:scrgbClr r="0" g="0" b="0"/>
+      </a:lnRef>
+      <a:fillRef idx="1">
+        <a:scrgbClr r="0" g="0" b="0"/>
+      </a:fillRef>
+      <a:effectRef idx="0">
+        <a:scrgbClr r="0" g="0" b="0"/>
+      </a:effectRef>
+      <a:fontRef idx="minor"/>
+    </dgm:style>
+  </dgm:styleLbl>
+  <dgm:styleLbl name="alignAcc1">
+    <dgm:scene3d>
+      <a:camera prst="orthographicFront"/>
+      <a:lightRig rig="threePt" dir="t"/>
+    </dgm:scene3d>
+    <dgm:sp3d/>
+    <dgm:txPr/>
+    <dgm:style>
+      <a:lnRef idx="1">
+        <a:scrgbClr r="0" g="0" b="0"/>
+      </a:lnRef>
+      <a:fillRef idx="1">
+        <a:scrgbClr r="0" g="0" b="0"/>
+      </a:fillRef>
+      <a:effectRef idx="0">
+        <a:scrgbClr r="0" g="0" b="0"/>
+      </a:effectRef>
+      <a:fontRef idx="minor"/>
+    </dgm:style>
+  </dgm:styleLbl>
+  <dgm:styleLbl name="trAlignAcc1">
+    <dgm:scene3d>
+      <a:camera prst="orthographicFront"/>
+      <a:lightRig rig="threePt" dir="t"/>
+    </dgm:scene3d>
+    <dgm:sp3d/>
+    <dgm:txPr/>
+    <dgm:style>
+      <a:lnRef idx="1">
+        <a:scrgbClr r="0" g="0" b="0"/>
+      </a:lnRef>
+      <a:fillRef idx="1">
+        <a:scrgbClr r="0" g="0" b="0"/>
+      </a:fillRef>
+      <a:effectRef idx="0">
+        <a:scrgbClr r="0" g="0" b="0"/>
+      </a:effectRef>
+      <a:fontRef idx="minor"/>
+    </dgm:style>
+  </dgm:styleLbl>
+  <dgm:styleLbl name="bgAcc1">
+    <dgm:scene3d>
+      <a:camera prst="orthographicFront"/>
+      <a:lightRig rig="threePt" dir="t"/>
+    </dgm:scene3d>
+    <dgm:sp3d/>
+    <dgm:txPr/>
+    <dgm:style>
+      <a:lnRef idx="1">
+        <a:scrgbClr r="0" g="0" b="0"/>
+      </a:lnRef>
+      <a:fillRef idx="1">
+        <a:scrgbClr r="0" g="0" b="0"/>
+      </a:fillRef>
+      <a:effectRef idx="0">
+        <a:scrgbClr r="0" g="0" b="0"/>
+      </a:effectRef>
+      <a:fontRef idx="minor"/>
+    </dgm:style>
+  </dgm:styleLbl>
+  <dgm:styleLbl name="solidFgAcc1">
+    <dgm:scene3d>
+      <a:camera prst="orthographicFront"/>
+      <a:lightRig rig="threePt" dir="t"/>
+    </dgm:scene3d>
+    <dgm:sp3d/>
+    <dgm:txPr/>
+    <dgm:style>
+      <a:lnRef idx="1">
+        <a:scrgbClr r="0" g="0" b="0"/>
+      </a:lnRef>
+      <a:fillRef idx="1">
+        <a:scrgbClr r="0" g="0" b="0"/>
+      </a:fillRef>
+      <a:effectRef idx="0">
+        <a:scrgbClr r="0" g="0" b="0"/>
+      </a:effectRef>
+      <a:fontRef idx="minor"/>
+    </dgm:style>
+  </dgm:styleLbl>
+  <dgm:styleLbl name="solidAlignAcc1">
+    <dgm:scene3d>
+      <a:camera prst="orthographicFront"/>
+      <a:lightRig rig="threePt" dir="t"/>
+    </dgm:scene3d>
+    <dgm:sp3d/>
+    <dgm:txPr/>
+    <dgm:style>
+      <a:lnRef idx="1">
+        <a:scrgbClr r="0" g="0" b="0"/>
+      </a:lnRef>
+      <a:fillRef idx="1">
+        <a:scrgbClr r="0" g="0" b="0"/>
+      </a:fillRef>
+      <a:effectRef idx="0">
+        <a:scrgbClr r="0" g="0" b="0"/>
+      </a:effectRef>
+      <a:fontRef idx="minor"/>
+    </dgm:style>
+  </dgm:styleLbl>
+  <dgm:styleLbl name="solidBgAcc1">
+    <dgm:scene3d>
+      <a:camera prst="orthographicFront"/>
+      <a:lightRig rig="threePt" dir="t"/>
+    </dgm:scene3d>
+    <dgm:sp3d/>
+    <dgm:txPr/>
+    <dgm:style>
+      <a:lnRef idx="1">
+        <a:scrgbClr r="0" g="0" b="0"/>
+      </a:lnRef>
+      <a:fillRef idx="1">
+        <a:scrgbClr r="0" g="0" b="0"/>
+      </a:fillRef>
+      <a:effectRef idx="0">
+        <a:scrgbClr r="0" g="0" b="0"/>
+      </a:effectRef>
+      <a:fontRef idx="minor"/>
+    </dgm:style>
+  </dgm:styleLbl>
+  <dgm:styleLbl name="fgAccFollowNode1">
+    <dgm:scene3d>
+      <a:camera prst="orthographicFront"/>
+      <a:lightRig rig="threePt" dir="t"/>
+    </dgm:scene3d>
+    <dgm:sp3d/>
+    <dgm:txPr/>
+    <dgm:style>
+      <a:lnRef idx="1">
+        <a:scrgbClr r="0" g="0" b="0"/>
+      </a:lnRef>
+      <a:fillRef idx="1">
+        <a:scrgbClr r="0" g="0" b="0"/>
+      </a:fillRef>
+      <a:effectRef idx="0">
+        <a:scrgbClr r="0" g="0" b="0"/>
+      </a:effectRef>
+      <a:fontRef idx="minor"/>
+    </dgm:style>
+  </dgm:styleLbl>
+  <dgm:styleLbl name="alignAccFollowNode1">
+    <dgm:scene3d>
+      <a:camera prst="orthographicFront"/>
+      <a:lightRig rig="threePt" dir="t"/>
+    </dgm:scene3d>
+    <dgm:sp3d/>
+    <dgm:txPr/>
+    <dgm:style>
+      <a:lnRef idx="1">
+        <a:scrgbClr r="0" g="0" b="0"/>
+      </a:lnRef>
+      <a:fillRef idx="1">
+        <a:scrgbClr r="0" g="0" b="0"/>
+      </a:fillRef>
+      <a:effectRef idx="0">
+        <a:scrgbClr r="0" g="0" b="0"/>
+      </a:effectRef>
+      <a:fontRef idx="minor"/>
+    </dgm:style>
+  </dgm:styleLbl>
+  <dgm:styleLbl name="bgAccFollowNode1">
+    <dgm:scene3d>
+      <a:camera prst="orthographicFront"/>
+      <a:lightRig rig="threePt" dir="t"/>
+    </dgm:scene3d>
+    <dgm:sp3d/>
+    <dgm:txPr/>
+    <dgm:style>
+      <a:lnRef idx="1">
+        <a:scrgbClr r="0" g="0" b="0"/>
+      </a:lnRef>
+      <a:fillRef idx="1">
+        <a:scrgbClr r="0" g="0" b="0"/>
+      </a:fillRef>
+      <a:effectRef idx="0">
+        <a:scrgbClr r="0" g="0" b="0"/>
+      </a:effectRef>
+      <a:fontRef idx="minor"/>
+    </dgm:style>
+  </dgm:styleLbl>
+  <dgm:styleLbl name="fgAcc0">
+    <dgm:scene3d>
+      <a:camera prst="orthographicFront"/>
+      <a:lightRig rig="threePt" dir="t"/>
+    </dgm:scene3d>
+    <dgm:sp3d/>
+    <dgm:txPr/>
+    <dgm:style>
+      <a:lnRef idx="1">
+        <a:scrgbClr r="0" g="0" b="0"/>
+      </a:lnRef>
+      <a:fillRef idx="1">
+        <a:scrgbClr r="0" g="0" b="0"/>
+      </a:fillRef>
+      <a:effectRef idx="0">
+        <a:scrgbClr r="0" g="0" b="0"/>
+      </a:effectRef>
+      <a:fontRef idx="minor"/>
+    </dgm:style>
+  </dgm:styleLbl>
+  <dgm:styleLbl name="fgAcc2">
+    <dgm:scene3d>
+      <a:camera prst="orthographicFront"/>
+      <a:lightRig rig="threePt" dir="t"/>
+    </dgm:scene3d>
+    <dgm:sp3d/>
+    <dgm:txPr/>
+    <dgm:style>
+      <a:lnRef idx="1">
+        <a:scrgbClr r="0" g="0" b="0"/>
+      </a:lnRef>
+      <a:fillRef idx="1">
+        <a:scrgbClr r="0" g="0" b="0"/>
+      </a:fillRef>
+      <a:effectRef idx="0">
+        <a:scrgbClr r="0" g="0" b="0"/>
+      </a:effectRef>
+      <a:fontRef idx="minor"/>
+    </dgm:style>
+  </dgm:styleLbl>
+  <dgm:styleLbl name="fgAcc3">
+    <dgm:scene3d>
+      <a:camera prst="orthographicFront"/>
+      <a:lightRig rig="threePt" dir="t"/>
+    </dgm:scene3d>
+    <dgm:sp3d/>
+    <dgm:txPr/>
+    <dgm:style>
+      <a:lnRef idx="1">
+        <a:scrgbClr r="0" g="0" b="0"/>
+      </a:lnRef>
+      <a:fillRef idx="1">
+        <a:scrgbClr r="0" g="0" b="0"/>
+      </a:fillRef>
+      <a:effectRef idx="0">
+        <a:scrgbClr r="0" g="0" b="0"/>
+      </a:effectRef>
+      <a:fontRef idx="minor"/>
+    </dgm:style>
+  </dgm:styleLbl>
+  <dgm:styleLbl name="fgAcc4">
+    <dgm:scene3d>
+      <a:camera prst="orthographicFront"/>
+      <a:lightRig rig="threePt" dir="t"/>
+    </dgm:scene3d>
+    <dgm:sp3d/>
+    <dgm:txPr/>
+    <dgm:style>
+      <a:lnRef idx="1">
+        <a:scrgbClr r="0" g="0" b="0"/>
+      </a:lnRef>
+      <a:fillRef idx="1">
+        <a:scrgbClr r="0" g="0" b="0"/>
+      </a:fillRef>
+      <a:effectRef idx="0">
+        <a:scrgbClr r="0" g="0" b="0"/>
+      </a:effectRef>
+      <a:fontRef idx="minor"/>
+    </dgm:style>
+  </dgm:styleLbl>
+  <dgm:styleLbl name="bgShp">
+    <dgm:scene3d>
+      <a:camera prst="orthographicFront"/>
+      <a:lightRig rig="threePt" dir="t"/>
+    </dgm:scene3d>
+    <dgm:sp3d/>
+    <dgm:txPr/>
+    <dgm:style>
+      <a:lnRef idx="0">
+        <a:scrgbClr r="0" g="0" b="0"/>
+      </a:lnRef>
+      <a:fillRef idx="1">
+        <a:scrgbClr r="0" g="0" b="0"/>
+      </a:fillRef>
+      <a:effectRef idx="2">
+        <a:scrgbClr r="0" g="0" b="0"/>
+      </a:effectRef>
+      <a:fontRef idx="minor"/>
+    </dgm:style>
+  </dgm:styleLbl>
+  <dgm:styleLbl name="dkBgShp">
+    <dgm:scene3d>
+      <a:camera prst="orthographicFront"/>
+      <a:lightRig rig="threePt" dir="t"/>
+    </dgm:scene3d>
+    <dgm:sp3d/>
+    <dgm:txPr/>
+    <dgm:style>
+      <a:lnRef idx="0">
+        <a:scrgbClr r="0" g="0" b="0"/>
+      </a:lnRef>
+      <a:fillRef idx="1">
+        <a:scrgbClr r="0" g="0" b="0"/>
+      </a:fillRef>
+      <a:effectRef idx="2">
+        <a:scrgbClr r="0" g="0" b="0"/>
+      </a:effectRef>
+      <a:fontRef idx="minor"/>
+    </dgm:style>
+  </dgm:styleLbl>
+  <dgm:styleLbl name="trBgShp">
+    <dgm:scene3d>
+      <a:camera prst="orthographicFront"/>
+      <a:lightRig rig="threePt" dir="t"/>
+    </dgm:scene3d>
+    <dgm:sp3d/>
+    <dgm:txPr/>
+    <dgm:style>
+      <a:lnRef idx="0">
+        <a:scrgbClr r="0" g="0" b="0"/>
+      </a:lnRef>
+      <a:fillRef idx="1">
+        <a:scrgbClr r="0" g="0" b="0"/>
+      </a:fillRef>
+      <a:effectRef idx="0">
+        <a:scrgbClr r="0" g="0" b="0"/>
+      </a:effectRef>
+      <a:fontRef idx="minor"/>
+    </dgm:style>
+  </dgm:styleLbl>
+  <dgm:styleLbl name="fgShp">
+    <dgm:scene3d>
+      <a:camera prst="orthographicFront"/>
+      <a:lightRig rig="threePt" dir="t"/>
+    </dgm:scene3d>
+    <dgm:sp3d/>
+    <dgm:txPr/>
+    <dgm:style>
+      <a:lnRef idx="0">
+        <a:scrgbClr r="0" g="0" b="0"/>
+      </a:lnRef>
+      <a:fillRef idx="3">
+        <a:scrgbClr r="0" g="0" b="0"/>
+      </a:fillRef>
+      <a:effectRef idx="2">
+        <a:scrgbClr r="0" g="0" b="0"/>
+      </a:effectRef>
+      <a:fontRef idx="minor"/>
+    </dgm:style>
+  </dgm:styleLbl>
+  <dgm:styleLbl name="revTx">
+    <dgm:scene3d>
+      <a:camera prst="orthographicFront"/>
+      <a:lightRig rig="threePt" dir="t"/>
+    </dgm:scene3d>
+    <dgm:sp3d/>
+    <dgm:txPr/>
+    <dgm:style>
+      <a:lnRef idx="0">
+        <a:scrgbClr r="0" g="0" b="0"/>
+      </a:lnRef>
+      <a:fillRef idx="0">
+        <a:scrgbClr r="0" g="0" b="0"/>
+      </a:fillRef>
+      <a:effectRef idx="0">
+        <a:scrgbClr r="0" g="0" b="0"/>
+      </a:effectRef>
+      <a:fontRef idx="minor"/>
+    </dgm:style>
+  </dgm:styleLbl>
+</dgm:styleDef>
 </file>
 
 <file path=ppt/slideLayouts/slideLayout1.xml><?xml version="1.0" encoding="utf-8"?>
@@ -843,7 +3864,7 @@
             <a:fld id="{B61BEF0D-F0BB-DE4B-95CE-6DB70DBA9567}" type="datetimeFigureOut">
               <a:rPr lang="en-US" dirty="0"/>
               <a:pPr/>
-              <a:t>5/14/2020</a:t>
+              <a:t>5/17/2020</a:t>
             </a:fld>
             <a:endParaRPr lang="en-US" dirty="0"/>
           </a:p>
@@ -1091,7 +4112,7 @@
             <a:fld id="{B61BEF0D-F0BB-DE4B-95CE-6DB70DBA9567}" type="datetimeFigureOut">
               <a:rPr lang="en-US" dirty="0"/>
               <a:pPr/>
-              <a:t>5/14/2020</a:t>
+              <a:t>5/17/2020</a:t>
             </a:fld>
             <a:endParaRPr lang="en-US" dirty="0"/>
           </a:p>
@@ -1402,7 +4423,7 @@
             <a:fld id="{B61BEF0D-F0BB-DE4B-95CE-6DB70DBA9567}" type="datetimeFigureOut">
               <a:rPr lang="en-US" dirty="0"/>
               <a:pPr/>
-              <a:t>5/14/2020</a:t>
+              <a:t>5/17/2020</a:t>
             </a:fld>
             <a:endParaRPr lang="en-US" dirty="0"/>
           </a:p>
@@ -1740,7 +4761,7 @@
             <a:fld id="{B61BEF0D-F0BB-DE4B-95CE-6DB70DBA9567}" type="datetimeFigureOut">
               <a:rPr lang="en-US" dirty="0"/>
               <a:pPr/>
-              <a:t>5/14/2020</a:t>
+              <a:t>5/17/2020</a:t>
             </a:fld>
             <a:endParaRPr lang="en-US" dirty="0"/>
           </a:p>
@@ -2051,7 +5072,7 @@
             <a:fld id="{B61BEF0D-F0BB-DE4B-95CE-6DB70DBA9567}" type="datetimeFigureOut">
               <a:rPr lang="en-US" dirty="0"/>
               <a:pPr/>
-              <a:t>5/14/2020</a:t>
+              <a:t>5/17/2020</a:t>
             </a:fld>
             <a:endParaRPr lang="en-US" dirty="0"/>
           </a:p>
@@ -2441,7 +5462,7 @@
             <a:fld id="{B61BEF0D-F0BB-DE4B-95CE-6DB70DBA9567}" type="datetimeFigureOut">
               <a:rPr lang="en-US" dirty="0"/>
               <a:pPr/>
-              <a:t>5/14/2020</a:t>
+              <a:t>5/17/2020</a:t>
             </a:fld>
             <a:endParaRPr lang="en-US" dirty="0"/>
           </a:p>
@@ -2607,7 +5628,7 @@
           <a:p>
             <a:fld id="{55C6B4A9-1611-4792-9094-5F34BCA07E0B}" type="datetimeFigureOut">
               <a:rPr lang="en-US" dirty="0"/>
-              <a:t>5/14/2020</a:t>
+              <a:t>5/17/2020</a:t>
             </a:fld>
             <a:endParaRPr lang="en-US" dirty="0"/>
           </a:p>
@@ -2783,7 +5804,7 @@
             <a:fld id="{B61BEF0D-F0BB-DE4B-95CE-6DB70DBA9567}" type="datetimeFigureOut">
               <a:rPr lang="en-US" dirty="0"/>
               <a:pPr/>
-              <a:t>5/14/2020</a:t>
+              <a:t>5/17/2020</a:t>
             </a:fld>
             <a:endParaRPr lang="en-US" dirty="0"/>
           </a:p>
@@ -2956,7 +5977,7 @@
             <a:fld id="{B61BEF0D-F0BB-DE4B-95CE-6DB70DBA9567}" type="datetimeFigureOut">
               <a:rPr lang="en-US" dirty="0"/>
               <a:pPr/>
-              <a:t>5/14/2020</a:t>
+              <a:t>5/17/2020</a:t>
             </a:fld>
             <a:endParaRPr lang="en-US" dirty="0"/>
           </a:p>
@@ -3200,7 +6221,7 @@
             <a:fld id="{B61BEF0D-F0BB-DE4B-95CE-6DB70DBA9567}" type="datetimeFigureOut">
               <a:rPr lang="en-US" dirty="0"/>
               <a:pPr/>
-              <a:t>5/14/2020</a:t>
+              <a:t>5/17/2020</a:t>
             </a:fld>
             <a:endParaRPr lang="en-US" dirty="0"/>
           </a:p>
@@ -3428,7 +6449,7 @@
           <a:p>
             <a:fld id="{EB712588-04B1-427B-82EE-E8DB90309F08}" type="datetimeFigureOut">
               <a:rPr lang="en-US" dirty="0"/>
-              <a:t>5/14/2020</a:t>
+              <a:t>5/17/2020</a:t>
             </a:fld>
             <a:endParaRPr lang="en-US" dirty="0"/>
           </a:p>
@@ -3798,7 +6819,7 @@
             <a:fld id="{B61BEF0D-F0BB-DE4B-95CE-6DB70DBA9567}" type="datetimeFigureOut">
               <a:rPr lang="en-US" dirty="0"/>
               <a:pPr/>
-              <a:t>5/14/2020</a:t>
+              <a:t>5/17/2020</a:t>
             </a:fld>
             <a:endParaRPr lang="en-US" dirty="0"/>
           </a:p>
@@ -3918,7 +6939,7 @@
             <a:fld id="{B61BEF0D-F0BB-DE4B-95CE-6DB70DBA9567}" type="datetimeFigureOut">
               <a:rPr lang="en-US" dirty="0"/>
               <a:pPr/>
-              <a:t>5/14/2020</a:t>
+              <a:t>5/17/2020</a:t>
             </a:fld>
             <a:endParaRPr lang="en-US" dirty="0"/>
           </a:p>
@@ -4010,7 +7031,7 @@
             <a:fld id="{B61BEF0D-F0BB-DE4B-95CE-6DB70DBA9567}" type="datetimeFigureOut">
               <a:rPr lang="en-US" dirty="0"/>
               <a:pPr/>
-              <a:t>5/14/2020</a:t>
+              <a:t>5/17/2020</a:t>
             </a:fld>
             <a:endParaRPr lang="en-US" dirty="0"/>
           </a:p>
@@ -4261,7 +7282,7 @@
           <a:p>
             <a:fld id="{42A54C80-263E-416B-A8E0-580EDEADCBDC}" type="datetimeFigureOut">
               <a:rPr lang="en-US" dirty="0"/>
-              <a:t>5/14/2020</a:t>
+              <a:t>5/17/2020</a:t>
             </a:fld>
             <a:endParaRPr lang="en-US" dirty="0"/>
           </a:p>
@@ -4520,7 +7541,7 @@
             <a:fld id="{B61BEF0D-F0BB-DE4B-95CE-6DB70DBA9567}" type="datetimeFigureOut">
               <a:rPr lang="en-US" dirty="0"/>
               <a:pPr/>
-              <a:t>5/14/2020</a:t>
+              <a:t>5/17/2020</a:t>
             </a:fld>
             <a:endParaRPr lang="en-US" dirty="0"/>
           </a:p>
@@ -5260,7 +8281,7 @@
             <a:fld id="{B61BEF0D-F0BB-DE4B-95CE-6DB70DBA9567}" type="datetimeFigureOut">
               <a:rPr lang="en-US" dirty="0"/>
               <a:pPr/>
-              <a:t>5/14/2020</a:t>
+              <a:t>5/17/2020</a:t>
             </a:fld>
             <a:endParaRPr lang="en-US" dirty="0"/>
           </a:p>
@@ -5911,6 +8932,862 @@
 <file path=ppt/slides/slide2.xml><?xml version="1.0" encoding="utf-8"?>
 <p:sld xmlns:a="http://schemas.openxmlformats.org/drawingml/2006/main" xmlns:r="http://schemas.openxmlformats.org/officeDocument/2006/relationships" xmlns:p="http://schemas.openxmlformats.org/presentationml/2006/main">
   <p:cSld>
+    <p:bg>
+      <p:bgPr>
+        <a:solidFill>
+          <a:schemeClr val="bg1"/>
+        </a:solidFill>
+        <a:effectLst/>
+      </p:bgPr>
+    </p:bg>
+    <p:spTree>
+      <p:nvGrpSpPr>
+        <p:cNvPr id="1" name=""/>
+        <p:cNvGrpSpPr/>
+        <p:nvPr/>
+      </p:nvGrpSpPr>
+      <p:grpSpPr>
+        <a:xfrm>
+          <a:off x="0" y="0"/>
+          <a:ext cx="0" cy="0"/>
+          <a:chOff x="0" y="0"/>
+          <a:chExt cx="0" cy="0"/>
+        </a:xfrm>
+      </p:grpSpPr>
+      <p:pic>
+        <p:nvPicPr>
+          <p:cNvPr id="1032" name="Picture 8" descr="Opinion | We Need Better Answers on Nutrition - The New York Times">
+            <a:extLst>
+              <a:ext uri="{FF2B5EF4-FFF2-40B4-BE49-F238E27FC236}">
+                <a16:creationId xmlns:a16="http://schemas.microsoft.com/office/drawing/2014/main" id="{FCBA3516-4711-4DA9-962A-26A37C5C26AF}"/>
+              </a:ext>
+            </a:extLst>
+          </p:cNvPr>
+          <p:cNvPicPr>
+            <a:picLocks noChangeAspect="1" noChangeArrowheads="1"/>
+          </p:cNvPicPr>
+          <p:nvPr/>
+        </p:nvPicPr>
+        <p:blipFill rotWithShape="1">
+          <a:blip r:embed="rId2">
+            <a:extLst>
+              <a:ext uri="{28A0092B-C50C-407E-A947-70E740481C1C}">
+                <a14:useLocalDpi xmlns:a14="http://schemas.microsoft.com/office/drawing/2010/main" val="0"/>
+              </a:ext>
+            </a:extLst>
+          </a:blip>
+          <a:srcRect l="17492" r="17530"/>
+          <a:stretch/>
+        </p:blipFill>
+        <p:spPr bwMode="auto">
+          <a:xfrm>
+            <a:off x="4269854" y="-1"/>
+            <a:ext cx="7922146" cy="6858001"/>
+          </a:xfrm>
+          <a:custGeom>
+            <a:avLst/>
+            <a:gdLst/>
+            <a:ahLst/>
+            <a:cxnLst/>
+            <a:rect l="l" t="t" r="r" b="b"/>
+            <a:pathLst>
+              <a:path w="7922146" h="6858001">
+                <a:moveTo>
+                  <a:pt x="379987" y="0"/>
+                </a:moveTo>
+                <a:lnTo>
+                  <a:pt x="5304971" y="0"/>
+                </a:lnTo>
+                <a:lnTo>
+                  <a:pt x="7065281" y="0"/>
+                </a:lnTo>
+                <a:lnTo>
+                  <a:pt x="7397540" y="0"/>
+                </a:lnTo>
+                <a:lnTo>
+                  <a:pt x="7397540" y="1"/>
+                </a:lnTo>
+                <a:lnTo>
+                  <a:pt x="7922146" y="1"/>
+                </a:lnTo>
+                <a:lnTo>
+                  <a:pt x="7922146" y="6858001"/>
+                </a:lnTo>
+                <a:lnTo>
+                  <a:pt x="7065281" y="6858001"/>
+                </a:lnTo>
+                <a:lnTo>
+                  <a:pt x="7065281" y="6858000"/>
+                </a:lnTo>
+                <a:lnTo>
+                  <a:pt x="5932989" y="6858000"/>
+                </a:lnTo>
+                <a:lnTo>
+                  <a:pt x="5932989" y="6858001"/>
+                </a:lnTo>
+                <a:lnTo>
+                  <a:pt x="27809" y="6858001"/>
+                </a:lnTo>
+                <a:lnTo>
+                  <a:pt x="1803228" y="4521201"/>
+                </a:lnTo>
+                <a:close/>
+                <a:moveTo>
+                  <a:pt x="0" y="0"/>
+                </a:moveTo>
+                <a:lnTo>
+                  <a:pt x="379987" y="0"/>
+                </a:lnTo>
+                <a:lnTo>
+                  <a:pt x="0" y="407"/>
+                </a:lnTo>
+                <a:close/>
+              </a:path>
+            </a:pathLst>
+          </a:custGeom>
+          <a:noFill/>
+          <a:extLst>
+            <a:ext uri="{909E8E84-426E-40DD-AFC4-6F175D3DCCD1}">
+              <a14:hiddenFill xmlns:a14="http://schemas.microsoft.com/office/drawing/2010/main">
+                <a:solidFill>
+                  <a:srgbClr val="FFFFFF"/>
+                </a:solidFill>
+              </a14:hiddenFill>
+            </a:ext>
+          </a:extLst>
+        </p:spPr>
+      </p:pic>
+      <p:sp>
+        <p:nvSpPr>
+          <p:cNvPr id="2" name="Cím 1">
+            <a:extLst>
+              <a:ext uri="{FF2B5EF4-FFF2-40B4-BE49-F238E27FC236}">
+                <a16:creationId xmlns:a16="http://schemas.microsoft.com/office/drawing/2014/main" id="{C1370734-C49D-4A45-8A79-E385D3BF1CDA}"/>
+              </a:ext>
+            </a:extLst>
+          </p:cNvPr>
+          <p:cNvSpPr>
+            <a:spLocks noGrp="1"/>
+          </p:cNvSpPr>
+          <p:nvPr>
+            <p:ph type="title"/>
+          </p:nvPr>
+        </p:nvSpPr>
+        <p:spPr>
+          <a:xfrm>
+            <a:off x="677333" y="609600"/>
+            <a:ext cx="3851123" cy="1320800"/>
+          </a:xfrm>
+        </p:spPr>
+        <p:txBody>
+          <a:bodyPr>
+            <a:normAutofit/>
+          </a:bodyPr>
+          <a:lstStyle/>
+          <a:p>
+            <a:r>
+              <a:rPr lang="hu-HU" dirty="0"/>
+              <a:t>Bevezetés</a:t>
+            </a:r>
+          </a:p>
+        </p:txBody>
+      </p:sp>
+      <p:sp>
+        <p:nvSpPr>
+          <p:cNvPr id="3" name="Tartalom helye 2">
+            <a:extLst>
+              <a:ext uri="{FF2B5EF4-FFF2-40B4-BE49-F238E27FC236}">
+                <a16:creationId xmlns:a16="http://schemas.microsoft.com/office/drawing/2014/main" id="{B315A54B-F44D-409A-8263-A7A4E8CE2473}"/>
+              </a:ext>
+            </a:extLst>
+          </p:cNvPr>
+          <p:cNvSpPr>
+            <a:spLocks noGrp="1"/>
+          </p:cNvSpPr>
+          <p:nvPr>
+            <p:ph idx="1"/>
+          </p:nvPr>
+        </p:nvSpPr>
+        <p:spPr>
+          <a:xfrm>
+            <a:off x="677334" y="2160589"/>
+            <a:ext cx="3851122" cy="3880773"/>
+          </a:xfrm>
+        </p:spPr>
+        <p:txBody>
+          <a:bodyPr>
+            <a:normAutofit/>
+          </a:bodyPr>
+          <a:lstStyle/>
+          <a:p>
+            <a:r>
+              <a:rPr lang="hu-HU" dirty="0"/>
+              <a:t>Egészség és táplálkozás: aktuális probléma</a:t>
+            </a:r>
+          </a:p>
+          <a:p>
+            <a:r>
+              <a:rPr lang="hu-HU" dirty="0"/>
+              <a:t>Cél: személyre szabott étrend automatizált összeállítása</a:t>
+            </a:r>
+          </a:p>
+          <a:p>
+            <a:r>
+              <a:rPr lang="hu-HU" dirty="0"/>
+              <a:t>Személyes tápanyagigény és egyéni preferencia figyelembevétele</a:t>
+            </a:r>
+          </a:p>
+          <a:p>
+            <a:r>
+              <a:rPr lang="hu-HU" dirty="0"/>
+              <a:t>Webalkalmazás készítése</a:t>
+            </a:r>
+          </a:p>
+        </p:txBody>
+      </p:sp>
+      <p:cxnSp>
+        <p:nvCxnSpPr>
+          <p:cNvPr id="1034" name="Straight Connector 76">
+            <a:extLst>
+              <a:ext uri="{FF2B5EF4-FFF2-40B4-BE49-F238E27FC236}">
+                <a16:creationId xmlns:a16="http://schemas.microsoft.com/office/drawing/2014/main" id="{64FA5DFF-7FE6-4855-84E6-DFA78EE978BD}"/>
+              </a:ext>
+              <a:ext uri="{C183D7F6-B498-43B3-948B-1728B52AA6E4}">
+                <adec:decorative xmlns:adec="http://schemas.microsoft.com/office/drawing/2017/decorative" val="1"/>
+              </a:ext>
+            </a:extLst>
+          </p:cNvPr>
+          <p:cNvCxnSpPr>
+            <a:cxnSpLocks noGrp="1" noRot="1" noChangeAspect="1" noMove="1" noResize="1" noEditPoints="1" noAdjustHandles="1" noChangeArrowheads="1" noChangeShapeType="1"/>
+          </p:cNvCxnSpPr>
+          <p:nvPr>
+            <p:extLst>
+              <p:ext uri="{386F3935-93C4-4BCD-93E2-E3B085C9AB24}">
+                <p16:designElem xmlns:p16="http://schemas.microsoft.com/office/powerpoint/2015/main" val="1"/>
+              </p:ext>
+            </p:extLst>
+          </p:nvPr>
+        </p:nvCxnSpPr>
+        <p:spPr>
+          <a:xfrm>
+            <a:off x="9371012" y="0"/>
+            <a:ext cx="1219200" cy="6858000"/>
+          </a:xfrm>
+          <a:prstGeom prst="line">
+            <a:avLst/>
+          </a:prstGeom>
+          <a:ln w="9525">
+            <a:solidFill>
+              <a:schemeClr val="bg1">
+                <a:lumMod val="75000"/>
+              </a:schemeClr>
+            </a:solidFill>
+          </a:ln>
+        </p:spPr>
+        <p:style>
+          <a:lnRef idx="2">
+            <a:schemeClr val="accent1"/>
+          </a:lnRef>
+          <a:fillRef idx="0">
+            <a:schemeClr val="accent1"/>
+          </a:fillRef>
+          <a:effectRef idx="1">
+            <a:schemeClr val="accent1"/>
+          </a:effectRef>
+          <a:fontRef idx="minor">
+            <a:schemeClr val="tx1"/>
+          </a:fontRef>
+        </p:style>
+      </p:cxnSp>
+      <p:cxnSp>
+        <p:nvCxnSpPr>
+          <p:cNvPr id="79" name="Straight Connector 78">
+            <a:extLst>
+              <a:ext uri="{FF2B5EF4-FFF2-40B4-BE49-F238E27FC236}">
+                <a16:creationId xmlns:a16="http://schemas.microsoft.com/office/drawing/2014/main" id="{2AFD8CBA-54A3-4363-991B-B9C631BBFA74}"/>
+              </a:ext>
+              <a:ext uri="{C183D7F6-B498-43B3-948B-1728B52AA6E4}">
+                <adec:decorative xmlns:adec="http://schemas.microsoft.com/office/drawing/2017/decorative" val="1"/>
+              </a:ext>
+            </a:extLst>
+          </p:cNvPr>
+          <p:cNvCxnSpPr>
+            <a:cxnSpLocks noGrp="1" noRot="1" noChangeAspect="1" noMove="1" noResize="1" noEditPoints="1" noAdjustHandles="1" noChangeArrowheads="1" noChangeShapeType="1"/>
+          </p:cNvCxnSpPr>
+          <p:nvPr>
+            <p:extLst>
+              <p:ext uri="{386F3935-93C4-4BCD-93E2-E3B085C9AB24}">
+                <p16:designElem xmlns:p16="http://schemas.microsoft.com/office/powerpoint/2015/main" val="1"/>
+              </p:ext>
+            </p:extLst>
+          </p:nvPr>
+        </p:nvCxnSpPr>
+        <p:spPr>
+          <a:xfrm flipH="1">
+            <a:off x="7425267" y="3681413"/>
+            <a:ext cx="4763558" cy="3176587"/>
+          </a:xfrm>
+          <a:prstGeom prst="line">
+            <a:avLst/>
+          </a:prstGeom>
+          <a:ln w="9525">
+            <a:solidFill>
+              <a:schemeClr val="bg1">
+                <a:lumMod val="85000"/>
+              </a:schemeClr>
+            </a:solidFill>
+          </a:ln>
+        </p:spPr>
+        <p:style>
+          <a:lnRef idx="2">
+            <a:schemeClr val="accent1"/>
+          </a:lnRef>
+          <a:fillRef idx="0">
+            <a:schemeClr val="accent1"/>
+          </a:fillRef>
+          <a:effectRef idx="1">
+            <a:schemeClr val="accent1"/>
+          </a:effectRef>
+          <a:fontRef idx="minor">
+            <a:schemeClr val="tx1"/>
+          </a:fontRef>
+        </p:style>
+      </p:cxnSp>
+      <p:sp>
+        <p:nvSpPr>
+          <p:cNvPr id="81" name="Rectangle 23">
+            <a:extLst>
+              <a:ext uri="{FF2B5EF4-FFF2-40B4-BE49-F238E27FC236}">
+                <a16:creationId xmlns:a16="http://schemas.microsoft.com/office/drawing/2014/main" id="{3F088236-D655-4F88-B238-E16762358025}"/>
+              </a:ext>
+              <a:ext uri="{C183D7F6-B498-43B3-948B-1728B52AA6E4}">
+                <adec:decorative xmlns:adec="http://schemas.microsoft.com/office/drawing/2017/decorative" val="1"/>
+              </a:ext>
+            </a:extLst>
+          </p:cNvPr>
+          <p:cNvSpPr>
+            <a:spLocks noGrp="1" noRot="1" noChangeAspect="1" noMove="1" noResize="1" noEditPoints="1" noAdjustHandles="1" noChangeArrowheads="1" noChangeShapeType="1" noTextEdit="1"/>
+          </p:cNvSpPr>
+          <p:nvPr>
+            <p:extLst>
+              <p:ext uri="{386F3935-93C4-4BCD-93E2-E3B085C9AB24}">
+                <p16:designElem xmlns:p16="http://schemas.microsoft.com/office/powerpoint/2015/main" val="1"/>
+              </p:ext>
+            </p:extLst>
+          </p:nvPr>
+        </p:nvSpPr>
+        <p:spPr>
+          <a:xfrm>
+            <a:off x="9181476" y="-8467"/>
+            <a:ext cx="3007349" cy="6866467"/>
+          </a:xfrm>
+          <a:custGeom>
+            <a:avLst/>
+            <a:gdLst/>
+            <a:ahLst/>
+            <a:cxnLst/>
+            <a:rect l="l" t="t" r="r" b="b"/>
+            <a:pathLst>
+              <a:path w="3007349" h="6866467">
+                <a:moveTo>
+                  <a:pt x="2045532" y="0"/>
+                </a:moveTo>
+                <a:lnTo>
+                  <a:pt x="3007349" y="0"/>
+                </a:lnTo>
+                <a:lnTo>
+                  <a:pt x="3007349" y="6866467"/>
+                </a:lnTo>
+                <a:lnTo>
+                  <a:pt x="0" y="6866467"/>
+                </a:lnTo>
+                <a:lnTo>
+                  <a:pt x="2045532" y="0"/>
+                </a:lnTo>
+                <a:close/>
+              </a:path>
+            </a:pathLst>
+          </a:custGeom>
+          <a:solidFill>
+            <a:schemeClr val="accent1">
+              <a:alpha val="30000"/>
+            </a:schemeClr>
+          </a:solidFill>
+          <a:ln>
+            <a:noFill/>
+          </a:ln>
+          <a:effectLst/>
+        </p:spPr>
+        <p:style>
+          <a:lnRef idx="1">
+            <a:schemeClr val="accent1"/>
+          </a:lnRef>
+          <a:fillRef idx="3">
+            <a:schemeClr val="accent1"/>
+          </a:fillRef>
+          <a:effectRef idx="2">
+            <a:schemeClr val="accent1"/>
+          </a:effectRef>
+          <a:fontRef idx="minor">
+            <a:schemeClr val="lt1"/>
+          </a:fontRef>
+        </p:style>
+      </p:sp>
+      <p:sp>
+        <p:nvSpPr>
+          <p:cNvPr id="83" name="Rectangle 25">
+            <a:extLst>
+              <a:ext uri="{FF2B5EF4-FFF2-40B4-BE49-F238E27FC236}">
+                <a16:creationId xmlns:a16="http://schemas.microsoft.com/office/drawing/2014/main" id="{3DAC0C92-199E-475C-9390-119A9B027276}"/>
+              </a:ext>
+              <a:ext uri="{C183D7F6-B498-43B3-948B-1728B52AA6E4}">
+                <adec:decorative xmlns:adec="http://schemas.microsoft.com/office/drawing/2017/decorative" val="1"/>
+              </a:ext>
+            </a:extLst>
+          </p:cNvPr>
+          <p:cNvSpPr>
+            <a:spLocks noGrp="1" noRot="1" noChangeAspect="1" noMove="1" noResize="1" noEditPoints="1" noAdjustHandles="1" noChangeArrowheads="1" noChangeShapeType="1" noTextEdit="1"/>
+          </p:cNvSpPr>
+          <p:nvPr>
+            <p:extLst>
+              <p:ext uri="{386F3935-93C4-4BCD-93E2-E3B085C9AB24}">
+                <p16:designElem xmlns:p16="http://schemas.microsoft.com/office/powerpoint/2015/main" val="1"/>
+              </p:ext>
+            </p:extLst>
+          </p:nvPr>
+        </p:nvSpPr>
+        <p:spPr>
+          <a:xfrm>
+            <a:off x="9603442" y="-8467"/>
+            <a:ext cx="2588558" cy="6866467"/>
+          </a:xfrm>
+          <a:custGeom>
+            <a:avLst/>
+            <a:gdLst/>
+            <a:ahLst/>
+            <a:cxnLst/>
+            <a:rect l="l" t="t" r="r" b="b"/>
+            <a:pathLst>
+              <a:path w="2573311" h="6866467">
+                <a:moveTo>
+                  <a:pt x="0" y="0"/>
+                </a:moveTo>
+                <a:lnTo>
+                  <a:pt x="2573311" y="0"/>
+                </a:lnTo>
+                <a:lnTo>
+                  <a:pt x="2573311" y="6866467"/>
+                </a:lnTo>
+                <a:lnTo>
+                  <a:pt x="1202336" y="6866467"/>
+                </a:lnTo>
+                <a:lnTo>
+                  <a:pt x="0" y="0"/>
+                </a:lnTo>
+                <a:close/>
+              </a:path>
+            </a:pathLst>
+          </a:custGeom>
+          <a:solidFill>
+            <a:schemeClr val="accent1">
+              <a:alpha val="20000"/>
+            </a:schemeClr>
+          </a:solidFill>
+          <a:ln>
+            <a:noFill/>
+          </a:ln>
+          <a:effectLst/>
+        </p:spPr>
+        <p:style>
+          <a:lnRef idx="1">
+            <a:schemeClr val="accent1"/>
+          </a:lnRef>
+          <a:fillRef idx="3">
+            <a:schemeClr val="accent1"/>
+          </a:fillRef>
+          <a:effectRef idx="2">
+            <a:schemeClr val="accent1"/>
+          </a:effectRef>
+          <a:fontRef idx="minor">
+            <a:schemeClr val="lt1"/>
+          </a:fontRef>
+        </p:style>
+      </p:sp>
+      <p:sp>
+        <p:nvSpPr>
+          <p:cNvPr id="85" name="Isosceles Triangle 24">
+            <a:extLst>
+              <a:ext uri="{FF2B5EF4-FFF2-40B4-BE49-F238E27FC236}">
+                <a16:creationId xmlns:a16="http://schemas.microsoft.com/office/drawing/2014/main" id="{C4CFB339-0ED8-4FE2-9EF1-6D1375B8499B}"/>
+              </a:ext>
+              <a:ext uri="{C183D7F6-B498-43B3-948B-1728B52AA6E4}">
+                <adec:decorative xmlns:adec="http://schemas.microsoft.com/office/drawing/2017/decorative" val="1"/>
+              </a:ext>
+            </a:extLst>
+          </p:cNvPr>
+          <p:cNvSpPr>
+            <a:spLocks noGrp="1" noRot="1" noChangeAspect="1" noMove="1" noResize="1" noEditPoints="1" noAdjustHandles="1" noChangeArrowheads="1" noChangeShapeType="1" noTextEdit="1"/>
+          </p:cNvSpPr>
+          <p:nvPr>
+            <p:extLst>
+              <p:ext uri="{386F3935-93C4-4BCD-93E2-E3B085C9AB24}">
+                <p16:designElem xmlns:p16="http://schemas.microsoft.com/office/powerpoint/2015/main" val="1"/>
+              </p:ext>
+            </p:extLst>
+          </p:nvPr>
+        </p:nvSpPr>
+        <p:spPr>
+          <a:xfrm>
+            <a:off x="8932333" y="3048000"/>
+            <a:ext cx="3259667" cy="3810000"/>
+          </a:xfrm>
+          <a:prstGeom prst="triangle">
+            <a:avLst>
+              <a:gd name="adj" fmla="val 100000"/>
+            </a:avLst>
+          </a:prstGeom>
+          <a:solidFill>
+            <a:schemeClr val="accent2">
+              <a:alpha val="72000"/>
+            </a:schemeClr>
+          </a:solidFill>
+          <a:ln>
+            <a:noFill/>
+          </a:ln>
+          <a:effectLst/>
+        </p:spPr>
+        <p:style>
+          <a:lnRef idx="1">
+            <a:schemeClr val="accent1"/>
+          </a:lnRef>
+          <a:fillRef idx="3">
+            <a:schemeClr val="accent1"/>
+          </a:fillRef>
+          <a:effectRef idx="2">
+            <a:schemeClr val="accent1"/>
+          </a:effectRef>
+          <a:fontRef idx="minor">
+            <a:schemeClr val="lt1"/>
+          </a:fontRef>
+        </p:style>
+      </p:sp>
+      <p:sp>
+        <p:nvSpPr>
+          <p:cNvPr id="87" name="Rectangle 27">
+            <a:extLst>
+              <a:ext uri="{FF2B5EF4-FFF2-40B4-BE49-F238E27FC236}">
+                <a16:creationId xmlns:a16="http://schemas.microsoft.com/office/drawing/2014/main" id="{31896C80-2069-4431-9C19-83B913734490}"/>
+              </a:ext>
+              <a:ext uri="{C183D7F6-B498-43B3-948B-1728B52AA6E4}">
+                <adec:decorative xmlns:adec="http://schemas.microsoft.com/office/drawing/2017/decorative" val="1"/>
+              </a:ext>
+            </a:extLst>
+          </p:cNvPr>
+          <p:cNvSpPr>
+            <a:spLocks noGrp="1" noRot="1" noChangeAspect="1" noMove="1" noResize="1" noEditPoints="1" noAdjustHandles="1" noChangeArrowheads="1" noChangeShapeType="1" noTextEdit="1"/>
+          </p:cNvSpPr>
+          <p:nvPr>
+            <p:extLst>
+              <p:ext uri="{386F3935-93C4-4BCD-93E2-E3B085C9AB24}">
+                <p16:designElem xmlns:p16="http://schemas.microsoft.com/office/powerpoint/2015/main" val="1"/>
+              </p:ext>
+            </p:extLst>
+          </p:nvPr>
+        </p:nvSpPr>
+        <p:spPr>
+          <a:xfrm>
+            <a:off x="9334500" y="-8467"/>
+            <a:ext cx="2854326" cy="6866467"/>
+          </a:xfrm>
+          <a:custGeom>
+            <a:avLst/>
+            <a:gdLst/>
+            <a:ahLst/>
+            <a:cxnLst/>
+            <a:rect l="l" t="t" r="r" b="b"/>
+            <a:pathLst>
+              <a:path w="2858013" h="6866467">
+                <a:moveTo>
+                  <a:pt x="0" y="0"/>
+                </a:moveTo>
+                <a:lnTo>
+                  <a:pt x="2858013" y="0"/>
+                </a:lnTo>
+                <a:lnTo>
+                  <a:pt x="2858013" y="6866467"/>
+                </a:lnTo>
+                <a:lnTo>
+                  <a:pt x="2473942" y="6866467"/>
+                </a:lnTo>
+                <a:lnTo>
+                  <a:pt x="0" y="0"/>
+                </a:lnTo>
+                <a:close/>
+              </a:path>
+            </a:pathLst>
+          </a:custGeom>
+          <a:solidFill>
+            <a:schemeClr val="accent2">
+              <a:lumMod val="75000"/>
+              <a:alpha val="47000"/>
+            </a:schemeClr>
+          </a:solidFill>
+          <a:ln>
+            <a:noFill/>
+          </a:ln>
+          <a:effectLst/>
+        </p:spPr>
+        <p:style>
+          <a:lnRef idx="1">
+            <a:schemeClr val="accent1"/>
+          </a:lnRef>
+          <a:fillRef idx="3">
+            <a:schemeClr val="accent1"/>
+          </a:fillRef>
+          <a:effectRef idx="2">
+            <a:schemeClr val="accent1"/>
+          </a:effectRef>
+          <a:fontRef idx="minor">
+            <a:schemeClr val="lt1"/>
+          </a:fontRef>
+        </p:style>
+      </p:sp>
+      <p:sp>
+        <p:nvSpPr>
+          <p:cNvPr id="89" name="Rectangle 28">
+            <a:extLst>
+              <a:ext uri="{FF2B5EF4-FFF2-40B4-BE49-F238E27FC236}">
+                <a16:creationId xmlns:a16="http://schemas.microsoft.com/office/drawing/2014/main" id="{BF120A21-0841-4823-B0C4-28AEBCEF9B78}"/>
+              </a:ext>
+              <a:ext uri="{C183D7F6-B498-43B3-948B-1728B52AA6E4}">
+                <adec:decorative xmlns:adec="http://schemas.microsoft.com/office/drawing/2017/decorative" val="1"/>
+              </a:ext>
+            </a:extLst>
+          </p:cNvPr>
+          <p:cNvSpPr>
+            <a:spLocks noGrp="1" noRot="1" noChangeAspect="1" noMove="1" noResize="1" noEditPoints="1" noAdjustHandles="1" noChangeArrowheads="1" noChangeShapeType="1" noTextEdit="1"/>
+          </p:cNvSpPr>
+          <p:nvPr>
+            <p:extLst>
+              <p:ext uri="{386F3935-93C4-4BCD-93E2-E3B085C9AB24}">
+                <p16:designElem xmlns:p16="http://schemas.microsoft.com/office/powerpoint/2015/main" val="1"/>
+              </p:ext>
+            </p:extLst>
+          </p:nvPr>
+        </p:nvSpPr>
+        <p:spPr>
+          <a:xfrm>
+            <a:off x="10898730" y="-8467"/>
+            <a:ext cx="1290094" cy="6866467"/>
+          </a:xfrm>
+          <a:custGeom>
+            <a:avLst/>
+            <a:gdLst/>
+            <a:ahLst/>
+            <a:cxnLst/>
+            <a:rect l="l" t="t" r="r" b="b"/>
+            <a:pathLst>
+              <a:path w="1290094" h="6858000">
+                <a:moveTo>
+                  <a:pt x="1019735" y="0"/>
+                </a:moveTo>
+                <a:lnTo>
+                  <a:pt x="1290094" y="0"/>
+                </a:lnTo>
+                <a:lnTo>
+                  <a:pt x="1290094" y="6858000"/>
+                </a:lnTo>
+                <a:lnTo>
+                  <a:pt x="0" y="6858000"/>
+                </a:lnTo>
+                <a:lnTo>
+                  <a:pt x="1019735" y="0"/>
+                </a:lnTo>
+                <a:close/>
+              </a:path>
+            </a:pathLst>
+          </a:custGeom>
+          <a:solidFill>
+            <a:schemeClr val="accent1">
+              <a:lumMod val="60000"/>
+              <a:lumOff val="40000"/>
+              <a:alpha val="70000"/>
+            </a:schemeClr>
+          </a:solidFill>
+          <a:ln>
+            <a:noFill/>
+          </a:ln>
+          <a:effectLst/>
+        </p:spPr>
+        <p:style>
+          <a:lnRef idx="1">
+            <a:schemeClr val="accent1"/>
+          </a:lnRef>
+          <a:fillRef idx="3">
+            <a:schemeClr val="accent1"/>
+          </a:fillRef>
+          <a:effectRef idx="2">
+            <a:schemeClr val="accent1"/>
+          </a:effectRef>
+          <a:fontRef idx="minor">
+            <a:schemeClr val="lt1"/>
+          </a:fontRef>
+        </p:style>
+      </p:sp>
+      <p:sp>
+        <p:nvSpPr>
+          <p:cNvPr id="91" name="Rectangle 29">
+            <a:extLst>
+              <a:ext uri="{FF2B5EF4-FFF2-40B4-BE49-F238E27FC236}">
+                <a16:creationId xmlns:a16="http://schemas.microsoft.com/office/drawing/2014/main" id="{DBB05BAE-BBD3-4289-899F-A6851503C6B0}"/>
+              </a:ext>
+              <a:ext uri="{C183D7F6-B498-43B3-948B-1728B52AA6E4}">
+                <adec:decorative xmlns:adec="http://schemas.microsoft.com/office/drawing/2017/decorative" val="1"/>
+              </a:ext>
+            </a:extLst>
+          </p:cNvPr>
+          <p:cNvSpPr>
+            <a:spLocks noGrp="1" noRot="1" noChangeAspect="1" noMove="1" noResize="1" noEditPoints="1" noAdjustHandles="1" noChangeArrowheads="1" noChangeShapeType="1" noTextEdit="1"/>
+          </p:cNvSpPr>
+          <p:nvPr>
+            <p:extLst>
+              <p:ext uri="{386F3935-93C4-4BCD-93E2-E3B085C9AB24}">
+                <p16:designElem xmlns:p16="http://schemas.microsoft.com/office/powerpoint/2015/main" val="1"/>
+              </p:ext>
+            </p:extLst>
+          </p:nvPr>
+        </p:nvSpPr>
+        <p:spPr>
+          <a:xfrm>
+            <a:off x="10938999" y="-8467"/>
+            <a:ext cx="1249825" cy="6866467"/>
+          </a:xfrm>
+          <a:custGeom>
+            <a:avLst/>
+            <a:gdLst/>
+            <a:ahLst/>
+            <a:cxnLst/>
+            <a:rect l="l" t="t" r="r" b="b"/>
+            <a:pathLst>
+              <a:path w="1249825" h="6858000">
+                <a:moveTo>
+                  <a:pt x="0" y="0"/>
+                </a:moveTo>
+                <a:lnTo>
+                  <a:pt x="1249825" y="0"/>
+                </a:lnTo>
+                <a:lnTo>
+                  <a:pt x="1249825" y="6858000"/>
+                </a:lnTo>
+                <a:lnTo>
+                  <a:pt x="1109382" y="6858000"/>
+                </a:lnTo>
+                <a:lnTo>
+                  <a:pt x="0" y="0"/>
+                </a:lnTo>
+                <a:close/>
+              </a:path>
+            </a:pathLst>
+          </a:custGeom>
+          <a:solidFill>
+            <a:schemeClr val="accent1">
+              <a:alpha val="65000"/>
+            </a:schemeClr>
+          </a:solidFill>
+          <a:ln>
+            <a:noFill/>
+          </a:ln>
+          <a:effectLst/>
+        </p:spPr>
+        <p:style>
+          <a:lnRef idx="1">
+            <a:schemeClr val="accent1"/>
+          </a:lnRef>
+          <a:fillRef idx="3">
+            <a:schemeClr val="accent1"/>
+          </a:fillRef>
+          <a:effectRef idx="2">
+            <a:schemeClr val="accent1"/>
+          </a:effectRef>
+          <a:fontRef idx="minor">
+            <a:schemeClr val="lt1"/>
+          </a:fontRef>
+        </p:style>
+      </p:sp>
+      <p:sp>
+        <p:nvSpPr>
+          <p:cNvPr id="93" name="Isosceles Triangle 29">
+            <a:extLst>
+              <a:ext uri="{FF2B5EF4-FFF2-40B4-BE49-F238E27FC236}">
+                <a16:creationId xmlns:a16="http://schemas.microsoft.com/office/drawing/2014/main" id="{9874D11C-36F5-4BBE-A490-019A54E953B0}"/>
+              </a:ext>
+              <a:ext uri="{C183D7F6-B498-43B3-948B-1728B52AA6E4}">
+                <adec:decorative xmlns:adec="http://schemas.microsoft.com/office/drawing/2017/decorative" val="1"/>
+              </a:ext>
+            </a:extLst>
+          </p:cNvPr>
+          <p:cNvSpPr>
+            <a:spLocks noGrp="1" noRot="1" noChangeAspect="1" noMove="1" noResize="1" noEditPoints="1" noAdjustHandles="1" noChangeArrowheads="1" noChangeShapeType="1" noTextEdit="1"/>
+          </p:cNvSpPr>
+          <p:nvPr>
+            <p:extLst>
+              <p:ext uri="{386F3935-93C4-4BCD-93E2-E3B085C9AB24}">
+                <p16:designElem xmlns:p16="http://schemas.microsoft.com/office/powerpoint/2015/main" val="1"/>
+              </p:ext>
+            </p:extLst>
+          </p:nvPr>
+        </p:nvSpPr>
+        <p:spPr>
+          <a:xfrm>
+            <a:off x="10371666" y="3589867"/>
+            <a:ext cx="1817159" cy="3268133"/>
+          </a:xfrm>
+          <a:prstGeom prst="triangle">
+            <a:avLst>
+              <a:gd name="adj" fmla="val 100000"/>
+            </a:avLst>
+          </a:prstGeom>
+          <a:solidFill>
+            <a:schemeClr val="accent1">
+              <a:alpha val="80000"/>
+            </a:schemeClr>
+          </a:solidFill>
+          <a:ln>
+            <a:noFill/>
+          </a:ln>
+          <a:effectLst/>
+        </p:spPr>
+        <p:style>
+          <a:lnRef idx="1">
+            <a:schemeClr val="accent1"/>
+          </a:lnRef>
+          <a:fillRef idx="3">
+            <a:schemeClr val="accent1"/>
+          </a:fillRef>
+          <a:effectRef idx="2">
+            <a:schemeClr val="accent1"/>
+          </a:effectRef>
+          <a:fontRef idx="minor">
+            <a:schemeClr val="lt1"/>
+          </a:fontRef>
+        </p:style>
+      </p:sp>
+    </p:spTree>
+    <p:extLst>
+      <p:ext uri="{BB962C8B-B14F-4D97-AF65-F5344CB8AC3E}">
+        <p14:creationId xmlns:p14="http://schemas.microsoft.com/office/powerpoint/2010/main" val="498754590"/>
+      </p:ext>
+    </p:extLst>
+  </p:cSld>
+  <p:clrMapOvr>
+    <a:masterClrMapping/>
+  </p:clrMapOvr>
+</p:sld>
+</file>
+
+<file path=ppt/slides/slide3.xml><?xml version="1.0" encoding="utf-8"?>
+<p:sld xmlns:a="http://schemas.openxmlformats.org/drawingml/2006/main" xmlns:r="http://schemas.openxmlformats.org/officeDocument/2006/relationships" xmlns:p="http://schemas.openxmlformats.org/presentationml/2006/main">
+  <p:cSld>
     <p:spTree>
       <p:nvGrpSpPr>
         <p:cNvPr id="1" name=""/>
@@ -5946,7 +9823,10 @@
           <a:bodyPr/>
           <a:lstStyle/>
           <a:p>
-            <a:endParaRPr lang="hu-HU" dirty="0"/>
+            <a:r>
+              <a:rPr lang="hu-HU" dirty="0"/>
+              <a:t>Irodalomkutatás</a:t>
+            </a:r>
           </a:p>
         </p:txBody>
       </p:sp>
@@ -5968,17 +9848,4183 @@
         </p:nvSpPr>
         <p:spPr/>
         <p:txBody>
-          <a:bodyPr/>
+          <a:bodyPr>
+            <a:normAutofit/>
+          </a:bodyPr>
           <a:lstStyle/>
           <a:p>
-            <a:endParaRPr lang="hu-HU"/>
+            <a:r>
+              <a:rPr lang="hu-HU" dirty="0"/>
+              <a:t>Számos hasonló munka, már az 1960-as évektől</a:t>
+            </a:r>
+          </a:p>
+          <a:p>
+            <a:r>
+              <a:rPr lang="hu-HU" dirty="0"/>
+              <a:t>1964: </a:t>
+            </a:r>
+            <a:r>
+              <a:rPr lang="hu-HU" dirty="0" err="1"/>
+              <a:t>Balintfy</a:t>
+            </a:r>
+            <a:r>
+              <a:rPr lang="hu-HU" dirty="0"/>
+              <a:t>: Lineáris Programozás</a:t>
+            </a:r>
+          </a:p>
+          <a:p>
+            <a:r>
+              <a:rPr lang="hu-HU" dirty="0"/>
+              <a:t>CAMPER: CBR és RBR rendszer kombinációja</a:t>
+            </a:r>
+          </a:p>
+          <a:p>
+            <a:r>
+              <a:rPr lang="hu-HU" dirty="0"/>
+              <a:t>MIKAS: CBR alapú, inkrementális tanulás</a:t>
+            </a:r>
+          </a:p>
+          <a:p>
+            <a:r>
+              <a:rPr lang="hu-HU" dirty="0"/>
+              <a:t>Maláj kutatás: dietetikusok munkamenetét modellezi</a:t>
+            </a:r>
+          </a:p>
+          <a:p>
+            <a:r>
+              <a:rPr lang="hu-HU" dirty="0" err="1"/>
+              <a:t>Kaharam</a:t>
+            </a:r>
+            <a:r>
+              <a:rPr lang="hu-HU" dirty="0"/>
+              <a:t> és Seven: genetikus algoritmus</a:t>
+            </a:r>
+          </a:p>
+          <a:p>
+            <a:r>
+              <a:rPr lang="hu-HU" dirty="0" err="1"/>
+              <a:t>Vassányi</a:t>
+            </a:r>
+            <a:r>
+              <a:rPr lang="hu-HU" dirty="0"/>
+              <a:t>, Gaál és </a:t>
+            </a:r>
+            <a:r>
+              <a:rPr lang="hu-HU" dirty="0" err="1"/>
+              <a:t>Kozmann</a:t>
+            </a:r>
+            <a:r>
+              <a:rPr lang="hu-HU" dirty="0"/>
+              <a:t>: többrétegű genetikus algoritmus</a:t>
+            </a:r>
+          </a:p>
+          <a:p>
+            <a:r>
+              <a:rPr lang="hu-HU" dirty="0"/>
+              <a:t>Dietetikus még nem kiiktatható, inkább munkáját kiegészíti</a:t>
+            </a:r>
           </a:p>
         </p:txBody>
       </p:sp>
     </p:spTree>
     <p:extLst>
       <p:ext uri="{BB962C8B-B14F-4D97-AF65-F5344CB8AC3E}">
-        <p14:creationId xmlns:p14="http://schemas.microsoft.com/office/powerpoint/2010/main" val="498754590"/>
+        <p14:creationId xmlns:p14="http://schemas.microsoft.com/office/powerpoint/2010/main" val="1213149491"/>
+      </p:ext>
+    </p:extLst>
+  </p:cSld>
+  <p:clrMapOvr>
+    <a:masterClrMapping/>
+  </p:clrMapOvr>
+</p:sld>
+</file>
+
+<file path=ppt/slides/slide4.xml><?xml version="1.0" encoding="utf-8"?>
+<p:sld xmlns:a="http://schemas.openxmlformats.org/drawingml/2006/main" xmlns:r="http://schemas.openxmlformats.org/officeDocument/2006/relationships" xmlns:p="http://schemas.openxmlformats.org/presentationml/2006/main">
+  <p:cSld>
+    <p:spTree>
+      <p:nvGrpSpPr>
+        <p:cNvPr id="1" name=""/>
+        <p:cNvGrpSpPr/>
+        <p:nvPr/>
+      </p:nvGrpSpPr>
+      <p:grpSpPr>
+        <a:xfrm>
+          <a:off x="0" y="0"/>
+          <a:ext cx="0" cy="0"/>
+          <a:chOff x="0" y="0"/>
+          <a:chExt cx="0" cy="0"/>
+        </a:xfrm>
+      </p:grpSpPr>
+      <p:sp>
+        <p:nvSpPr>
+          <p:cNvPr id="2" name="Cím 1">
+            <a:extLst>
+              <a:ext uri="{FF2B5EF4-FFF2-40B4-BE49-F238E27FC236}">
+                <a16:creationId xmlns:a16="http://schemas.microsoft.com/office/drawing/2014/main" id="{79B349E2-B684-46CC-828D-0C5F86913F72}"/>
+              </a:ext>
+            </a:extLst>
+          </p:cNvPr>
+          <p:cNvSpPr>
+            <a:spLocks noGrp="1"/>
+          </p:cNvSpPr>
+          <p:nvPr>
+            <p:ph type="title"/>
+          </p:nvPr>
+        </p:nvSpPr>
+        <p:spPr/>
+        <p:txBody>
+          <a:bodyPr/>
+          <a:lstStyle/>
+          <a:p>
+            <a:r>
+              <a:rPr lang="hu-HU" dirty="0"/>
+              <a:t>Probléma definíció</a:t>
+            </a:r>
+          </a:p>
+        </p:txBody>
+      </p:sp>
+      <p:sp>
+        <p:nvSpPr>
+          <p:cNvPr id="3" name="Tartalom helye 2">
+            <a:extLst>
+              <a:ext uri="{FF2B5EF4-FFF2-40B4-BE49-F238E27FC236}">
+                <a16:creationId xmlns:a16="http://schemas.microsoft.com/office/drawing/2014/main" id="{916D427A-649D-483B-8B6F-B2576A81F74C}"/>
+              </a:ext>
+            </a:extLst>
+          </p:cNvPr>
+          <p:cNvSpPr>
+            <a:spLocks noGrp="1"/>
+          </p:cNvSpPr>
+          <p:nvPr>
+            <p:ph idx="1"/>
+          </p:nvPr>
+        </p:nvSpPr>
+        <p:spPr/>
+        <p:txBody>
+          <a:bodyPr/>
+          <a:lstStyle/>
+          <a:p>
+            <a:r>
+              <a:rPr lang="hu-HU" dirty="0"/>
+              <a:t>Fő elvárások:</a:t>
+            </a:r>
+          </a:p>
+          <a:p>
+            <a:pPr lvl="1"/>
+            <a:r>
+              <a:rPr lang="hu-HU" dirty="0"/>
+              <a:t>Minimális tápanyag hiba</a:t>
+            </a:r>
+          </a:p>
+          <a:p>
+            <a:pPr lvl="1"/>
+            <a:r>
+              <a:rPr lang="hu-HU" dirty="0"/>
+              <a:t>Maximális felhasználói értékelés</a:t>
+            </a:r>
+          </a:p>
+          <a:p>
+            <a:pPr lvl="1"/>
+            <a:r>
+              <a:rPr lang="hu-HU" dirty="0"/>
+              <a:t>Változatosság</a:t>
+            </a:r>
+          </a:p>
+          <a:p>
+            <a:pPr lvl="1"/>
+            <a:r>
+              <a:rPr lang="hu-HU" dirty="0" err="1"/>
+              <a:t>Tálalhatóság</a:t>
+            </a:r>
+            <a:endParaRPr lang="hu-HU" dirty="0"/>
+          </a:p>
+        </p:txBody>
+      </p:sp>
+    </p:spTree>
+    <p:extLst>
+      <p:ext uri="{BB962C8B-B14F-4D97-AF65-F5344CB8AC3E}">
+        <p14:creationId xmlns:p14="http://schemas.microsoft.com/office/powerpoint/2010/main" val="3476661822"/>
+      </p:ext>
+    </p:extLst>
+  </p:cSld>
+  <p:clrMapOvr>
+    <a:masterClrMapping/>
+  </p:clrMapOvr>
+</p:sld>
+</file>
+
+<file path=ppt/slides/slide5.xml><?xml version="1.0" encoding="utf-8"?>
+<p:sld xmlns:a="http://schemas.openxmlformats.org/drawingml/2006/main" xmlns:r="http://schemas.openxmlformats.org/officeDocument/2006/relationships" xmlns:p="http://schemas.openxmlformats.org/presentationml/2006/main">
+  <p:cSld>
+    <p:bg>
+      <p:bgPr>
+        <a:solidFill>
+          <a:schemeClr val="bg1"/>
+        </a:solidFill>
+        <a:effectLst/>
+      </p:bgPr>
+    </p:bg>
+    <p:spTree>
+      <p:nvGrpSpPr>
+        <p:cNvPr id="1" name=""/>
+        <p:cNvGrpSpPr/>
+        <p:nvPr/>
+      </p:nvGrpSpPr>
+      <p:grpSpPr>
+        <a:xfrm>
+          <a:off x="0" y="0"/>
+          <a:ext cx="0" cy="0"/>
+          <a:chOff x="0" y="0"/>
+          <a:chExt cx="0" cy="0"/>
+        </a:xfrm>
+      </p:grpSpPr>
+      <p:sp>
+        <p:nvSpPr>
+          <p:cNvPr id="2" name="Cím 1">
+            <a:extLst>
+              <a:ext uri="{FF2B5EF4-FFF2-40B4-BE49-F238E27FC236}">
+                <a16:creationId xmlns:a16="http://schemas.microsoft.com/office/drawing/2014/main" id="{C1370734-C49D-4A45-8A79-E385D3BF1CDA}"/>
+              </a:ext>
+            </a:extLst>
+          </p:cNvPr>
+          <p:cNvSpPr>
+            <a:spLocks noGrp="1"/>
+          </p:cNvSpPr>
+          <p:nvPr>
+            <p:ph type="title"/>
+          </p:nvPr>
+        </p:nvSpPr>
+        <p:spPr>
+          <a:xfrm>
+            <a:off x="677334" y="609600"/>
+            <a:ext cx="8596668" cy="1320800"/>
+          </a:xfrm>
+        </p:spPr>
+        <p:txBody>
+          <a:bodyPr anchor="t">
+            <a:normAutofit/>
+          </a:bodyPr>
+          <a:lstStyle/>
+          <a:p>
+            <a:r>
+              <a:rPr lang="hu-HU" dirty="0"/>
+              <a:t>Megoldási módszer</a:t>
+            </a:r>
+          </a:p>
+        </p:txBody>
+      </p:sp>
+      <p:sp>
+        <p:nvSpPr>
+          <p:cNvPr id="3" name="Tartalom helye 2">
+            <a:extLst>
+              <a:ext uri="{FF2B5EF4-FFF2-40B4-BE49-F238E27FC236}">
+                <a16:creationId xmlns:a16="http://schemas.microsoft.com/office/drawing/2014/main" id="{B315A54B-F44D-409A-8263-A7A4E8CE2473}"/>
+              </a:ext>
+            </a:extLst>
+          </p:cNvPr>
+          <p:cNvSpPr>
+            <a:spLocks noGrp="1"/>
+          </p:cNvSpPr>
+          <p:nvPr>
+            <p:ph idx="1"/>
+          </p:nvPr>
+        </p:nvSpPr>
+        <p:spPr>
+          <a:xfrm>
+            <a:off x="677334" y="2160589"/>
+            <a:ext cx="3957349" cy="3749323"/>
+          </a:xfrm>
+        </p:spPr>
+        <p:txBody>
+          <a:bodyPr>
+            <a:normAutofit/>
+          </a:bodyPr>
+          <a:lstStyle/>
+          <a:p>
+            <a:r>
+              <a:rPr lang="hu-HU"/>
+              <a:t>Egyéni tápanyagigény kiolvasása</a:t>
+            </a:r>
+          </a:p>
+          <a:p>
+            <a:r>
+              <a:rPr lang="hu-HU"/>
+              <a:t>Genetikus Algoritmus és Lineáris Programozás kombinálása</a:t>
+            </a:r>
+          </a:p>
+          <a:p>
+            <a:pPr lvl="1"/>
+            <a:r>
+              <a:rPr lang="hu-HU"/>
+              <a:t>Kezdeti populáció: LP-relaxált megoldás</a:t>
+            </a:r>
+          </a:p>
+          <a:p>
+            <a:pPr lvl="1"/>
+            <a:r>
+              <a:rPr lang="hu-HU"/>
+              <a:t>Egyéb javítások: Javító és lokális javító függvény</a:t>
+            </a:r>
+          </a:p>
+          <a:p>
+            <a:pPr lvl="2"/>
+            <a:endParaRPr lang="hu-HU" dirty="0"/>
+          </a:p>
+        </p:txBody>
+      </p:sp>
+      <p:graphicFrame>
+        <p:nvGraphicFramePr>
+          <p:cNvPr id="4" name="Táblázat 3">
+            <a:extLst>
+              <a:ext uri="{FF2B5EF4-FFF2-40B4-BE49-F238E27FC236}">
+                <a16:creationId xmlns:a16="http://schemas.microsoft.com/office/drawing/2014/main" id="{B51525E1-FB32-4C62-95FC-700A934EC91D}"/>
+              </a:ext>
+            </a:extLst>
+          </p:cNvPr>
+          <p:cNvGraphicFramePr>
+            <a:graphicFrameLocks noGrp="1"/>
+          </p:cNvGraphicFramePr>
+          <p:nvPr>
+            <p:extLst>
+              <p:ext uri="{D42A27DB-BD31-4B8C-83A1-F6EECF244321}">
+                <p14:modId xmlns:p14="http://schemas.microsoft.com/office/powerpoint/2010/main" val="772737988"/>
+              </p:ext>
+            </p:extLst>
+          </p:nvPr>
+        </p:nvGraphicFramePr>
+        <p:xfrm>
+          <a:off x="5331491" y="2159331"/>
+          <a:ext cx="3516282" cy="3851021"/>
+        </p:xfrm>
+        <a:graphic>
+          <a:graphicData uri="http://schemas.openxmlformats.org/drawingml/2006/table">
+            <a:tbl>
+              <a:tblPr firstRow="1" firstCol="1" bandRow="1">
+                <a:noFill/>
+                <a:tableStyleId>{5C22544A-7EE6-4342-B048-85BDC9FD1C3A}</a:tableStyleId>
+              </a:tblPr>
+              <a:tblGrid>
+                <a:gridCol w="1710504">
+                  <a:extLst>
+                    <a:ext uri="{9D8B030D-6E8A-4147-A177-3AD203B41FA5}">
+                      <a16:colId xmlns:a16="http://schemas.microsoft.com/office/drawing/2014/main" val="3709108815"/>
+                    </a:ext>
+                  </a:extLst>
+                </a:gridCol>
+                <a:gridCol w="1805778">
+                  <a:extLst>
+                    <a:ext uri="{9D8B030D-6E8A-4147-A177-3AD203B41FA5}">
+                      <a16:colId xmlns:a16="http://schemas.microsoft.com/office/drawing/2014/main" val="3464338372"/>
+                    </a:ext>
+                  </a:extLst>
+                </a:gridCol>
+              </a:tblGrid>
+              <a:tr h="813195">
+                <a:tc>
+                  <a:txBody>
+                    <a:bodyPr/>
+                    <a:lstStyle/>
+                    <a:p>
+                      <a:pPr algn="just">
+                        <a:lnSpc>
+                          <a:spcPct val="115000"/>
+                        </a:lnSpc>
+                        <a:spcBef>
+                          <a:spcPts val="600"/>
+                        </a:spcBef>
+                        <a:spcAft>
+                          <a:spcPts val="600"/>
+                        </a:spcAft>
+                      </a:pPr>
+                      <a:r>
+                        <a:rPr lang="hu-HU" sz="1000" b="0" cap="all" spc="150">
+                          <a:solidFill>
+                            <a:schemeClr val="lt1"/>
+                          </a:solidFill>
+                          <a:effectLst/>
+                        </a:rPr>
+                        <a:t>Genetikus Algoritmus:</a:t>
+                      </a:r>
+                      <a:endParaRPr lang="hu-HU" sz="1000" b="0" cap="all" spc="150">
+                        <a:solidFill>
+                          <a:schemeClr val="lt1"/>
+                        </a:solidFill>
+                        <a:effectLst/>
+                        <a:latin typeface="Times New Roman" panose="02020603050405020304" pitchFamily="18" charset="0"/>
+                        <a:ea typeface="Calibri" panose="020F0502020204030204" pitchFamily="34" charset="0"/>
+                        <a:cs typeface="Calibri" panose="020F0502020204030204" pitchFamily="34" charset="0"/>
+                      </a:endParaRPr>
+                    </a:p>
+                  </a:txBody>
+                  <a:tcPr marL="87016" marR="87016" marT="87016" marB="87016">
+                    <a:lnL w="12700" cmpd="sng">
+                      <a:noFill/>
+                    </a:lnL>
+                    <a:lnR w="12700" cmpd="sng">
+                      <a:noFill/>
+                    </a:lnR>
+                    <a:lnT w="12700" cmpd="sng">
+                      <a:noFill/>
+                    </a:lnT>
+                    <a:lnB w="38100" cmpd="sng">
+                      <a:noFill/>
+                    </a:lnB>
+                    <a:solidFill>
+                      <a:srgbClr val="505356"/>
+                    </a:solidFill>
+                  </a:tcPr>
+                </a:tc>
+                <a:tc>
+                  <a:txBody>
+                    <a:bodyPr/>
+                    <a:lstStyle/>
+                    <a:p>
+                      <a:pPr algn="just">
+                        <a:lnSpc>
+                          <a:spcPct val="115000"/>
+                        </a:lnSpc>
+                        <a:spcBef>
+                          <a:spcPts val="600"/>
+                        </a:spcBef>
+                        <a:spcAft>
+                          <a:spcPts val="600"/>
+                        </a:spcAft>
+                      </a:pPr>
+                      <a:r>
+                        <a:rPr lang="hu-HU" sz="1000" b="0" cap="all" spc="150">
+                          <a:solidFill>
+                            <a:schemeClr val="lt1"/>
+                          </a:solidFill>
+                          <a:effectLst/>
+                        </a:rPr>
+                        <a:t>stabil állapotú,</a:t>
+                      </a:r>
+                    </a:p>
+                    <a:p>
+                      <a:pPr algn="just">
+                        <a:lnSpc>
+                          <a:spcPct val="115000"/>
+                        </a:lnSpc>
+                        <a:spcBef>
+                          <a:spcPts val="600"/>
+                        </a:spcBef>
+                        <a:spcAft>
+                          <a:spcPts val="600"/>
+                        </a:spcAft>
+                      </a:pPr>
+                      <a:r>
+                        <a:rPr lang="hu-HU" sz="1000" b="0" cap="all" spc="150">
+                          <a:solidFill>
+                            <a:schemeClr val="lt1"/>
+                          </a:solidFill>
+                          <a:effectLst/>
+                        </a:rPr>
+                        <a:t>egyed ismétlődés nem megengedett</a:t>
+                      </a:r>
+                      <a:endParaRPr lang="hu-HU" sz="1000" b="0" cap="all" spc="150">
+                        <a:solidFill>
+                          <a:schemeClr val="lt1"/>
+                        </a:solidFill>
+                        <a:effectLst/>
+                        <a:latin typeface="Times New Roman" panose="02020603050405020304" pitchFamily="18" charset="0"/>
+                        <a:ea typeface="Calibri" panose="020F0502020204030204" pitchFamily="34" charset="0"/>
+                        <a:cs typeface="Calibri" panose="020F0502020204030204" pitchFamily="34" charset="0"/>
+                      </a:endParaRPr>
+                    </a:p>
+                  </a:txBody>
+                  <a:tcPr marL="87016" marR="87016" marT="87016" marB="87016">
+                    <a:lnL w="12700" cmpd="sng">
+                      <a:noFill/>
+                    </a:lnL>
+                    <a:lnR w="12700" cmpd="sng">
+                      <a:noFill/>
+                    </a:lnR>
+                    <a:lnT w="12700" cmpd="sng">
+                      <a:noFill/>
+                    </a:lnT>
+                    <a:lnB w="38100" cmpd="sng">
+                      <a:noFill/>
+                    </a:lnB>
+                    <a:solidFill>
+                      <a:srgbClr val="505356"/>
+                    </a:solidFill>
+                  </a:tcPr>
+                </a:tc>
+                <a:extLst>
+                  <a:ext uri="{0D108BD9-81ED-4DB2-BD59-A6C34878D82A}">
+                    <a16:rowId xmlns:a16="http://schemas.microsoft.com/office/drawing/2014/main" val="1814384157"/>
+                  </a:ext>
+                </a:extLst>
+              </a:tr>
+              <a:tr h="330056">
+                <a:tc>
+                  <a:txBody>
+                    <a:bodyPr/>
+                    <a:lstStyle/>
+                    <a:p>
+                      <a:pPr algn="just">
+                        <a:lnSpc>
+                          <a:spcPct val="115000"/>
+                        </a:lnSpc>
+                        <a:spcBef>
+                          <a:spcPts val="600"/>
+                        </a:spcBef>
+                        <a:spcAft>
+                          <a:spcPts val="600"/>
+                        </a:spcAft>
+                      </a:pPr>
+                      <a:r>
+                        <a:rPr lang="hu-HU" sz="800" b="1" cap="none" spc="0">
+                          <a:solidFill>
+                            <a:schemeClr val="tx1"/>
+                          </a:solidFill>
+                          <a:effectLst/>
+                        </a:rPr>
+                        <a:t>Kódolás:</a:t>
+                      </a:r>
+                      <a:endParaRPr lang="hu-HU" sz="800" b="1" cap="none" spc="0">
+                        <a:solidFill>
+                          <a:schemeClr val="tx1"/>
+                        </a:solidFill>
+                        <a:effectLst/>
+                        <a:latin typeface="Times New Roman" panose="02020603050405020304" pitchFamily="18" charset="0"/>
+                        <a:ea typeface="Calibri" panose="020F0502020204030204" pitchFamily="34" charset="0"/>
+                        <a:cs typeface="Calibri" panose="020F0502020204030204" pitchFamily="34" charset="0"/>
+                      </a:endParaRPr>
+                    </a:p>
+                  </a:txBody>
+                  <a:tcPr marL="87016" marR="87016" marT="87016" marB="87016">
+                    <a:lnL w="12700" cmpd="sng">
+                      <a:noFill/>
+                      <a:prstDash val="solid"/>
+                    </a:lnL>
+                    <a:lnR w="12700" cmpd="sng">
+                      <a:noFill/>
+                      <a:prstDash val="solid"/>
+                    </a:lnR>
+                    <a:lnT w="38100" cmpd="sng">
+                      <a:noFill/>
+                    </a:lnT>
+                    <a:lnB w="12700" cmpd="sng">
+                      <a:noFill/>
+                      <a:prstDash val="solid"/>
+                    </a:lnB>
+                    <a:noFill/>
+                  </a:tcPr>
+                </a:tc>
+                <a:tc>
+                  <a:txBody>
+                    <a:bodyPr/>
+                    <a:lstStyle/>
+                    <a:p>
+                      <a:pPr algn="just">
+                        <a:lnSpc>
+                          <a:spcPct val="115000"/>
+                        </a:lnSpc>
+                        <a:spcBef>
+                          <a:spcPts val="600"/>
+                        </a:spcBef>
+                        <a:spcAft>
+                          <a:spcPts val="600"/>
+                        </a:spcAft>
+                      </a:pPr>
+                      <a:r>
+                        <a:rPr lang="hu-HU" sz="800" cap="none" spc="0">
+                          <a:solidFill>
+                            <a:schemeClr val="tx1"/>
+                          </a:solidFill>
+                          <a:effectLst/>
+                        </a:rPr>
+                        <a:t>bit string</a:t>
+                      </a:r>
+                      <a:endParaRPr lang="hu-HU" sz="800" cap="none" spc="0">
+                        <a:solidFill>
+                          <a:schemeClr val="tx1"/>
+                        </a:solidFill>
+                        <a:effectLst/>
+                        <a:latin typeface="Times New Roman" panose="02020603050405020304" pitchFamily="18" charset="0"/>
+                        <a:ea typeface="Calibri" panose="020F0502020204030204" pitchFamily="34" charset="0"/>
+                        <a:cs typeface="Calibri" panose="020F0502020204030204" pitchFamily="34" charset="0"/>
+                      </a:endParaRPr>
+                    </a:p>
+                  </a:txBody>
+                  <a:tcPr marL="87016" marR="87016" marT="87016" marB="87016">
+                    <a:lnL w="12700" cmpd="sng">
+                      <a:noFill/>
+                      <a:prstDash val="solid"/>
+                    </a:lnL>
+                    <a:lnR w="12700" cmpd="sng">
+                      <a:noFill/>
+                      <a:prstDash val="solid"/>
+                    </a:lnR>
+                    <a:lnT w="38100" cmpd="sng">
+                      <a:noFill/>
+                    </a:lnT>
+                    <a:lnB w="12700" cmpd="sng">
+                      <a:noFill/>
+                      <a:prstDash val="solid"/>
+                    </a:lnB>
+                    <a:noFill/>
+                  </a:tcPr>
+                </a:tc>
+                <a:extLst>
+                  <a:ext uri="{0D108BD9-81ED-4DB2-BD59-A6C34878D82A}">
+                    <a16:rowId xmlns:a16="http://schemas.microsoft.com/office/drawing/2014/main" val="630155754"/>
+                  </a:ext>
+                </a:extLst>
+              </a:tr>
+              <a:tr h="330056">
+                <a:tc>
+                  <a:txBody>
+                    <a:bodyPr/>
+                    <a:lstStyle/>
+                    <a:p>
+                      <a:pPr algn="just">
+                        <a:lnSpc>
+                          <a:spcPct val="115000"/>
+                        </a:lnSpc>
+                        <a:spcBef>
+                          <a:spcPts val="600"/>
+                        </a:spcBef>
+                        <a:spcAft>
+                          <a:spcPts val="600"/>
+                        </a:spcAft>
+                      </a:pPr>
+                      <a:r>
+                        <a:rPr lang="hu-HU" sz="800" b="1" cap="none" spc="0">
+                          <a:solidFill>
+                            <a:schemeClr val="tx1"/>
+                          </a:solidFill>
+                          <a:effectLst/>
+                        </a:rPr>
+                        <a:t>Kiválasztás:</a:t>
+                      </a:r>
+                      <a:endParaRPr lang="hu-HU" sz="800" b="1" cap="none" spc="0">
+                        <a:solidFill>
+                          <a:schemeClr val="tx1"/>
+                        </a:solidFill>
+                        <a:effectLst/>
+                        <a:latin typeface="Times New Roman" panose="02020603050405020304" pitchFamily="18" charset="0"/>
+                        <a:ea typeface="Calibri" panose="020F0502020204030204" pitchFamily="34" charset="0"/>
+                        <a:cs typeface="Calibri" panose="020F0502020204030204" pitchFamily="34" charset="0"/>
+                      </a:endParaRPr>
+                    </a:p>
+                  </a:txBody>
+                  <a:tcPr marL="87016" marR="87016" marT="87016" marB="87016">
+                    <a:lnL w="12700" cmpd="sng">
+                      <a:noFill/>
+                      <a:prstDash val="solid"/>
+                    </a:lnL>
+                    <a:lnR w="12700" cmpd="sng">
+                      <a:noFill/>
+                      <a:prstDash val="solid"/>
+                    </a:lnR>
+                    <a:lnT w="12700" cmpd="sng">
+                      <a:noFill/>
+                      <a:prstDash val="solid"/>
+                    </a:lnT>
+                    <a:lnB w="12700" cmpd="sng">
+                      <a:noFill/>
+                      <a:prstDash val="solid"/>
+                    </a:lnB>
+                    <a:solidFill>
+                      <a:srgbClr val="000000">
+                        <a:alpha val="7843"/>
+                      </a:srgbClr>
+                    </a:solidFill>
+                  </a:tcPr>
+                </a:tc>
+                <a:tc>
+                  <a:txBody>
+                    <a:bodyPr/>
+                    <a:lstStyle/>
+                    <a:p>
+                      <a:pPr algn="just">
+                        <a:lnSpc>
+                          <a:spcPct val="115000"/>
+                        </a:lnSpc>
+                        <a:spcBef>
+                          <a:spcPts val="600"/>
+                        </a:spcBef>
+                        <a:spcAft>
+                          <a:spcPts val="600"/>
+                        </a:spcAft>
+                      </a:pPr>
+                      <a:r>
+                        <a:rPr lang="hu-HU" sz="800" cap="none" spc="0">
+                          <a:solidFill>
+                            <a:schemeClr val="tx1"/>
+                          </a:solidFill>
+                          <a:effectLst/>
+                        </a:rPr>
+                        <a:t>verseny (k = 2)</a:t>
+                      </a:r>
+                      <a:endParaRPr lang="hu-HU" sz="800" cap="none" spc="0">
+                        <a:solidFill>
+                          <a:schemeClr val="tx1"/>
+                        </a:solidFill>
+                        <a:effectLst/>
+                        <a:latin typeface="Times New Roman" panose="02020603050405020304" pitchFamily="18" charset="0"/>
+                        <a:ea typeface="Calibri" panose="020F0502020204030204" pitchFamily="34" charset="0"/>
+                        <a:cs typeface="Calibri" panose="020F0502020204030204" pitchFamily="34" charset="0"/>
+                      </a:endParaRPr>
+                    </a:p>
+                  </a:txBody>
+                  <a:tcPr marL="87016" marR="87016" marT="87016" marB="87016">
+                    <a:lnL w="12700" cmpd="sng">
+                      <a:noFill/>
+                      <a:prstDash val="solid"/>
+                    </a:lnL>
+                    <a:lnR w="12700" cmpd="sng">
+                      <a:noFill/>
+                      <a:prstDash val="solid"/>
+                    </a:lnR>
+                    <a:lnT w="12700" cmpd="sng">
+                      <a:noFill/>
+                      <a:prstDash val="solid"/>
+                    </a:lnT>
+                    <a:lnB w="12700" cmpd="sng">
+                      <a:noFill/>
+                      <a:prstDash val="solid"/>
+                    </a:lnB>
+                    <a:solidFill>
+                      <a:srgbClr val="000000">
+                        <a:alpha val="7843"/>
+                      </a:srgbClr>
+                    </a:solidFill>
+                  </a:tcPr>
+                </a:tc>
+                <a:extLst>
+                  <a:ext uri="{0D108BD9-81ED-4DB2-BD59-A6C34878D82A}">
+                    <a16:rowId xmlns:a16="http://schemas.microsoft.com/office/drawing/2014/main" val="3880612745"/>
+                  </a:ext>
+                </a:extLst>
+              </a:tr>
+              <a:tr h="330056">
+                <a:tc>
+                  <a:txBody>
+                    <a:bodyPr/>
+                    <a:lstStyle/>
+                    <a:p>
+                      <a:pPr algn="just">
+                        <a:lnSpc>
+                          <a:spcPct val="115000"/>
+                        </a:lnSpc>
+                        <a:spcBef>
+                          <a:spcPts val="600"/>
+                        </a:spcBef>
+                        <a:spcAft>
+                          <a:spcPts val="600"/>
+                        </a:spcAft>
+                      </a:pPr>
+                      <a:r>
+                        <a:rPr lang="hu-HU" sz="800" b="1" cap="none" spc="0">
+                          <a:solidFill>
+                            <a:schemeClr val="tx1"/>
+                          </a:solidFill>
+                          <a:effectLst/>
+                        </a:rPr>
+                        <a:t>Mutáció:</a:t>
+                      </a:r>
+                      <a:endParaRPr lang="hu-HU" sz="800" b="1" cap="none" spc="0">
+                        <a:solidFill>
+                          <a:schemeClr val="tx1"/>
+                        </a:solidFill>
+                        <a:effectLst/>
+                        <a:latin typeface="Times New Roman" panose="02020603050405020304" pitchFamily="18" charset="0"/>
+                        <a:ea typeface="Calibri" panose="020F0502020204030204" pitchFamily="34" charset="0"/>
+                        <a:cs typeface="Calibri" panose="020F0502020204030204" pitchFamily="34" charset="0"/>
+                      </a:endParaRPr>
+                    </a:p>
+                  </a:txBody>
+                  <a:tcPr marL="87016" marR="87016" marT="87016" marB="87016">
+                    <a:lnL w="12700" cmpd="sng">
+                      <a:noFill/>
+                      <a:prstDash val="solid"/>
+                    </a:lnL>
+                    <a:lnR w="12700" cmpd="sng">
+                      <a:noFill/>
+                      <a:prstDash val="solid"/>
+                    </a:lnR>
+                    <a:lnT w="12700" cmpd="sng">
+                      <a:noFill/>
+                      <a:prstDash val="solid"/>
+                    </a:lnT>
+                    <a:lnB w="12700" cmpd="sng">
+                      <a:noFill/>
+                      <a:prstDash val="solid"/>
+                    </a:lnB>
+                    <a:noFill/>
+                  </a:tcPr>
+                </a:tc>
+                <a:tc>
+                  <a:txBody>
+                    <a:bodyPr/>
+                    <a:lstStyle/>
+                    <a:p>
+                      <a:pPr algn="just">
+                        <a:lnSpc>
+                          <a:spcPct val="115000"/>
+                        </a:lnSpc>
+                        <a:spcBef>
+                          <a:spcPts val="600"/>
+                        </a:spcBef>
+                        <a:spcAft>
+                          <a:spcPts val="600"/>
+                        </a:spcAft>
+                      </a:pPr>
+                      <a:r>
+                        <a:rPr lang="hu-HU" sz="800" cap="none" spc="0">
+                          <a:solidFill>
+                            <a:schemeClr val="tx1"/>
+                          </a:solidFill>
+                          <a:effectLst/>
+                        </a:rPr>
+                        <a:t>bitszerinti (p</a:t>
+                      </a:r>
+                      <a:r>
+                        <a:rPr lang="hu-HU" sz="800" cap="none" spc="0" baseline="-25000">
+                          <a:solidFill>
+                            <a:schemeClr val="tx1"/>
+                          </a:solidFill>
+                          <a:effectLst/>
+                        </a:rPr>
+                        <a:t>m </a:t>
+                      </a:r>
+                      <a:r>
+                        <a:rPr lang="hu-HU" sz="800" cap="none" spc="0">
+                          <a:solidFill>
+                            <a:schemeClr val="tx1"/>
+                          </a:solidFill>
+                          <a:effectLst/>
+                        </a:rPr>
+                        <a:t>= 1/n)</a:t>
+                      </a:r>
+                      <a:endParaRPr lang="hu-HU" sz="800" cap="none" spc="0">
+                        <a:solidFill>
+                          <a:schemeClr val="tx1"/>
+                        </a:solidFill>
+                        <a:effectLst/>
+                        <a:latin typeface="Times New Roman" panose="02020603050405020304" pitchFamily="18" charset="0"/>
+                        <a:ea typeface="Calibri" panose="020F0502020204030204" pitchFamily="34" charset="0"/>
+                        <a:cs typeface="Calibri" panose="020F0502020204030204" pitchFamily="34" charset="0"/>
+                      </a:endParaRPr>
+                    </a:p>
+                  </a:txBody>
+                  <a:tcPr marL="87016" marR="87016" marT="87016" marB="87016">
+                    <a:lnL w="12700" cmpd="sng">
+                      <a:noFill/>
+                      <a:prstDash val="solid"/>
+                    </a:lnL>
+                    <a:lnR w="12700" cmpd="sng">
+                      <a:noFill/>
+                      <a:prstDash val="solid"/>
+                    </a:lnR>
+                    <a:lnT w="12700" cmpd="sng">
+                      <a:noFill/>
+                      <a:prstDash val="solid"/>
+                    </a:lnT>
+                    <a:lnB w="12700" cmpd="sng">
+                      <a:noFill/>
+                      <a:prstDash val="solid"/>
+                    </a:lnB>
+                    <a:noFill/>
+                  </a:tcPr>
+                </a:tc>
+                <a:extLst>
+                  <a:ext uri="{0D108BD9-81ED-4DB2-BD59-A6C34878D82A}">
+                    <a16:rowId xmlns:a16="http://schemas.microsoft.com/office/drawing/2014/main" val="1725530832"/>
+                  </a:ext>
+                </a:extLst>
+              </a:tr>
+              <a:tr h="330056">
+                <a:tc>
+                  <a:txBody>
+                    <a:bodyPr/>
+                    <a:lstStyle/>
+                    <a:p>
+                      <a:pPr algn="just">
+                        <a:lnSpc>
+                          <a:spcPct val="115000"/>
+                        </a:lnSpc>
+                        <a:spcBef>
+                          <a:spcPts val="600"/>
+                        </a:spcBef>
+                        <a:spcAft>
+                          <a:spcPts val="600"/>
+                        </a:spcAft>
+                      </a:pPr>
+                      <a:r>
+                        <a:rPr lang="hu-HU" sz="800" b="1" cap="none" spc="0">
+                          <a:solidFill>
+                            <a:schemeClr val="tx1"/>
+                          </a:solidFill>
+                          <a:effectLst/>
+                        </a:rPr>
+                        <a:t>Rekombináció:</a:t>
+                      </a:r>
+                      <a:endParaRPr lang="hu-HU" sz="800" b="1" cap="none" spc="0">
+                        <a:solidFill>
+                          <a:schemeClr val="tx1"/>
+                        </a:solidFill>
+                        <a:effectLst/>
+                        <a:latin typeface="Times New Roman" panose="02020603050405020304" pitchFamily="18" charset="0"/>
+                        <a:ea typeface="Calibri" panose="020F0502020204030204" pitchFamily="34" charset="0"/>
+                        <a:cs typeface="Calibri" panose="020F0502020204030204" pitchFamily="34" charset="0"/>
+                      </a:endParaRPr>
+                    </a:p>
+                  </a:txBody>
+                  <a:tcPr marL="87016" marR="87016" marT="87016" marB="87016">
+                    <a:lnL w="12700" cmpd="sng">
+                      <a:noFill/>
+                      <a:prstDash val="solid"/>
+                    </a:lnL>
+                    <a:lnR w="12700" cmpd="sng">
+                      <a:noFill/>
+                      <a:prstDash val="solid"/>
+                    </a:lnR>
+                    <a:lnT w="12700" cmpd="sng">
+                      <a:noFill/>
+                      <a:prstDash val="solid"/>
+                    </a:lnT>
+                    <a:lnB w="12700" cmpd="sng">
+                      <a:noFill/>
+                      <a:prstDash val="solid"/>
+                    </a:lnB>
+                    <a:solidFill>
+                      <a:srgbClr val="000000">
+                        <a:alpha val="7843"/>
+                      </a:srgbClr>
+                    </a:solidFill>
+                  </a:tcPr>
+                </a:tc>
+                <a:tc>
+                  <a:txBody>
+                    <a:bodyPr/>
+                    <a:lstStyle/>
+                    <a:p>
+                      <a:pPr algn="just">
+                        <a:lnSpc>
+                          <a:spcPct val="115000"/>
+                        </a:lnSpc>
+                        <a:spcBef>
+                          <a:spcPts val="600"/>
+                        </a:spcBef>
+                        <a:spcAft>
+                          <a:spcPts val="600"/>
+                        </a:spcAft>
+                      </a:pPr>
+                      <a:r>
+                        <a:rPr lang="hu-HU" sz="800" cap="none" spc="0">
+                          <a:solidFill>
+                            <a:schemeClr val="tx1"/>
+                          </a:solidFill>
+                          <a:effectLst/>
+                        </a:rPr>
+                        <a:t>egyforma keresztezés (p</a:t>
+                      </a:r>
+                      <a:r>
+                        <a:rPr lang="hu-HU" sz="800" cap="none" spc="0" baseline="-25000">
+                          <a:solidFill>
+                            <a:schemeClr val="tx1"/>
+                          </a:solidFill>
+                          <a:effectLst/>
+                        </a:rPr>
+                        <a:t>c</a:t>
+                      </a:r>
+                      <a:r>
+                        <a:rPr lang="hu-HU" sz="800" cap="none" spc="0">
+                          <a:solidFill>
+                            <a:schemeClr val="tx1"/>
+                          </a:solidFill>
+                          <a:effectLst/>
+                        </a:rPr>
+                        <a:t> = ?)</a:t>
+                      </a:r>
+                      <a:endParaRPr lang="hu-HU" sz="800" cap="none" spc="0">
+                        <a:solidFill>
+                          <a:schemeClr val="tx1"/>
+                        </a:solidFill>
+                        <a:effectLst/>
+                        <a:latin typeface="Times New Roman" panose="02020603050405020304" pitchFamily="18" charset="0"/>
+                        <a:ea typeface="Calibri" panose="020F0502020204030204" pitchFamily="34" charset="0"/>
+                        <a:cs typeface="Calibri" panose="020F0502020204030204" pitchFamily="34" charset="0"/>
+                      </a:endParaRPr>
+                    </a:p>
+                  </a:txBody>
+                  <a:tcPr marL="87016" marR="87016" marT="87016" marB="87016">
+                    <a:lnL w="12700" cmpd="sng">
+                      <a:noFill/>
+                      <a:prstDash val="solid"/>
+                    </a:lnL>
+                    <a:lnR w="12700" cmpd="sng">
+                      <a:noFill/>
+                      <a:prstDash val="solid"/>
+                    </a:lnR>
+                    <a:lnT w="12700" cmpd="sng">
+                      <a:noFill/>
+                      <a:prstDash val="solid"/>
+                    </a:lnT>
+                    <a:lnB w="12700" cmpd="sng">
+                      <a:noFill/>
+                      <a:prstDash val="solid"/>
+                    </a:lnB>
+                    <a:solidFill>
+                      <a:srgbClr val="000000">
+                        <a:alpha val="7843"/>
+                      </a:srgbClr>
+                    </a:solidFill>
+                  </a:tcPr>
+                </a:tc>
+                <a:extLst>
+                  <a:ext uri="{0D108BD9-81ED-4DB2-BD59-A6C34878D82A}">
+                    <a16:rowId xmlns:a16="http://schemas.microsoft.com/office/drawing/2014/main" val="1287666914"/>
+                  </a:ext>
+                </a:extLst>
+              </a:tr>
+              <a:tr h="330056">
+                <a:tc>
+                  <a:txBody>
+                    <a:bodyPr/>
+                    <a:lstStyle/>
+                    <a:p>
+                      <a:pPr algn="just">
+                        <a:lnSpc>
+                          <a:spcPct val="115000"/>
+                        </a:lnSpc>
+                        <a:spcBef>
+                          <a:spcPts val="600"/>
+                        </a:spcBef>
+                        <a:spcAft>
+                          <a:spcPts val="600"/>
+                        </a:spcAft>
+                      </a:pPr>
+                      <a:r>
+                        <a:rPr lang="hu-HU" sz="800" b="1" cap="none" spc="0">
+                          <a:solidFill>
+                            <a:schemeClr val="tx1"/>
+                          </a:solidFill>
+                          <a:effectLst/>
+                        </a:rPr>
+                        <a:t>Populáció mérete:</a:t>
+                      </a:r>
+                      <a:endParaRPr lang="hu-HU" sz="800" b="1" cap="none" spc="0">
+                        <a:solidFill>
+                          <a:schemeClr val="tx1"/>
+                        </a:solidFill>
+                        <a:effectLst/>
+                        <a:latin typeface="Times New Roman" panose="02020603050405020304" pitchFamily="18" charset="0"/>
+                        <a:ea typeface="Calibri" panose="020F0502020204030204" pitchFamily="34" charset="0"/>
+                        <a:cs typeface="Calibri" panose="020F0502020204030204" pitchFamily="34" charset="0"/>
+                      </a:endParaRPr>
+                    </a:p>
+                  </a:txBody>
+                  <a:tcPr marL="87016" marR="87016" marT="87016" marB="87016">
+                    <a:lnL w="12700" cmpd="sng">
+                      <a:noFill/>
+                      <a:prstDash val="solid"/>
+                    </a:lnL>
+                    <a:lnR w="12700" cmpd="sng">
+                      <a:noFill/>
+                      <a:prstDash val="solid"/>
+                    </a:lnR>
+                    <a:lnT w="12700" cmpd="sng">
+                      <a:noFill/>
+                      <a:prstDash val="solid"/>
+                    </a:lnT>
+                    <a:lnB w="12700" cmpd="sng">
+                      <a:noFill/>
+                      <a:prstDash val="solid"/>
+                    </a:lnB>
+                    <a:noFill/>
+                  </a:tcPr>
+                </a:tc>
+                <a:tc>
+                  <a:txBody>
+                    <a:bodyPr/>
+                    <a:lstStyle/>
+                    <a:p>
+                      <a:pPr algn="just">
+                        <a:lnSpc>
+                          <a:spcPct val="115000"/>
+                        </a:lnSpc>
+                        <a:spcBef>
+                          <a:spcPts val="600"/>
+                        </a:spcBef>
+                        <a:spcAft>
+                          <a:spcPts val="600"/>
+                        </a:spcAft>
+                      </a:pPr>
+                      <a:r>
+                        <a:rPr lang="hu-HU" sz="800" cap="none" spc="0" dirty="0">
+                          <a:solidFill>
+                            <a:schemeClr val="tx1"/>
+                          </a:solidFill>
+                          <a:effectLst/>
+                        </a:rPr>
+                        <a:t>100-500</a:t>
+                      </a:r>
+                      <a:endParaRPr lang="hu-HU" sz="800" cap="none" spc="0" dirty="0">
+                        <a:solidFill>
+                          <a:schemeClr val="tx1"/>
+                        </a:solidFill>
+                        <a:effectLst/>
+                        <a:latin typeface="Times New Roman" panose="02020603050405020304" pitchFamily="18" charset="0"/>
+                        <a:ea typeface="Calibri" panose="020F0502020204030204" pitchFamily="34" charset="0"/>
+                        <a:cs typeface="Calibri" panose="020F0502020204030204" pitchFamily="34" charset="0"/>
+                      </a:endParaRPr>
+                    </a:p>
+                  </a:txBody>
+                  <a:tcPr marL="87016" marR="87016" marT="87016" marB="87016">
+                    <a:lnL w="12700" cmpd="sng">
+                      <a:noFill/>
+                      <a:prstDash val="solid"/>
+                    </a:lnL>
+                    <a:lnR w="12700" cmpd="sng">
+                      <a:noFill/>
+                      <a:prstDash val="solid"/>
+                    </a:lnR>
+                    <a:lnT w="12700" cmpd="sng">
+                      <a:noFill/>
+                      <a:prstDash val="solid"/>
+                    </a:lnT>
+                    <a:lnB w="12700" cmpd="sng">
+                      <a:noFill/>
+                      <a:prstDash val="solid"/>
+                    </a:lnB>
+                    <a:noFill/>
+                  </a:tcPr>
+                </a:tc>
+                <a:extLst>
+                  <a:ext uri="{0D108BD9-81ED-4DB2-BD59-A6C34878D82A}">
+                    <a16:rowId xmlns:a16="http://schemas.microsoft.com/office/drawing/2014/main" val="3985571716"/>
+                  </a:ext>
+                </a:extLst>
+              </a:tr>
+              <a:tr h="474599">
+                <a:tc>
+                  <a:txBody>
+                    <a:bodyPr/>
+                    <a:lstStyle/>
+                    <a:p>
+                      <a:pPr algn="just">
+                        <a:lnSpc>
+                          <a:spcPct val="115000"/>
+                        </a:lnSpc>
+                        <a:spcBef>
+                          <a:spcPts val="600"/>
+                        </a:spcBef>
+                        <a:spcAft>
+                          <a:spcPts val="600"/>
+                        </a:spcAft>
+                      </a:pPr>
+                      <a:r>
+                        <a:rPr lang="hu-HU" sz="800" b="1" cap="none" spc="0">
+                          <a:solidFill>
+                            <a:schemeClr val="tx1"/>
+                          </a:solidFill>
+                          <a:effectLst/>
+                        </a:rPr>
+                        <a:t>Terminálás:</a:t>
+                      </a:r>
+                      <a:endParaRPr lang="hu-HU" sz="800" b="1" cap="none" spc="0">
+                        <a:solidFill>
+                          <a:schemeClr val="tx1"/>
+                        </a:solidFill>
+                        <a:effectLst/>
+                        <a:latin typeface="Times New Roman" panose="02020603050405020304" pitchFamily="18" charset="0"/>
+                        <a:ea typeface="Calibri" panose="020F0502020204030204" pitchFamily="34" charset="0"/>
+                        <a:cs typeface="Calibri" panose="020F0502020204030204" pitchFamily="34" charset="0"/>
+                      </a:endParaRPr>
+                    </a:p>
+                  </a:txBody>
+                  <a:tcPr marL="87016" marR="87016" marT="87016" marB="87016">
+                    <a:lnL w="12700" cmpd="sng">
+                      <a:noFill/>
+                      <a:prstDash val="solid"/>
+                    </a:lnL>
+                    <a:lnR w="12700" cmpd="sng">
+                      <a:noFill/>
+                      <a:prstDash val="solid"/>
+                    </a:lnR>
+                    <a:lnT w="12700" cmpd="sng">
+                      <a:noFill/>
+                      <a:prstDash val="solid"/>
+                    </a:lnT>
+                    <a:lnB w="12700" cmpd="sng">
+                      <a:noFill/>
+                      <a:prstDash val="solid"/>
+                    </a:lnB>
+                    <a:solidFill>
+                      <a:srgbClr val="000000">
+                        <a:alpha val="7843"/>
+                      </a:srgbClr>
+                    </a:solidFill>
+                  </a:tcPr>
+                </a:tc>
+                <a:tc>
+                  <a:txBody>
+                    <a:bodyPr/>
+                    <a:lstStyle/>
+                    <a:p>
+                      <a:pPr algn="just">
+                        <a:lnSpc>
+                          <a:spcPct val="115000"/>
+                        </a:lnSpc>
+                        <a:spcBef>
+                          <a:spcPts val="600"/>
+                        </a:spcBef>
+                        <a:spcAft>
+                          <a:spcPts val="600"/>
+                        </a:spcAft>
+                      </a:pPr>
+                      <a:r>
+                        <a:rPr lang="hu-HU" sz="800" cap="none" spc="0">
+                          <a:solidFill>
+                            <a:schemeClr val="tx1"/>
+                          </a:solidFill>
+                          <a:effectLst/>
+                        </a:rPr>
+                        <a:t>10</a:t>
+                      </a:r>
+                      <a:r>
+                        <a:rPr lang="hu-HU" sz="800" cap="none" spc="0" baseline="30000">
+                          <a:solidFill>
+                            <a:schemeClr val="tx1"/>
+                          </a:solidFill>
+                          <a:effectLst/>
+                        </a:rPr>
+                        <a:t>4</a:t>
+                      </a:r>
+                      <a:r>
+                        <a:rPr lang="hu-HU" sz="800" cap="none" spc="0">
+                          <a:solidFill>
+                            <a:schemeClr val="tx1"/>
+                          </a:solidFill>
+                          <a:effectLst/>
+                        </a:rPr>
+                        <a:t> – 10</a:t>
+                      </a:r>
+                      <a:r>
+                        <a:rPr lang="hu-HU" sz="800" cap="none" spc="0" baseline="30000">
+                          <a:solidFill>
+                            <a:schemeClr val="tx1"/>
+                          </a:solidFill>
+                          <a:effectLst/>
+                        </a:rPr>
+                        <a:t>6</a:t>
+                      </a:r>
+                      <a:r>
+                        <a:rPr lang="hu-HU" sz="800" cap="none" spc="0">
+                          <a:solidFill>
+                            <a:schemeClr val="tx1"/>
+                          </a:solidFill>
+                          <a:effectLst/>
+                        </a:rPr>
+                        <a:t> iteráció vagy fitness javulásának megállása esetén</a:t>
+                      </a:r>
+                      <a:endParaRPr lang="hu-HU" sz="800" cap="none" spc="0">
+                        <a:solidFill>
+                          <a:schemeClr val="tx1"/>
+                        </a:solidFill>
+                        <a:effectLst/>
+                        <a:latin typeface="Times New Roman" panose="02020603050405020304" pitchFamily="18" charset="0"/>
+                        <a:ea typeface="Calibri" panose="020F0502020204030204" pitchFamily="34" charset="0"/>
+                        <a:cs typeface="Calibri" panose="020F0502020204030204" pitchFamily="34" charset="0"/>
+                      </a:endParaRPr>
+                    </a:p>
+                  </a:txBody>
+                  <a:tcPr marL="87016" marR="87016" marT="87016" marB="87016">
+                    <a:lnL w="12700" cmpd="sng">
+                      <a:noFill/>
+                      <a:prstDash val="solid"/>
+                    </a:lnL>
+                    <a:lnR w="12700" cmpd="sng">
+                      <a:noFill/>
+                      <a:prstDash val="solid"/>
+                    </a:lnR>
+                    <a:lnT w="12700" cmpd="sng">
+                      <a:noFill/>
+                      <a:prstDash val="solid"/>
+                    </a:lnT>
+                    <a:lnB w="12700" cmpd="sng">
+                      <a:noFill/>
+                      <a:prstDash val="solid"/>
+                    </a:lnB>
+                    <a:solidFill>
+                      <a:srgbClr val="000000">
+                        <a:alpha val="7843"/>
+                      </a:srgbClr>
+                    </a:solidFill>
+                  </a:tcPr>
+                </a:tc>
+                <a:extLst>
+                  <a:ext uri="{0D108BD9-81ED-4DB2-BD59-A6C34878D82A}">
+                    <a16:rowId xmlns:a16="http://schemas.microsoft.com/office/drawing/2014/main" val="580139294"/>
+                  </a:ext>
+                </a:extLst>
+              </a:tr>
+              <a:tr h="812510">
+                <a:tc>
+                  <a:txBody>
+                    <a:bodyPr/>
+                    <a:lstStyle/>
+                    <a:p>
+                      <a:pPr algn="just">
+                        <a:lnSpc>
+                          <a:spcPct val="115000"/>
+                        </a:lnSpc>
+                        <a:spcBef>
+                          <a:spcPts val="600"/>
+                        </a:spcBef>
+                        <a:spcAft>
+                          <a:spcPts val="600"/>
+                        </a:spcAft>
+                      </a:pPr>
+                      <a:r>
+                        <a:rPr lang="hu-HU" sz="800" b="1" cap="none" spc="0">
+                          <a:solidFill>
+                            <a:schemeClr val="tx1"/>
+                          </a:solidFill>
+                          <a:effectLst/>
+                        </a:rPr>
+                        <a:t>További kiegészítések:</a:t>
+                      </a:r>
+                      <a:endParaRPr lang="hu-HU" sz="800" b="1" cap="none" spc="0">
+                        <a:solidFill>
+                          <a:schemeClr val="tx1"/>
+                        </a:solidFill>
+                        <a:effectLst/>
+                        <a:latin typeface="Times New Roman" panose="02020603050405020304" pitchFamily="18" charset="0"/>
+                        <a:ea typeface="Calibri" panose="020F0502020204030204" pitchFamily="34" charset="0"/>
+                        <a:cs typeface="Calibri" panose="020F0502020204030204" pitchFamily="34" charset="0"/>
+                      </a:endParaRPr>
+                    </a:p>
+                  </a:txBody>
+                  <a:tcPr marL="87016" marR="87016" marT="87016" marB="87016">
+                    <a:lnL w="12700" cmpd="sng">
+                      <a:noFill/>
+                      <a:prstDash val="solid"/>
+                    </a:lnL>
+                    <a:lnR w="12700" cmpd="sng">
+                      <a:noFill/>
+                      <a:prstDash val="solid"/>
+                    </a:lnR>
+                    <a:lnT w="12700" cmpd="sng">
+                      <a:noFill/>
+                      <a:prstDash val="solid"/>
+                    </a:lnT>
+                    <a:lnB w="12700" cmpd="sng">
+                      <a:noFill/>
+                      <a:prstDash val="solid"/>
+                    </a:lnB>
+                    <a:noFill/>
+                  </a:tcPr>
+                </a:tc>
+                <a:tc>
+                  <a:txBody>
+                    <a:bodyPr/>
+                    <a:lstStyle/>
+                    <a:p>
+                      <a:pPr algn="just">
+                        <a:lnSpc>
+                          <a:spcPct val="115000"/>
+                        </a:lnSpc>
+                        <a:spcBef>
+                          <a:spcPts val="600"/>
+                        </a:spcBef>
+                        <a:spcAft>
+                          <a:spcPts val="600"/>
+                        </a:spcAft>
+                      </a:pPr>
+                      <a:r>
+                        <a:rPr lang="hu-HU" sz="800" cap="none" spc="0" dirty="0">
+                          <a:solidFill>
+                            <a:schemeClr val="tx1"/>
+                          </a:solidFill>
+                          <a:effectLst/>
+                        </a:rPr>
+                        <a:t>elő-optimalizált </a:t>
+                      </a:r>
+                      <a:r>
+                        <a:rPr lang="hu-HU" sz="800" cap="none" spc="0" dirty="0" err="1">
+                          <a:solidFill>
+                            <a:schemeClr val="tx1"/>
+                          </a:solidFill>
+                          <a:effectLst/>
+                        </a:rPr>
+                        <a:t>inicializáció</a:t>
+                      </a:r>
+                      <a:r>
+                        <a:rPr lang="hu-HU" sz="800" cap="none" spc="0" dirty="0">
+                          <a:solidFill>
+                            <a:schemeClr val="tx1"/>
+                          </a:solidFill>
+                          <a:effectLst/>
+                        </a:rPr>
+                        <a:t>,</a:t>
+                      </a:r>
+                    </a:p>
+                    <a:p>
+                      <a:pPr algn="just">
+                        <a:lnSpc>
+                          <a:spcPct val="115000"/>
+                        </a:lnSpc>
+                        <a:spcBef>
+                          <a:spcPts val="600"/>
+                        </a:spcBef>
+                        <a:spcAft>
+                          <a:spcPts val="600"/>
+                        </a:spcAft>
+                      </a:pPr>
+                      <a:r>
+                        <a:rPr lang="hu-HU" sz="800" cap="none" spc="0" dirty="0">
+                          <a:solidFill>
+                            <a:schemeClr val="tx1"/>
+                          </a:solidFill>
+                          <a:effectLst/>
+                        </a:rPr>
+                        <a:t>javító függvény,</a:t>
+                      </a:r>
+                    </a:p>
+                    <a:p>
+                      <a:pPr algn="just">
+                        <a:lnSpc>
+                          <a:spcPct val="115000"/>
+                        </a:lnSpc>
+                        <a:spcBef>
+                          <a:spcPts val="600"/>
+                        </a:spcBef>
+                        <a:spcAft>
+                          <a:spcPts val="600"/>
+                        </a:spcAft>
+                      </a:pPr>
+                      <a:r>
+                        <a:rPr lang="hu-HU" sz="800" cap="none" spc="0" dirty="0">
+                          <a:solidFill>
+                            <a:schemeClr val="tx1"/>
+                          </a:solidFill>
+                          <a:effectLst/>
+                        </a:rPr>
+                        <a:t>lokális javító függvény</a:t>
+                      </a:r>
+                      <a:endParaRPr lang="hu-HU" sz="800" cap="none" spc="0" dirty="0">
+                        <a:solidFill>
+                          <a:schemeClr val="tx1"/>
+                        </a:solidFill>
+                        <a:effectLst/>
+                        <a:latin typeface="Times New Roman" panose="02020603050405020304" pitchFamily="18" charset="0"/>
+                        <a:ea typeface="Calibri" panose="020F0502020204030204" pitchFamily="34" charset="0"/>
+                        <a:cs typeface="Calibri" panose="020F0502020204030204" pitchFamily="34" charset="0"/>
+                      </a:endParaRPr>
+                    </a:p>
+                  </a:txBody>
+                  <a:tcPr marL="87016" marR="87016" marT="87016" marB="87016">
+                    <a:lnL w="12700" cmpd="sng">
+                      <a:noFill/>
+                      <a:prstDash val="solid"/>
+                    </a:lnL>
+                    <a:lnR w="12700" cmpd="sng">
+                      <a:noFill/>
+                      <a:prstDash val="solid"/>
+                    </a:lnR>
+                    <a:lnT w="12700" cmpd="sng">
+                      <a:noFill/>
+                      <a:prstDash val="solid"/>
+                    </a:lnT>
+                    <a:lnB w="12700" cmpd="sng">
+                      <a:noFill/>
+                      <a:prstDash val="solid"/>
+                    </a:lnB>
+                    <a:noFill/>
+                  </a:tcPr>
+                </a:tc>
+                <a:extLst>
+                  <a:ext uri="{0D108BD9-81ED-4DB2-BD59-A6C34878D82A}">
+                    <a16:rowId xmlns:a16="http://schemas.microsoft.com/office/drawing/2014/main" val="3380791572"/>
+                  </a:ext>
+                </a:extLst>
+              </a:tr>
+            </a:tbl>
+          </a:graphicData>
+        </a:graphic>
+      </p:graphicFrame>
+    </p:spTree>
+    <p:extLst>
+      <p:ext uri="{BB962C8B-B14F-4D97-AF65-F5344CB8AC3E}">
+        <p14:creationId xmlns:p14="http://schemas.microsoft.com/office/powerpoint/2010/main" val="1654697676"/>
+      </p:ext>
+    </p:extLst>
+  </p:cSld>
+  <p:clrMapOvr>
+    <a:masterClrMapping/>
+  </p:clrMapOvr>
+</p:sld>
+</file>
+
+<file path=ppt/slides/slide6.xml><?xml version="1.0" encoding="utf-8"?>
+<p:sld xmlns:a="http://schemas.openxmlformats.org/drawingml/2006/main" xmlns:r="http://schemas.openxmlformats.org/officeDocument/2006/relationships" xmlns:p="http://schemas.openxmlformats.org/presentationml/2006/main">
+  <p:cSld>
+    <p:spTree>
+      <p:nvGrpSpPr>
+        <p:cNvPr id="1" name=""/>
+        <p:cNvGrpSpPr/>
+        <p:nvPr/>
+      </p:nvGrpSpPr>
+      <p:grpSpPr>
+        <a:xfrm>
+          <a:off x="0" y="0"/>
+          <a:ext cx="0" cy="0"/>
+          <a:chOff x="0" y="0"/>
+          <a:chExt cx="0" cy="0"/>
+        </a:xfrm>
+      </p:grpSpPr>
+      <p:sp>
+        <p:nvSpPr>
+          <p:cNvPr id="2" name="Cím 1">
+            <a:extLst>
+              <a:ext uri="{FF2B5EF4-FFF2-40B4-BE49-F238E27FC236}">
+                <a16:creationId xmlns:a16="http://schemas.microsoft.com/office/drawing/2014/main" id="{93CCDBA7-3F53-436D-ADB9-AF74AE0AC6B5}"/>
+              </a:ext>
+            </a:extLst>
+          </p:cNvPr>
+          <p:cNvSpPr>
+            <a:spLocks noGrp="1"/>
+          </p:cNvSpPr>
+          <p:nvPr>
+            <p:ph type="title"/>
+          </p:nvPr>
+        </p:nvSpPr>
+        <p:spPr/>
+        <p:txBody>
+          <a:bodyPr/>
+          <a:lstStyle/>
+          <a:p>
+            <a:r>
+              <a:rPr lang="hu-HU" dirty="0"/>
+              <a:t>Kiválasztott </a:t>
+            </a:r>
+            <a:r>
+              <a:rPr lang="hu-HU" dirty="0" err="1"/>
+              <a:t>Technológa</a:t>
+            </a:r>
+            <a:endParaRPr lang="hu-HU" dirty="0"/>
+          </a:p>
+        </p:txBody>
+      </p:sp>
+      <p:sp>
+        <p:nvSpPr>
+          <p:cNvPr id="3" name="Tartalom helye 2">
+            <a:extLst>
+              <a:ext uri="{FF2B5EF4-FFF2-40B4-BE49-F238E27FC236}">
+                <a16:creationId xmlns:a16="http://schemas.microsoft.com/office/drawing/2014/main" id="{1966917A-8C94-42BE-B645-C39EA11A10B6}"/>
+              </a:ext>
+            </a:extLst>
+          </p:cNvPr>
+          <p:cNvSpPr>
+            <a:spLocks noGrp="1"/>
+          </p:cNvSpPr>
+          <p:nvPr>
+            <p:ph idx="1"/>
+          </p:nvPr>
+        </p:nvSpPr>
+        <p:spPr/>
+        <p:txBody>
+          <a:bodyPr/>
+          <a:lstStyle/>
+          <a:p>
+            <a:r>
+              <a:rPr lang="hu-HU" dirty="0"/>
+              <a:t>Front-end: </a:t>
+            </a:r>
+            <a:r>
+              <a:rPr lang="hu-HU" dirty="0" err="1"/>
+              <a:t>Angular</a:t>
+            </a:r>
+            <a:endParaRPr lang="hu-HU" dirty="0"/>
+          </a:p>
+          <a:p>
+            <a:pPr lvl="1"/>
+            <a:r>
+              <a:rPr lang="hu-HU" dirty="0"/>
+              <a:t>Modularitás, </a:t>
+            </a:r>
+            <a:r>
+              <a:rPr lang="hu-HU" dirty="0" err="1"/>
+              <a:t>typescript</a:t>
+            </a:r>
+            <a:r>
+              <a:rPr lang="hu-HU" dirty="0"/>
+              <a:t>, teljeskörű dokumentáció, erős közösségi támogatás</a:t>
+            </a:r>
+          </a:p>
+          <a:p>
+            <a:r>
+              <a:rPr lang="hu-HU" dirty="0"/>
+              <a:t>Back-end: Asp.net </a:t>
+            </a:r>
+            <a:r>
+              <a:rPr lang="hu-HU" dirty="0" err="1"/>
+              <a:t>Core</a:t>
+            </a:r>
+            <a:endParaRPr lang="hu-HU" dirty="0"/>
+          </a:p>
+          <a:p>
+            <a:pPr lvl="1"/>
+            <a:r>
+              <a:rPr lang="hu-HU" dirty="0"/>
+              <a:t>Teljesítmény, </a:t>
+            </a:r>
+            <a:r>
+              <a:rPr lang="hu-HU" dirty="0" err="1"/>
+              <a:t>cross</a:t>
+            </a:r>
+            <a:r>
+              <a:rPr lang="hu-HU" dirty="0"/>
+              <a:t>-platform, </a:t>
+            </a:r>
+            <a:r>
+              <a:rPr lang="hu-HU" dirty="0" err="1"/>
+              <a:t>open-source</a:t>
+            </a:r>
+            <a:endParaRPr lang="hu-HU" dirty="0"/>
+          </a:p>
+          <a:p>
+            <a:r>
+              <a:rPr lang="hu-HU" dirty="0"/>
+              <a:t>Felhasznált optimalizációs </a:t>
+            </a:r>
+            <a:r>
+              <a:rPr lang="hu-HU" dirty="0" err="1"/>
+              <a:t>library</a:t>
+            </a:r>
+            <a:r>
+              <a:rPr lang="hu-HU" dirty="0"/>
+              <a:t>:</a:t>
+            </a:r>
+          </a:p>
+          <a:p>
+            <a:pPr lvl="1"/>
+            <a:r>
+              <a:rPr lang="hu-HU" dirty="0"/>
+              <a:t>Google-OR </a:t>
+            </a:r>
+            <a:r>
+              <a:rPr lang="hu-HU" dirty="0" err="1"/>
+              <a:t>Tools</a:t>
+            </a:r>
+            <a:r>
+              <a:rPr lang="hu-HU" dirty="0"/>
+              <a:t> (Lineáris Programozáshoz)</a:t>
+            </a:r>
+          </a:p>
+          <a:p>
+            <a:pPr lvl="1"/>
+            <a:r>
+              <a:rPr lang="hu-HU" dirty="0"/>
+              <a:t>Könnyen integrálható</a:t>
+            </a:r>
+          </a:p>
+        </p:txBody>
+      </p:sp>
+      <p:pic>
+        <p:nvPicPr>
+          <p:cNvPr id="4" name="Kép 3">
+            <a:extLst>
+              <a:ext uri="{FF2B5EF4-FFF2-40B4-BE49-F238E27FC236}">
+                <a16:creationId xmlns:a16="http://schemas.microsoft.com/office/drawing/2014/main" id="{14BEFBC1-2734-44F8-83FF-2BF3116FFDE2}"/>
+              </a:ext>
+            </a:extLst>
+          </p:cNvPr>
+          <p:cNvPicPr/>
+          <p:nvPr/>
+        </p:nvPicPr>
+        <p:blipFill>
+          <a:blip r:embed="rId2">
+            <a:extLst>
+              <a:ext uri="{28A0092B-C50C-407E-A947-70E740481C1C}">
+                <a14:useLocalDpi xmlns:a14="http://schemas.microsoft.com/office/drawing/2010/main" val="0"/>
+              </a:ext>
+            </a:extLst>
+          </a:blip>
+          <a:srcRect/>
+          <a:stretch>
+            <a:fillRect/>
+          </a:stretch>
+        </p:blipFill>
+        <p:spPr bwMode="auto">
+          <a:xfrm>
+            <a:off x="2236595" y="5041610"/>
+            <a:ext cx="5478145" cy="1628775"/>
+          </a:xfrm>
+          <a:prstGeom prst="rect">
+            <a:avLst/>
+          </a:prstGeom>
+          <a:noFill/>
+          <a:ln>
+            <a:noFill/>
+          </a:ln>
+        </p:spPr>
+      </p:pic>
+    </p:spTree>
+    <p:extLst>
+      <p:ext uri="{BB962C8B-B14F-4D97-AF65-F5344CB8AC3E}">
+        <p14:creationId xmlns:p14="http://schemas.microsoft.com/office/powerpoint/2010/main" val="1960973105"/>
+      </p:ext>
+    </p:extLst>
+  </p:cSld>
+  <p:clrMapOvr>
+    <a:masterClrMapping/>
+  </p:clrMapOvr>
+</p:sld>
+</file>
+
+<file path=ppt/slides/slide7.xml><?xml version="1.0" encoding="utf-8"?>
+<p:sld xmlns:a="http://schemas.openxmlformats.org/drawingml/2006/main" xmlns:r="http://schemas.openxmlformats.org/officeDocument/2006/relationships" xmlns:p="http://schemas.openxmlformats.org/presentationml/2006/main">
+  <p:cSld>
+    <p:bg>
+      <p:bgPr>
+        <a:solidFill>
+          <a:schemeClr val="bg1"/>
+        </a:solidFill>
+        <a:effectLst/>
+      </p:bgPr>
+    </p:bg>
+    <p:spTree>
+      <p:nvGrpSpPr>
+        <p:cNvPr id="1" name=""/>
+        <p:cNvGrpSpPr/>
+        <p:nvPr/>
+      </p:nvGrpSpPr>
+      <p:grpSpPr>
+        <a:xfrm>
+          <a:off x="0" y="0"/>
+          <a:ext cx="0" cy="0"/>
+          <a:chOff x="0" y="0"/>
+          <a:chExt cx="0" cy="0"/>
+        </a:xfrm>
+      </p:grpSpPr>
+      <p:sp useBgFill="1">
+        <p:nvSpPr>
+          <p:cNvPr id="9" name="Rectangle 8">
+            <a:extLst>
+              <a:ext uri="{FF2B5EF4-FFF2-40B4-BE49-F238E27FC236}">
+                <a16:creationId xmlns:a16="http://schemas.microsoft.com/office/drawing/2014/main" id="{655AE6B0-AC9E-4167-806F-E9DB135FC46B}"/>
+              </a:ext>
+              <a:ext uri="{C183D7F6-B498-43B3-948B-1728B52AA6E4}">
+                <adec:decorative xmlns:adec="http://schemas.microsoft.com/office/drawing/2017/decorative" val="1"/>
+              </a:ext>
+            </a:extLst>
+          </p:cNvPr>
+          <p:cNvSpPr>
+            <a:spLocks noGrp="1" noRot="1" noChangeAspect="1" noMove="1" noResize="1" noEditPoints="1" noAdjustHandles="1" noChangeArrowheads="1" noChangeShapeType="1" noTextEdit="1"/>
+          </p:cNvSpPr>
+          <p:nvPr>
+            <p:extLst>
+              <p:ext uri="{386F3935-93C4-4BCD-93E2-E3B085C9AB24}">
+                <p16:designElem xmlns:p16="http://schemas.microsoft.com/office/powerpoint/2015/main" val="1"/>
+              </p:ext>
+            </p:extLst>
+          </p:nvPr>
+        </p:nvSpPr>
+        <p:spPr>
+          <a:xfrm>
+            <a:off x="0" y="0"/>
+            <a:ext cx="12192000" cy="6858000"/>
+          </a:xfrm>
+          <a:prstGeom prst="rect">
+            <a:avLst/>
+          </a:prstGeom>
+          <a:ln>
+            <a:noFill/>
+          </a:ln>
+        </p:spPr>
+        <p:style>
+          <a:lnRef idx="2">
+            <a:schemeClr val="accent1">
+              <a:shade val="50000"/>
+            </a:schemeClr>
+          </a:lnRef>
+          <a:fillRef idx="1">
+            <a:schemeClr val="accent1"/>
+          </a:fillRef>
+          <a:effectRef idx="0">
+            <a:schemeClr val="accent1"/>
+          </a:effectRef>
+          <a:fontRef idx="minor">
+            <a:schemeClr val="lt1"/>
+          </a:fontRef>
+        </p:style>
+        <p:txBody>
+          <a:bodyPr rtlCol="0" anchor="ctr"/>
+          <a:lstStyle/>
+          <a:p>
+            <a:pPr algn="ctr"/>
+            <a:endParaRPr lang="en-US"/>
+          </a:p>
+        </p:txBody>
+      </p:sp>
+      <p:sp>
+        <p:nvSpPr>
+          <p:cNvPr id="2" name="Cím 1">
+            <a:extLst>
+              <a:ext uri="{FF2B5EF4-FFF2-40B4-BE49-F238E27FC236}">
+                <a16:creationId xmlns:a16="http://schemas.microsoft.com/office/drawing/2014/main" id="{8E52097D-1E24-43AD-82F7-351D21CE1870}"/>
+              </a:ext>
+            </a:extLst>
+          </p:cNvPr>
+          <p:cNvSpPr>
+            <a:spLocks noGrp="1"/>
+          </p:cNvSpPr>
+          <p:nvPr>
+            <p:ph type="title"/>
+          </p:nvPr>
+        </p:nvSpPr>
+        <p:spPr>
+          <a:xfrm>
+            <a:off x="652481" y="1382486"/>
+            <a:ext cx="3547581" cy="4093028"/>
+          </a:xfrm>
+        </p:spPr>
+        <p:txBody>
+          <a:bodyPr anchor="ctr">
+            <a:normAutofit/>
+          </a:bodyPr>
+          <a:lstStyle/>
+          <a:p>
+            <a:r>
+              <a:rPr lang="hu-HU" sz="4400"/>
+              <a:t>Specifikáció</a:t>
+            </a:r>
+          </a:p>
+        </p:txBody>
+      </p:sp>
+      <p:grpSp>
+        <p:nvGrpSpPr>
+          <p:cNvPr id="11" name="Group 10">
+            <a:extLst>
+              <a:ext uri="{FF2B5EF4-FFF2-40B4-BE49-F238E27FC236}">
+                <a16:creationId xmlns:a16="http://schemas.microsoft.com/office/drawing/2014/main" id="{3523416A-383B-4FDC-B4C9-D8EDDFE9C043}"/>
+              </a:ext>
+              <a:ext uri="{C183D7F6-B498-43B3-948B-1728B52AA6E4}">
+                <adec:decorative xmlns:adec="http://schemas.microsoft.com/office/drawing/2017/decorative" val="1"/>
+              </a:ext>
+            </a:extLst>
+          </p:cNvPr>
+          <p:cNvGrpSpPr>
+            <a:grpSpLocks noGrp="1" noUngrp="1" noRot="1" noChangeAspect="1" noMove="1" noResize="1"/>
+          </p:cNvGrpSpPr>
+          <p:nvPr>
+            <p:extLst>
+              <p:ext uri="{386F3935-93C4-4BCD-93E2-E3B085C9AB24}">
+                <p16:designElem xmlns:p16="http://schemas.microsoft.com/office/powerpoint/2015/main" val="1"/>
+              </p:ext>
+            </p:extLst>
+          </p:nvPr>
+        </p:nvGrpSpPr>
+        <p:grpSpPr>
+          <a:xfrm>
+            <a:off x="1329267" y="-8467"/>
+            <a:ext cx="4766733" cy="6866467"/>
+            <a:chOff x="7425267" y="-8467"/>
+            <a:chExt cx="4766733" cy="6866467"/>
+          </a:xfrm>
+        </p:grpSpPr>
+        <p:cxnSp>
+          <p:nvCxnSpPr>
+            <p:cNvPr id="12" name="Straight Connector 11">
+              <a:extLst>
+                <a:ext uri="{FF2B5EF4-FFF2-40B4-BE49-F238E27FC236}">
+                  <a16:creationId xmlns:a16="http://schemas.microsoft.com/office/drawing/2014/main" id="{CB0D29D5-3F7C-4197-821B-6D60A66CC04B}"/>
+                </a:ext>
+                <a:ext uri="{C183D7F6-B498-43B3-948B-1728B52AA6E4}">
+                  <adec:decorative xmlns:adec="http://schemas.microsoft.com/office/drawing/2017/decorative" val="1"/>
+                </a:ext>
+              </a:extLst>
+            </p:cNvPr>
+            <p:cNvCxnSpPr/>
+            <p:nvPr>
+              <p:extLst>
+                <p:ext uri="{386F3935-93C4-4BCD-93E2-E3B085C9AB24}">
+                  <p16:designElem xmlns:p16="http://schemas.microsoft.com/office/powerpoint/2015/main" val="1"/>
+                </p:ext>
+              </p:extLst>
+            </p:nvPr>
+          </p:nvCxnSpPr>
+          <p:spPr>
+            <a:xfrm>
+              <a:off x="9371012" y="0"/>
+              <a:ext cx="1219200" cy="6858000"/>
+            </a:xfrm>
+            <a:prstGeom prst="line">
+              <a:avLst/>
+            </a:prstGeom>
+            <a:ln w="9525">
+              <a:solidFill>
+                <a:srgbClr val="BFBFBF">
+                  <a:alpha val="75000"/>
+                </a:srgbClr>
+              </a:solidFill>
+            </a:ln>
+          </p:spPr>
+          <p:style>
+            <a:lnRef idx="2">
+              <a:schemeClr val="accent1"/>
+            </a:lnRef>
+            <a:fillRef idx="0">
+              <a:schemeClr val="accent1"/>
+            </a:fillRef>
+            <a:effectRef idx="1">
+              <a:schemeClr val="accent1"/>
+            </a:effectRef>
+            <a:fontRef idx="minor">
+              <a:schemeClr val="tx1"/>
+            </a:fontRef>
+          </p:style>
+        </p:cxnSp>
+        <p:cxnSp>
+          <p:nvCxnSpPr>
+            <p:cNvPr id="13" name="Straight Connector 12">
+              <a:extLst>
+                <a:ext uri="{FF2B5EF4-FFF2-40B4-BE49-F238E27FC236}">
+                  <a16:creationId xmlns:a16="http://schemas.microsoft.com/office/drawing/2014/main" id="{347FB49A-3541-428A-AADE-682A3C50563D}"/>
+                </a:ext>
+                <a:ext uri="{C183D7F6-B498-43B3-948B-1728B52AA6E4}">
+                  <adec:decorative xmlns:adec="http://schemas.microsoft.com/office/drawing/2017/decorative" val="1"/>
+                </a:ext>
+              </a:extLst>
+            </p:cNvPr>
+            <p:cNvCxnSpPr/>
+            <p:nvPr>
+              <p:extLst>
+                <p:ext uri="{386F3935-93C4-4BCD-93E2-E3B085C9AB24}">
+                  <p16:designElem xmlns:p16="http://schemas.microsoft.com/office/powerpoint/2015/main" val="1"/>
+                </p:ext>
+              </p:extLst>
+            </p:nvPr>
+          </p:nvCxnSpPr>
+          <p:spPr>
+            <a:xfrm flipH="1">
+              <a:off x="7425267" y="3681413"/>
+              <a:ext cx="4763558" cy="3176587"/>
+            </a:xfrm>
+            <a:prstGeom prst="line">
+              <a:avLst/>
+            </a:prstGeom>
+            <a:ln w="9525">
+              <a:solidFill>
+                <a:srgbClr val="BFBFBF">
+                  <a:alpha val="80000"/>
+                </a:srgbClr>
+              </a:solidFill>
+            </a:ln>
+          </p:spPr>
+          <p:style>
+            <a:lnRef idx="2">
+              <a:schemeClr val="accent1"/>
+            </a:lnRef>
+            <a:fillRef idx="0">
+              <a:schemeClr val="accent1"/>
+            </a:fillRef>
+            <a:effectRef idx="1">
+              <a:schemeClr val="accent1"/>
+            </a:effectRef>
+            <a:fontRef idx="minor">
+              <a:schemeClr val="tx1"/>
+            </a:fontRef>
+          </p:style>
+        </p:cxnSp>
+        <p:sp>
+          <p:nvSpPr>
+            <p:cNvPr id="14" name="Rectangle 23">
+              <a:extLst>
+                <a:ext uri="{FF2B5EF4-FFF2-40B4-BE49-F238E27FC236}">
+                  <a16:creationId xmlns:a16="http://schemas.microsoft.com/office/drawing/2014/main" id="{D96F53DC-08F1-42C6-B558-B83D54B27664}"/>
+                </a:ext>
+                <a:ext uri="{C183D7F6-B498-43B3-948B-1728B52AA6E4}">
+                  <adec:decorative xmlns:adec="http://schemas.microsoft.com/office/drawing/2017/decorative" val="1"/>
+                </a:ext>
+              </a:extLst>
+            </p:cNvPr>
+            <p:cNvSpPr/>
+            <p:nvPr>
+              <p:extLst>
+                <p:ext uri="{386F3935-93C4-4BCD-93E2-E3B085C9AB24}">
+                  <p16:designElem xmlns:p16="http://schemas.microsoft.com/office/powerpoint/2015/main" val="1"/>
+                </p:ext>
+              </p:extLst>
+            </p:nvPr>
+          </p:nvSpPr>
+          <p:spPr>
+            <a:xfrm>
+              <a:off x="9181476" y="-8467"/>
+              <a:ext cx="3007349" cy="6866467"/>
+            </a:xfrm>
+            <a:custGeom>
+              <a:avLst/>
+              <a:gdLst/>
+              <a:ahLst/>
+              <a:cxnLst/>
+              <a:rect l="l" t="t" r="r" b="b"/>
+              <a:pathLst>
+                <a:path w="3007349" h="6866467">
+                  <a:moveTo>
+                    <a:pt x="2045532" y="0"/>
+                  </a:moveTo>
+                  <a:lnTo>
+                    <a:pt x="3007349" y="0"/>
+                  </a:lnTo>
+                  <a:lnTo>
+                    <a:pt x="3007349" y="6866467"/>
+                  </a:lnTo>
+                  <a:lnTo>
+                    <a:pt x="0" y="6866467"/>
+                  </a:lnTo>
+                  <a:lnTo>
+                    <a:pt x="2045532" y="0"/>
+                  </a:lnTo>
+                  <a:close/>
+                </a:path>
+              </a:pathLst>
+            </a:custGeom>
+            <a:solidFill>
+              <a:schemeClr val="accent1">
+                <a:alpha val="30000"/>
+              </a:schemeClr>
+            </a:solidFill>
+            <a:ln>
+              <a:noFill/>
+            </a:ln>
+            <a:effectLst/>
+          </p:spPr>
+          <p:style>
+            <a:lnRef idx="1">
+              <a:schemeClr val="accent1"/>
+            </a:lnRef>
+            <a:fillRef idx="3">
+              <a:schemeClr val="accent1"/>
+            </a:fillRef>
+            <a:effectRef idx="2">
+              <a:schemeClr val="accent1"/>
+            </a:effectRef>
+            <a:fontRef idx="minor">
+              <a:schemeClr val="lt1"/>
+            </a:fontRef>
+          </p:style>
+        </p:sp>
+        <p:sp>
+          <p:nvSpPr>
+            <p:cNvPr id="15" name="Rectangle 25">
+              <a:extLst>
+                <a:ext uri="{FF2B5EF4-FFF2-40B4-BE49-F238E27FC236}">
+                  <a16:creationId xmlns:a16="http://schemas.microsoft.com/office/drawing/2014/main" id="{AFE48CAF-A51C-463F-A570-ED99439A5CA3}"/>
+                </a:ext>
+                <a:ext uri="{C183D7F6-B498-43B3-948B-1728B52AA6E4}">
+                  <adec:decorative xmlns:adec="http://schemas.microsoft.com/office/drawing/2017/decorative" val="1"/>
+                </a:ext>
+              </a:extLst>
+            </p:cNvPr>
+            <p:cNvSpPr/>
+            <p:nvPr>
+              <p:extLst>
+                <p:ext uri="{386F3935-93C4-4BCD-93E2-E3B085C9AB24}">
+                  <p16:designElem xmlns:p16="http://schemas.microsoft.com/office/powerpoint/2015/main" val="1"/>
+                </p:ext>
+              </p:extLst>
+            </p:nvPr>
+          </p:nvSpPr>
+          <p:spPr>
+            <a:xfrm>
+              <a:off x="9603442" y="-8467"/>
+              <a:ext cx="2588558" cy="6866467"/>
+            </a:xfrm>
+            <a:custGeom>
+              <a:avLst/>
+              <a:gdLst/>
+              <a:ahLst/>
+              <a:cxnLst/>
+              <a:rect l="l" t="t" r="r" b="b"/>
+              <a:pathLst>
+                <a:path w="2573311" h="6866467">
+                  <a:moveTo>
+                    <a:pt x="0" y="0"/>
+                  </a:moveTo>
+                  <a:lnTo>
+                    <a:pt x="2573311" y="0"/>
+                  </a:lnTo>
+                  <a:lnTo>
+                    <a:pt x="2573311" y="6866467"/>
+                  </a:lnTo>
+                  <a:lnTo>
+                    <a:pt x="1202336" y="6866467"/>
+                  </a:lnTo>
+                  <a:lnTo>
+                    <a:pt x="0" y="0"/>
+                  </a:lnTo>
+                  <a:close/>
+                </a:path>
+              </a:pathLst>
+            </a:custGeom>
+            <a:solidFill>
+              <a:schemeClr val="accent1">
+                <a:alpha val="20000"/>
+              </a:schemeClr>
+            </a:solidFill>
+            <a:ln>
+              <a:noFill/>
+            </a:ln>
+            <a:effectLst/>
+          </p:spPr>
+          <p:style>
+            <a:lnRef idx="1">
+              <a:schemeClr val="accent1"/>
+            </a:lnRef>
+            <a:fillRef idx="3">
+              <a:schemeClr val="accent1"/>
+            </a:fillRef>
+            <a:effectRef idx="2">
+              <a:schemeClr val="accent1"/>
+            </a:effectRef>
+            <a:fontRef idx="minor">
+              <a:schemeClr val="lt1"/>
+            </a:fontRef>
+          </p:style>
+        </p:sp>
+        <p:sp>
+          <p:nvSpPr>
+            <p:cNvPr id="16" name="Isosceles Triangle 15">
+              <a:extLst>
+                <a:ext uri="{FF2B5EF4-FFF2-40B4-BE49-F238E27FC236}">
+                  <a16:creationId xmlns:a16="http://schemas.microsoft.com/office/drawing/2014/main" id="{01F0C48B-50FF-4351-8207-16D096048311}"/>
+                </a:ext>
+                <a:ext uri="{C183D7F6-B498-43B3-948B-1728B52AA6E4}">
+                  <adec:decorative xmlns:adec="http://schemas.microsoft.com/office/drawing/2017/decorative" val="1"/>
+                </a:ext>
+              </a:extLst>
+            </p:cNvPr>
+            <p:cNvSpPr/>
+            <p:nvPr>
+              <p:extLst>
+                <p:ext uri="{386F3935-93C4-4BCD-93E2-E3B085C9AB24}">
+                  <p16:designElem xmlns:p16="http://schemas.microsoft.com/office/powerpoint/2015/main" val="1"/>
+                </p:ext>
+              </p:extLst>
+            </p:nvPr>
+          </p:nvSpPr>
+          <p:spPr>
+            <a:xfrm>
+              <a:off x="8932333" y="3048000"/>
+              <a:ext cx="3259667" cy="3810000"/>
+            </a:xfrm>
+            <a:prstGeom prst="triangle">
+              <a:avLst>
+                <a:gd name="adj" fmla="val 100000"/>
+              </a:avLst>
+            </a:prstGeom>
+            <a:solidFill>
+              <a:schemeClr val="accent2">
+                <a:alpha val="72000"/>
+              </a:schemeClr>
+            </a:solidFill>
+            <a:ln>
+              <a:noFill/>
+            </a:ln>
+            <a:effectLst/>
+          </p:spPr>
+          <p:style>
+            <a:lnRef idx="1">
+              <a:schemeClr val="accent1"/>
+            </a:lnRef>
+            <a:fillRef idx="3">
+              <a:schemeClr val="accent1"/>
+            </a:fillRef>
+            <a:effectRef idx="2">
+              <a:schemeClr val="accent1"/>
+            </a:effectRef>
+            <a:fontRef idx="minor">
+              <a:schemeClr val="lt1"/>
+            </a:fontRef>
+          </p:style>
+        </p:sp>
+        <p:sp>
+          <p:nvSpPr>
+            <p:cNvPr id="17" name="Rectangle 27">
+              <a:extLst>
+                <a:ext uri="{FF2B5EF4-FFF2-40B4-BE49-F238E27FC236}">
+                  <a16:creationId xmlns:a16="http://schemas.microsoft.com/office/drawing/2014/main" id="{300384B6-5ED6-4F91-A548-B706D837513E}"/>
+                </a:ext>
+                <a:ext uri="{C183D7F6-B498-43B3-948B-1728B52AA6E4}">
+                  <adec:decorative xmlns:adec="http://schemas.microsoft.com/office/drawing/2017/decorative" val="1"/>
+                </a:ext>
+              </a:extLst>
+            </p:cNvPr>
+            <p:cNvSpPr/>
+            <p:nvPr>
+              <p:extLst>
+                <p:ext uri="{386F3935-93C4-4BCD-93E2-E3B085C9AB24}">
+                  <p16:designElem xmlns:p16="http://schemas.microsoft.com/office/powerpoint/2015/main" val="1"/>
+                </p:ext>
+              </p:extLst>
+            </p:nvPr>
+          </p:nvSpPr>
+          <p:spPr>
+            <a:xfrm>
+              <a:off x="9334500" y="-8467"/>
+              <a:ext cx="2854326" cy="6866467"/>
+            </a:xfrm>
+            <a:custGeom>
+              <a:avLst/>
+              <a:gdLst/>
+              <a:ahLst/>
+              <a:cxnLst/>
+              <a:rect l="l" t="t" r="r" b="b"/>
+              <a:pathLst>
+                <a:path w="2858013" h="6866467">
+                  <a:moveTo>
+                    <a:pt x="0" y="0"/>
+                  </a:moveTo>
+                  <a:lnTo>
+                    <a:pt x="2858013" y="0"/>
+                  </a:lnTo>
+                  <a:lnTo>
+                    <a:pt x="2858013" y="6866467"/>
+                  </a:lnTo>
+                  <a:lnTo>
+                    <a:pt x="2473942" y="6866467"/>
+                  </a:lnTo>
+                  <a:lnTo>
+                    <a:pt x="0" y="0"/>
+                  </a:lnTo>
+                  <a:close/>
+                </a:path>
+              </a:pathLst>
+            </a:custGeom>
+            <a:solidFill>
+              <a:schemeClr val="accent2">
+                <a:lumMod val="75000"/>
+                <a:alpha val="70000"/>
+              </a:schemeClr>
+            </a:solidFill>
+            <a:ln>
+              <a:noFill/>
+            </a:ln>
+            <a:effectLst/>
+          </p:spPr>
+          <p:style>
+            <a:lnRef idx="1">
+              <a:schemeClr val="accent1"/>
+            </a:lnRef>
+            <a:fillRef idx="3">
+              <a:schemeClr val="accent1"/>
+            </a:fillRef>
+            <a:effectRef idx="2">
+              <a:schemeClr val="accent1"/>
+            </a:effectRef>
+            <a:fontRef idx="minor">
+              <a:schemeClr val="lt1"/>
+            </a:fontRef>
+          </p:style>
+        </p:sp>
+        <p:sp>
+          <p:nvSpPr>
+            <p:cNvPr id="18" name="Rectangle 28">
+              <a:extLst>
+                <a:ext uri="{FF2B5EF4-FFF2-40B4-BE49-F238E27FC236}">
+                  <a16:creationId xmlns:a16="http://schemas.microsoft.com/office/drawing/2014/main" id="{337AFFAE-C182-463C-9459-8AB3C69D9A29}"/>
+                </a:ext>
+                <a:ext uri="{C183D7F6-B498-43B3-948B-1728B52AA6E4}">
+                  <adec:decorative xmlns:adec="http://schemas.microsoft.com/office/drawing/2017/decorative" val="1"/>
+                </a:ext>
+              </a:extLst>
+            </p:cNvPr>
+            <p:cNvSpPr/>
+            <p:nvPr>
+              <p:extLst>
+                <p:ext uri="{386F3935-93C4-4BCD-93E2-E3B085C9AB24}">
+                  <p16:designElem xmlns:p16="http://schemas.microsoft.com/office/powerpoint/2015/main" val="1"/>
+                </p:ext>
+              </p:extLst>
+            </p:nvPr>
+          </p:nvSpPr>
+          <p:spPr>
+            <a:xfrm>
+              <a:off x="10898730" y="-8467"/>
+              <a:ext cx="1290094" cy="6866467"/>
+            </a:xfrm>
+            <a:custGeom>
+              <a:avLst/>
+              <a:gdLst/>
+              <a:ahLst/>
+              <a:cxnLst/>
+              <a:rect l="l" t="t" r="r" b="b"/>
+              <a:pathLst>
+                <a:path w="1290094" h="6858000">
+                  <a:moveTo>
+                    <a:pt x="1019735" y="0"/>
+                  </a:moveTo>
+                  <a:lnTo>
+                    <a:pt x="1290094" y="0"/>
+                  </a:lnTo>
+                  <a:lnTo>
+                    <a:pt x="1290094" y="6858000"/>
+                  </a:lnTo>
+                  <a:lnTo>
+                    <a:pt x="0" y="6858000"/>
+                  </a:lnTo>
+                  <a:lnTo>
+                    <a:pt x="1019735" y="0"/>
+                  </a:lnTo>
+                  <a:close/>
+                </a:path>
+              </a:pathLst>
+            </a:custGeom>
+            <a:solidFill>
+              <a:schemeClr val="accent1">
+                <a:lumMod val="60000"/>
+                <a:lumOff val="40000"/>
+                <a:alpha val="70000"/>
+              </a:schemeClr>
+            </a:solidFill>
+            <a:ln>
+              <a:noFill/>
+            </a:ln>
+            <a:effectLst/>
+          </p:spPr>
+          <p:style>
+            <a:lnRef idx="1">
+              <a:schemeClr val="accent1"/>
+            </a:lnRef>
+            <a:fillRef idx="3">
+              <a:schemeClr val="accent1"/>
+            </a:fillRef>
+            <a:effectRef idx="2">
+              <a:schemeClr val="accent1"/>
+            </a:effectRef>
+            <a:fontRef idx="minor">
+              <a:schemeClr val="lt1"/>
+            </a:fontRef>
+          </p:style>
+        </p:sp>
+        <p:sp>
+          <p:nvSpPr>
+            <p:cNvPr id="19" name="Rectangle 29">
+              <a:extLst>
+                <a:ext uri="{FF2B5EF4-FFF2-40B4-BE49-F238E27FC236}">
+                  <a16:creationId xmlns:a16="http://schemas.microsoft.com/office/drawing/2014/main" id="{510ACF17-C3F0-42BF-BDEB-D079277121E4}"/>
+                </a:ext>
+                <a:ext uri="{C183D7F6-B498-43B3-948B-1728B52AA6E4}">
+                  <adec:decorative xmlns:adec="http://schemas.microsoft.com/office/drawing/2017/decorative" val="1"/>
+                </a:ext>
+              </a:extLst>
+            </p:cNvPr>
+            <p:cNvSpPr/>
+            <p:nvPr>
+              <p:extLst>
+                <p:ext uri="{386F3935-93C4-4BCD-93E2-E3B085C9AB24}">
+                  <p16:designElem xmlns:p16="http://schemas.microsoft.com/office/powerpoint/2015/main" val="1"/>
+                </p:ext>
+              </p:extLst>
+            </p:nvPr>
+          </p:nvSpPr>
+          <p:spPr>
+            <a:xfrm>
+              <a:off x="10938999" y="-8467"/>
+              <a:ext cx="1249825" cy="6866467"/>
+            </a:xfrm>
+            <a:custGeom>
+              <a:avLst/>
+              <a:gdLst/>
+              <a:ahLst/>
+              <a:cxnLst/>
+              <a:rect l="l" t="t" r="r" b="b"/>
+              <a:pathLst>
+                <a:path w="1249825" h="6858000">
+                  <a:moveTo>
+                    <a:pt x="0" y="0"/>
+                  </a:moveTo>
+                  <a:lnTo>
+                    <a:pt x="1249825" y="0"/>
+                  </a:lnTo>
+                  <a:lnTo>
+                    <a:pt x="1249825" y="6858000"/>
+                  </a:lnTo>
+                  <a:lnTo>
+                    <a:pt x="1109382" y="6858000"/>
+                  </a:lnTo>
+                  <a:lnTo>
+                    <a:pt x="0" y="0"/>
+                  </a:lnTo>
+                  <a:close/>
+                </a:path>
+              </a:pathLst>
+            </a:custGeom>
+            <a:solidFill>
+              <a:schemeClr val="accent1">
+                <a:alpha val="65000"/>
+              </a:schemeClr>
+            </a:solidFill>
+            <a:ln>
+              <a:noFill/>
+            </a:ln>
+            <a:effectLst/>
+          </p:spPr>
+          <p:style>
+            <a:lnRef idx="1">
+              <a:schemeClr val="accent1"/>
+            </a:lnRef>
+            <a:fillRef idx="3">
+              <a:schemeClr val="accent1"/>
+            </a:fillRef>
+            <a:effectRef idx="2">
+              <a:schemeClr val="accent1"/>
+            </a:effectRef>
+            <a:fontRef idx="minor">
+              <a:schemeClr val="lt1"/>
+            </a:fontRef>
+          </p:style>
+        </p:sp>
+        <p:sp>
+          <p:nvSpPr>
+            <p:cNvPr id="20" name="Isosceles Triangle 19">
+              <a:extLst>
+                <a:ext uri="{FF2B5EF4-FFF2-40B4-BE49-F238E27FC236}">
+                  <a16:creationId xmlns:a16="http://schemas.microsoft.com/office/drawing/2014/main" id="{E804EFD0-B84E-476F-9FC6-6C4A42EA0054}"/>
+                </a:ext>
+                <a:ext uri="{C183D7F6-B498-43B3-948B-1728B52AA6E4}">
+                  <adec:decorative xmlns:adec="http://schemas.microsoft.com/office/drawing/2017/decorative" val="1"/>
+                </a:ext>
+              </a:extLst>
+            </p:cNvPr>
+            <p:cNvSpPr/>
+            <p:nvPr>
+              <p:extLst>
+                <p:ext uri="{386F3935-93C4-4BCD-93E2-E3B085C9AB24}">
+                  <p16:designElem xmlns:p16="http://schemas.microsoft.com/office/powerpoint/2015/main" val="1"/>
+                </p:ext>
+              </p:extLst>
+            </p:nvPr>
+          </p:nvSpPr>
+          <p:spPr>
+            <a:xfrm>
+              <a:off x="10371666" y="3589867"/>
+              <a:ext cx="1817159" cy="3268133"/>
+            </a:xfrm>
+            <a:prstGeom prst="triangle">
+              <a:avLst>
+                <a:gd name="adj" fmla="val 100000"/>
+              </a:avLst>
+            </a:prstGeom>
+            <a:solidFill>
+              <a:schemeClr val="accent1">
+                <a:alpha val="80000"/>
+              </a:schemeClr>
+            </a:solidFill>
+            <a:ln>
+              <a:noFill/>
+            </a:ln>
+            <a:effectLst/>
+          </p:spPr>
+          <p:style>
+            <a:lnRef idx="1">
+              <a:schemeClr val="accent1"/>
+            </a:lnRef>
+            <a:fillRef idx="3">
+              <a:schemeClr val="accent1"/>
+            </a:fillRef>
+            <a:effectRef idx="2">
+              <a:schemeClr val="accent1"/>
+            </a:effectRef>
+            <a:fontRef idx="minor">
+              <a:schemeClr val="lt1"/>
+            </a:fontRef>
+          </p:style>
+        </p:sp>
+      </p:grpSp>
+      <p:sp>
+        <p:nvSpPr>
+          <p:cNvPr id="22" name="Rectangle 21">
+            <a:extLst>
+              <a:ext uri="{FF2B5EF4-FFF2-40B4-BE49-F238E27FC236}">
+                <a16:creationId xmlns:a16="http://schemas.microsoft.com/office/drawing/2014/main" id="{87BD1F4E-A66D-4C06-86DA-8D56CA7A3B41}"/>
+              </a:ext>
+              <a:ext uri="{C183D7F6-B498-43B3-948B-1728B52AA6E4}">
+                <adec:decorative xmlns:adec="http://schemas.microsoft.com/office/drawing/2017/decorative" val="1"/>
+              </a:ext>
+            </a:extLst>
+          </p:cNvPr>
+          <p:cNvSpPr>
+            <a:spLocks noGrp="1" noRot="1" noChangeAspect="1" noMove="1" noResize="1" noEditPoints="1" noAdjustHandles="1" noChangeArrowheads="1" noChangeShapeType="1" noTextEdit="1"/>
+          </p:cNvSpPr>
+          <p:nvPr>
+            <p:extLst>
+              <p:ext uri="{386F3935-93C4-4BCD-93E2-E3B085C9AB24}">
+                <p16:designElem xmlns:p16="http://schemas.microsoft.com/office/powerpoint/2015/main" val="1"/>
+              </p:ext>
+            </p:extLst>
+          </p:nvPr>
+        </p:nvSpPr>
+        <p:spPr>
+          <a:xfrm>
+            <a:off x="5977719" y="0"/>
+            <a:ext cx="6214281" cy="6858000"/>
+          </a:xfrm>
+          <a:prstGeom prst="rect">
+            <a:avLst/>
+          </a:prstGeom>
+          <a:ln>
+            <a:noFill/>
+          </a:ln>
+        </p:spPr>
+        <p:style>
+          <a:lnRef idx="2">
+            <a:schemeClr val="accent1">
+              <a:shade val="50000"/>
+            </a:schemeClr>
+          </a:lnRef>
+          <a:fillRef idx="1">
+            <a:schemeClr val="accent1"/>
+          </a:fillRef>
+          <a:effectRef idx="0">
+            <a:schemeClr val="accent1"/>
+          </a:effectRef>
+          <a:fontRef idx="minor">
+            <a:schemeClr val="lt1"/>
+          </a:fontRef>
+        </p:style>
+        <p:txBody>
+          <a:bodyPr rtlCol="0" anchor="ctr"/>
+          <a:lstStyle/>
+          <a:p>
+            <a:pPr algn="ctr"/>
+            <a:endParaRPr lang="en-US"/>
+          </a:p>
+        </p:txBody>
+      </p:sp>
+      <p:graphicFrame>
+        <p:nvGraphicFramePr>
+          <p:cNvPr id="5" name="Tartalom helye 2">
+            <a:extLst>
+              <a:ext uri="{FF2B5EF4-FFF2-40B4-BE49-F238E27FC236}">
+                <a16:creationId xmlns:a16="http://schemas.microsoft.com/office/drawing/2014/main" id="{7F52734B-AB2E-484B-A8AD-AE5A72ACEEBA}"/>
+              </a:ext>
+            </a:extLst>
+          </p:cNvPr>
+          <p:cNvGraphicFramePr>
+            <a:graphicFrameLocks noGrp="1"/>
+          </p:cNvGraphicFramePr>
+          <p:nvPr>
+            <p:ph idx="1"/>
+            <p:extLst>
+              <p:ext uri="{D42A27DB-BD31-4B8C-83A1-F6EECF244321}">
+                <p14:modId xmlns:p14="http://schemas.microsoft.com/office/powerpoint/2010/main" val="2787656298"/>
+              </p:ext>
+            </p:extLst>
+          </p:nvPr>
+        </p:nvGraphicFramePr>
+        <p:xfrm>
+          <a:off x="4916553" y="944563"/>
+          <a:ext cx="6628804" cy="4979581"/>
+        </p:xfrm>
+        <a:graphic>
+          <a:graphicData uri="http://schemas.openxmlformats.org/drawingml/2006/diagram">
+            <dgm:relIds xmlns:dgm="http://schemas.openxmlformats.org/drawingml/2006/diagram" xmlns:r="http://schemas.openxmlformats.org/officeDocument/2006/relationships" r:dm="rId2" r:lo="rId3" r:qs="rId4" r:cs="rId5"/>
+          </a:graphicData>
+        </a:graphic>
+      </p:graphicFrame>
+    </p:spTree>
+    <p:extLst>
+      <p:ext uri="{BB962C8B-B14F-4D97-AF65-F5344CB8AC3E}">
+        <p14:creationId xmlns:p14="http://schemas.microsoft.com/office/powerpoint/2010/main" val="3133883571"/>
+      </p:ext>
+    </p:extLst>
+  </p:cSld>
+  <p:clrMapOvr>
+    <a:masterClrMapping/>
+  </p:clrMapOvr>
+</p:sld>
+</file>
+
+<file path=ppt/slides/slide8.xml><?xml version="1.0" encoding="utf-8"?>
+<p:sld xmlns:a="http://schemas.openxmlformats.org/drawingml/2006/main" xmlns:r="http://schemas.openxmlformats.org/officeDocument/2006/relationships" xmlns:p="http://schemas.openxmlformats.org/presentationml/2006/main">
+  <p:cSld>
+    <p:bg>
+      <p:bgPr>
+        <a:solidFill>
+          <a:schemeClr val="bg1"/>
+        </a:solidFill>
+        <a:effectLst/>
+      </p:bgPr>
+    </p:bg>
+    <p:spTree>
+      <p:nvGrpSpPr>
+        <p:cNvPr id="1" name=""/>
+        <p:cNvGrpSpPr/>
+        <p:nvPr/>
+      </p:nvGrpSpPr>
+      <p:grpSpPr>
+        <a:xfrm>
+          <a:off x="0" y="0"/>
+          <a:ext cx="0" cy="0"/>
+          <a:chOff x="0" y="0"/>
+          <a:chExt cx="0" cy="0"/>
+        </a:xfrm>
+      </p:grpSpPr>
+      <p:grpSp>
+        <p:nvGrpSpPr>
+          <p:cNvPr id="66" name="Group 38">
+            <a:extLst>
+              <a:ext uri="{FF2B5EF4-FFF2-40B4-BE49-F238E27FC236}">
+                <a16:creationId xmlns:a16="http://schemas.microsoft.com/office/drawing/2014/main" id="{609316A9-990D-4EC3-A671-70EE5C1493A4}"/>
+              </a:ext>
+              <a:ext uri="{C183D7F6-B498-43B3-948B-1728B52AA6E4}">
+                <adec:decorative xmlns:adec="http://schemas.microsoft.com/office/drawing/2017/decorative" val="1"/>
+              </a:ext>
+            </a:extLst>
+          </p:cNvPr>
+          <p:cNvGrpSpPr>
+            <a:grpSpLocks noGrp="1" noUngrp="1" noRot="1" noChangeAspect="1" noMove="1" noResize="1"/>
+          </p:cNvGrpSpPr>
+          <p:nvPr>
+            <p:extLst>
+              <p:ext uri="{386F3935-93C4-4BCD-93E2-E3B085C9AB24}">
+                <p16:designElem xmlns:p16="http://schemas.microsoft.com/office/powerpoint/2015/main" val="1"/>
+              </p:ext>
+            </p:extLst>
+          </p:nvPr>
+        </p:nvGrpSpPr>
+        <p:grpSpPr>
+          <a:xfrm>
+            <a:off x="0" y="-8467"/>
+            <a:ext cx="12192000" cy="6866467"/>
+            <a:chOff x="0" y="-8467"/>
+            <a:chExt cx="12192000" cy="6866467"/>
+          </a:xfrm>
+        </p:grpSpPr>
+        <p:cxnSp>
+          <p:nvCxnSpPr>
+            <p:cNvPr id="40" name="Straight Connector 39">
+              <a:extLst>
+                <a:ext uri="{FF2B5EF4-FFF2-40B4-BE49-F238E27FC236}">
+                  <a16:creationId xmlns:a16="http://schemas.microsoft.com/office/drawing/2014/main" id="{9B0C6109-9159-49CA-AD7A-F9035539DB7F}"/>
+                </a:ext>
+                <a:ext uri="{C183D7F6-B498-43B3-948B-1728B52AA6E4}">
+                  <adec:decorative xmlns:adec="http://schemas.microsoft.com/office/drawing/2017/decorative" val="1"/>
+                </a:ext>
+              </a:extLst>
+            </p:cNvPr>
+            <p:cNvCxnSpPr/>
+            <p:nvPr>
+              <p:extLst>
+                <p:ext uri="{386F3935-93C4-4BCD-93E2-E3B085C9AB24}">
+                  <p16:designElem xmlns:p16="http://schemas.microsoft.com/office/powerpoint/2015/main" val="1"/>
+                </p:ext>
+              </p:extLst>
+            </p:nvPr>
+          </p:nvCxnSpPr>
+          <p:spPr>
+            <a:xfrm>
+              <a:off x="9371012" y="0"/>
+              <a:ext cx="1219200" cy="6858000"/>
+            </a:xfrm>
+            <a:prstGeom prst="line">
+              <a:avLst/>
+            </a:prstGeom>
+            <a:ln w="9525">
+              <a:solidFill>
+                <a:schemeClr val="bg1">
+                  <a:lumMod val="75000"/>
+                </a:schemeClr>
+              </a:solidFill>
+            </a:ln>
+          </p:spPr>
+          <p:style>
+            <a:lnRef idx="2">
+              <a:schemeClr val="accent1"/>
+            </a:lnRef>
+            <a:fillRef idx="0">
+              <a:schemeClr val="accent1"/>
+            </a:fillRef>
+            <a:effectRef idx="1">
+              <a:schemeClr val="accent1"/>
+            </a:effectRef>
+            <a:fontRef idx="minor">
+              <a:schemeClr val="tx1"/>
+            </a:fontRef>
+          </p:style>
+        </p:cxnSp>
+        <p:cxnSp>
+          <p:nvCxnSpPr>
+            <p:cNvPr id="41" name="Straight Connector 40">
+              <a:extLst>
+                <a:ext uri="{FF2B5EF4-FFF2-40B4-BE49-F238E27FC236}">
+                  <a16:creationId xmlns:a16="http://schemas.microsoft.com/office/drawing/2014/main" id="{686F14F5-308C-4EB6-87AB-05DE9501B1AA}"/>
+                </a:ext>
+                <a:ext uri="{C183D7F6-B498-43B3-948B-1728B52AA6E4}">
+                  <adec:decorative xmlns:adec="http://schemas.microsoft.com/office/drawing/2017/decorative" val="1"/>
+                </a:ext>
+              </a:extLst>
+            </p:cNvPr>
+            <p:cNvCxnSpPr/>
+            <p:nvPr>
+              <p:extLst>
+                <p:ext uri="{386F3935-93C4-4BCD-93E2-E3B085C9AB24}">
+                  <p16:designElem xmlns:p16="http://schemas.microsoft.com/office/powerpoint/2015/main" val="1"/>
+                </p:ext>
+              </p:extLst>
+            </p:nvPr>
+          </p:nvCxnSpPr>
+          <p:spPr>
+            <a:xfrm flipH="1">
+              <a:off x="7425267" y="3681413"/>
+              <a:ext cx="4763558" cy="3176587"/>
+            </a:xfrm>
+            <a:prstGeom prst="line">
+              <a:avLst/>
+            </a:prstGeom>
+            <a:ln w="9525">
+              <a:solidFill>
+                <a:schemeClr val="bg1">
+                  <a:lumMod val="85000"/>
+                </a:schemeClr>
+              </a:solidFill>
+            </a:ln>
+          </p:spPr>
+          <p:style>
+            <a:lnRef idx="2">
+              <a:schemeClr val="accent1"/>
+            </a:lnRef>
+            <a:fillRef idx="0">
+              <a:schemeClr val="accent1"/>
+            </a:fillRef>
+            <a:effectRef idx="1">
+              <a:schemeClr val="accent1"/>
+            </a:effectRef>
+            <a:fontRef idx="minor">
+              <a:schemeClr val="tx1"/>
+            </a:fontRef>
+          </p:style>
+        </p:cxnSp>
+        <p:sp>
+          <p:nvSpPr>
+            <p:cNvPr id="42" name="Rectangle 23">
+              <a:extLst>
+                <a:ext uri="{FF2B5EF4-FFF2-40B4-BE49-F238E27FC236}">
+                  <a16:creationId xmlns:a16="http://schemas.microsoft.com/office/drawing/2014/main" id="{BA032363-A188-47C5-9D59-9B788809DCD2}"/>
+                </a:ext>
+                <a:ext uri="{C183D7F6-B498-43B3-948B-1728B52AA6E4}">
+                  <adec:decorative xmlns:adec="http://schemas.microsoft.com/office/drawing/2017/decorative" val="1"/>
+                </a:ext>
+              </a:extLst>
+            </p:cNvPr>
+            <p:cNvSpPr/>
+            <p:nvPr>
+              <p:extLst>
+                <p:ext uri="{386F3935-93C4-4BCD-93E2-E3B085C9AB24}">
+                  <p16:designElem xmlns:p16="http://schemas.microsoft.com/office/powerpoint/2015/main" val="1"/>
+                </p:ext>
+              </p:extLst>
+            </p:nvPr>
+          </p:nvSpPr>
+          <p:spPr>
+            <a:xfrm>
+              <a:off x="9181476" y="-8467"/>
+              <a:ext cx="3007349" cy="6866467"/>
+            </a:xfrm>
+            <a:custGeom>
+              <a:avLst/>
+              <a:gdLst/>
+              <a:ahLst/>
+              <a:cxnLst/>
+              <a:rect l="l" t="t" r="r" b="b"/>
+              <a:pathLst>
+                <a:path w="3007349" h="6866467">
+                  <a:moveTo>
+                    <a:pt x="2045532" y="0"/>
+                  </a:moveTo>
+                  <a:lnTo>
+                    <a:pt x="3007349" y="0"/>
+                  </a:lnTo>
+                  <a:lnTo>
+                    <a:pt x="3007349" y="6866467"/>
+                  </a:lnTo>
+                  <a:lnTo>
+                    <a:pt x="0" y="6866467"/>
+                  </a:lnTo>
+                  <a:lnTo>
+                    <a:pt x="2045532" y="0"/>
+                  </a:lnTo>
+                  <a:close/>
+                </a:path>
+              </a:pathLst>
+            </a:custGeom>
+            <a:solidFill>
+              <a:schemeClr val="accent1">
+                <a:alpha val="30000"/>
+              </a:schemeClr>
+            </a:solidFill>
+            <a:ln>
+              <a:noFill/>
+            </a:ln>
+            <a:effectLst/>
+          </p:spPr>
+          <p:style>
+            <a:lnRef idx="1">
+              <a:schemeClr val="accent1"/>
+            </a:lnRef>
+            <a:fillRef idx="3">
+              <a:schemeClr val="accent1"/>
+            </a:fillRef>
+            <a:effectRef idx="2">
+              <a:schemeClr val="accent1"/>
+            </a:effectRef>
+            <a:fontRef idx="minor">
+              <a:schemeClr val="lt1"/>
+            </a:fontRef>
+          </p:style>
+        </p:sp>
+        <p:sp>
+          <p:nvSpPr>
+            <p:cNvPr id="43" name="Rectangle 25">
+              <a:extLst>
+                <a:ext uri="{FF2B5EF4-FFF2-40B4-BE49-F238E27FC236}">
+                  <a16:creationId xmlns:a16="http://schemas.microsoft.com/office/drawing/2014/main" id="{2C4077DF-6BB9-4069-AD28-6B1664EBB064}"/>
+                </a:ext>
+                <a:ext uri="{C183D7F6-B498-43B3-948B-1728B52AA6E4}">
+                  <adec:decorative xmlns:adec="http://schemas.microsoft.com/office/drawing/2017/decorative" val="1"/>
+                </a:ext>
+              </a:extLst>
+            </p:cNvPr>
+            <p:cNvSpPr/>
+            <p:nvPr>
+              <p:extLst>
+                <p:ext uri="{386F3935-93C4-4BCD-93E2-E3B085C9AB24}">
+                  <p16:designElem xmlns:p16="http://schemas.microsoft.com/office/powerpoint/2015/main" val="1"/>
+                </p:ext>
+              </p:extLst>
+            </p:nvPr>
+          </p:nvSpPr>
+          <p:spPr>
+            <a:xfrm>
+              <a:off x="9603442" y="-8467"/>
+              <a:ext cx="2588558" cy="6866467"/>
+            </a:xfrm>
+            <a:custGeom>
+              <a:avLst/>
+              <a:gdLst/>
+              <a:ahLst/>
+              <a:cxnLst/>
+              <a:rect l="l" t="t" r="r" b="b"/>
+              <a:pathLst>
+                <a:path w="2573311" h="6866467">
+                  <a:moveTo>
+                    <a:pt x="0" y="0"/>
+                  </a:moveTo>
+                  <a:lnTo>
+                    <a:pt x="2573311" y="0"/>
+                  </a:lnTo>
+                  <a:lnTo>
+                    <a:pt x="2573311" y="6866467"/>
+                  </a:lnTo>
+                  <a:lnTo>
+                    <a:pt x="1202336" y="6866467"/>
+                  </a:lnTo>
+                  <a:lnTo>
+                    <a:pt x="0" y="0"/>
+                  </a:lnTo>
+                  <a:close/>
+                </a:path>
+              </a:pathLst>
+            </a:custGeom>
+            <a:solidFill>
+              <a:schemeClr val="accent1">
+                <a:alpha val="20000"/>
+              </a:schemeClr>
+            </a:solidFill>
+            <a:ln>
+              <a:noFill/>
+            </a:ln>
+            <a:effectLst/>
+          </p:spPr>
+          <p:style>
+            <a:lnRef idx="1">
+              <a:schemeClr val="accent1"/>
+            </a:lnRef>
+            <a:fillRef idx="3">
+              <a:schemeClr val="accent1"/>
+            </a:fillRef>
+            <a:effectRef idx="2">
+              <a:schemeClr val="accent1"/>
+            </a:effectRef>
+            <a:fontRef idx="minor">
+              <a:schemeClr val="lt1"/>
+            </a:fontRef>
+          </p:style>
+        </p:sp>
+        <p:sp>
+          <p:nvSpPr>
+            <p:cNvPr id="44" name="Isosceles Triangle 43">
+              <a:extLst>
+                <a:ext uri="{FF2B5EF4-FFF2-40B4-BE49-F238E27FC236}">
+                  <a16:creationId xmlns:a16="http://schemas.microsoft.com/office/drawing/2014/main" id="{1D2B8B50-3419-41ED-9A9F-3CF9EEBBD3F2}"/>
+                </a:ext>
+                <a:ext uri="{C183D7F6-B498-43B3-948B-1728B52AA6E4}">
+                  <adec:decorative xmlns:adec="http://schemas.microsoft.com/office/drawing/2017/decorative" val="1"/>
+                </a:ext>
+              </a:extLst>
+            </p:cNvPr>
+            <p:cNvSpPr/>
+            <p:nvPr>
+              <p:extLst>
+                <p:ext uri="{386F3935-93C4-4BCD-93E2-E3B085C9AB24}">
+                  <p16:designElem xmlns:p16="http://schemas.microsoft.com/office/powerpoint/2015/main" val="1"/>
+                </p:ext>
+              </p:extLst>
+            </p:nvPr>
+          </p:nvSpPr>
+          <p:spPr>
+            <a:xfrm>
+              <a:off x="8932333" y="3048000"/>
+              <a:ext cx="3259667" cy="3810000"/>
+            </a:xfrm>
+            <a:prstGeom prst="triangle">
+              <a:avLst>
+                <a:gd name="adj" fmla="val 100000"/>
+              </a:avLst>
+            </a:prstGeom>
+            <a:solidFill>
+              <a:schemeClr val="accent2">
+                <a:alpha val="72000"/>
+              </a:schemeClr>
+            </a:solidFill>
+            <a:ln>
+              <a:noFill/>
+            </a:ln>
+            <a:effectLst/>
+          </p:spPr>
+          <p:style>
+            <a:lnRef idx="1">
+              <a:schemeClr val="accent1"/>
+            </a:lnRef>
+            <a:fillRef idx="3">
+              <a:schemeClr val="accent1"/>
+            </a:fillRef>
+            <a:effectRef idx="2">
+              <a:schemeClr val="accent1"/>
+            </a:effectRef>
+            <a:fontRef idx="minor">
+              <a:schemeClr val="lt1"/>
+            </a:fontRef>
+          </p:style>
+        </p:sp>
+        <p:sp>
+          <p:nvSpPr>
+            <p:cNvPr id="45" name="Rectangle 27">
+              <a:extLst>
+                <a:ext uri="{FF2B5EF4-FFF2-40B4-BE49-F238E27FC236}">
+                  <a16:creationId xmlns:a16="http://schemas.microsoft.com/office/drawing/2014/main" id="{5C640498-2E73-4FA2-BEB6-C3596A458C8A}"/>
+                </a:ext>
+                <a:ext uri="{C183D7F6-B498-43B3-948B-1728B52AA6E4}">
+                  <adec:decorative xmlns:adec="http://schemas.microsoft.com/office/drawing/2017/decorative" val="1"/>
+                </a:ext>
+              </a:extLst>
+            </p:cNvPr>
+            <p:cNvSpPr/>
+            <p:nvPr>
+              <p:extLst>
+                <p:ext uri="{386F3935-93C4-4BCD-93E2-E3B085C9AB24}">
+                  <p16:designElem xmlns:p16="http://schemas.microsoft.com/office/powerpoint/2015/main" val="1"/>
+                </p:ext>
+              </p:extLst>
+            </p:nvPr>
+          </p:nvSpPr>
+          <p:spPr>
+            <a:xfrm>
+              <a:off x="9334500" y="-8467"/>
+              <a:ext cx="2854326" cy="6866467"/>
+            </a:xfrm>
+            <a:custGeom>
+              <a:avLst/>
+              <a:gdLst/>
+              <a:ahLst/>
+              <a:cxnLst/>
+              <a:rect l="l" t="t" r="r" b="b"/>
+              <a:pathLst>
+                <a:path w="2858013" h="6866467">
+                  <a:moveTo>
+                    <a:pt x="0" y="0"/>
+                  </a:moveTo>
+                  <a:lnTo>
+                    <a:pt x="2858013" y="0"/>
+                  </a:lnTo>
+                  <a:lnTo>
+                    <a:pt x="2858013" y="6866467"/>
+                  </a:lnTo>
+                  <a:lnTo>
+                    <a:pt x="2473942" y="6866467"/>
+                  </a:lnTo>
+                  <a:lnTo>
+                    <a:pt x="0" y="0"/>
+                  </a:lnTo>
+                  <a:close/>
+                </a:path>
+              </a:pathLst>
+            </a:custGeom>
+            <a:solidFill>
+              <a:schemeClr val="accent2">
+                <a:lumMod val="75000"/>
+                <a:alpha val="70000"/>
+              </a:schemeClr>
+            </a:solidFill>
+            <a:ln>
+              <a:noFill/>
+            </a:ln>
+            <a:effectLst/>
+          </p:spPr>
+          <p:style>
+            <a:lnRef idx="1">
+              <a:schemeClr val="accent1"/>
+            </a:lnRef>
+            <a:fillRef idx="3">
+              <a:schemeClr val="accent1"/>
+            </a:fillRef>
+            <a:effectRef idx="2">
+              <a:schemeClr val="accent1"/>
+            </a:effectRef>
+            <a:fontRef idx="minor">
+              <a:schemeClr val="lt1"/>
+            </a:fontRef>
+          </p:style>
+        </p:sp>
+        <p:sp>
+          <p:nvSpPr>
+            <p:cNvPr id="46" name="Rectangle 28">
+              <a:extLst>
+                <a:ext uri="{FF2B5EF4-FFF2-40B4-BE49-F238E27FC236}">
+                  <a16:creationId xmlns:a16="http://schemas.microsoft.com/office/drawing/2014/main" id="{3240EEFC-4112-4C39-A816-C815774F6D69}"/>
+                </a:ext>
+                <a:ext uri="{C183D7F6-B498-43B3-948B-1728B52AA6E4}">
+                  <adec:decorative xmlns:adec="http://schemas.microsoft.com/office/drawing/2017/decorative" val="1"/>
+                </a:ext>
+              </a:extLst>
+            </p:cNvPr>
+            <p:cNvSpPr/>
+            <p:nvPr>
+              <p:extLst>
+                <p:ext uri="{386F3935-93C4-4BCD-93E2-E3B085C9AB24}">
+                  <p16:designElem xmlns:p16="http://schemas.microsoft.com/office/powerpoint/2015/main" val="1"/>
+                </p:ext>
+              </p:extLst>
+            </p:nvPr>
+          </p:nvSpPr>
+          <p:spPr>
+            <a:xfrm>
+              <a:off x="10898730" y="-8467"/>
+              <a:ext cx="1290094" cy="6866467"/>
+            </a:xfrm>
+            <a:custGeom>
+              <a:avLst/>
+              <a:gdLst/>
+              <a:ahLst/>
+              <a:cxnLst/>
+              <a:rect l="l" t="t" r="r" b="b"/>
+              <a:pathLst>
+                <a:path w="1290094" h="6858000">
+                  <a:moveTo>
+                    <a:pt x="1019735" y="0"/>
+                  </a:moveTo>
+                  <a:lnTo>
+                    <a:pt x="1290094" y="0"/>
+                  </a:lnTo>
+                  <a:lnTo>
+                    <a:pt x="1290094" y="6858000"/>
+                  </a:lnTo>
+                  <a:lnTo>
+                    <a:pt x="0" y="6858000"/>
+                  </a:lnTo>
+                  <a:lnTo>
+                    <a:pt x="1019735" y="0"/>
+                  </a:lnTo>
+                  <a:close/>
+                </a:path>
+              </a:pathLst>
+            </a:custGeom>
+            <a:solidFill>
+              <a:schemeClr val="accent1">
+                <a:lumMod val="60000"/>
+                <a:lumOff val="40000"/>
+                <a:alpha val="70000"/>
+              </a:schemeClr>
+            </a:solidFill>
+            <a:ln>
+              <a:noFill/>
+            </a:ln>
+            <a:effectLst/>
+          </p:spPr>
+          <p:style>
+            <a:lnRef idx="1">
+              <a:schemeClr val="accent1"/>
+            </a:lnRef>
+            <a:fillRef idx="3">
+              <a:schemeClr val="accent1"/>
+            </a:fillRef>
+            <a:effectRef idx="2">
+              <a:schemeClr val="accent1"/>
+            </a:effectRef>
+            <a:fontRef idx="minor">
+              <a:schemeClr val="lt1"/>
+            </a:fontRef>
+          </p:style>
+        </p:sp>
+        <p:sp>
+          <p:nvSpPr>
+            <p:cNvPr id="47" name="Rectangle 29">
+              <a:extLst>
+                <a:ext uri="{FF2B5EF4-FFF2-40B4-BE49-F238E27FC236}">
+                  <a16:creationId xmlns:a16="http://schemas.microsoft.com/office/drawing/2014/main" id="{ADF362B0-03EA-4800-9FAA-9F128587E428}"/>
+                </a:ext>
+                <a:ext uri="{C183D7F6-B498-43B3-948B-1728B52AA6E4}">
+                  <adec:decorative xmlns:adec="http://schemas.microsoft.com/office/drawing/2017/decorative" val="1"/>
+                </a:ext>
+              </a:extLst>
+            </p:cNvPr>
+            <p:cNvSpPr/>
+            <p:nvPr>
+              <p:extLst>
+                <p:ext uri="{386F3935-93C4-4BCD-93E2-E3B085C9AB24}">
+                  <p16:designElem xmlns:p16="http://schemas.microsoft.com/office/powerpoint/2015/main" val="1"/>
+                </p:ext>
+              </p:extLst>
+            </p:nvPr>
+          </p:nvSpPr>
+          <p:spPr>
+            <a:xfrm>
+              <a:off x="10938999" y="-8467"/>
+              <a:ext cx="1249825" cy="6866467"/>
+            </a:xfrm>
+            <a:custGeom>
+              <a:avLst/>
+              <a:gdLst/>
+              <a:ahLst/>
+              <a:cxnLst/>
+              <a:rect l="l" t="t" r="r" b="b"/>
+              <a:pathLst>
+                <a:path w="1249825" h="6858000">
+                  <a:moveTo>
+                    <a:pt x="0" y="0"/>
+                  </a:moveTo>
+                  <a:lnTo>
+                    <a:pt x="1249825" y="0"/>
+                  </a:lnTo>
+                  <a:lnTo>
+                    <a:pt x="1249825" y="6858000"/>
+                  </a:lnTo>
+                  <a:lnTo>
+                    <a:pt x="1109382" y="6858000"/>
+                  </a:lnTo>
+                  <a:lnTo>
+                    <a:pt x="0" y="0"/>
+                  </a:lnTo>
+                  <a:close/>
+                </a:path>
+              </a:pathLst>
+            </a:custGeom>
+            <a:solidFill>
+              <a:schemeClr val="accent1">
+                <a:alpha val="65000"/>
+              </a:schemeClr>
+            </a:solidFill>
+            <a:ln>
+              <a:noFill/>
+            </a:ln>
+            <a:effectLst/>
+          </p:spPr>
+          <p:style>
+            <a:lnRef idx="1">
+              <a:schemeClr val="accent1"/>
+            </a:lnRef>
+            <a:fillRef idx="3">
+              <a:schemeClr val="accent1"/>
+            </a:fillRef>
+            <a:effectRef idx="2">
+              <a:schemeClr val="accent1"/>
+            </a:effectRef>
+            <a:fontRef idx="minor">
+              <a:schemeClr val="lt1"/>
+            </a:fontRef>
+          </p:style>
+        </p:sp>
+        <p:sp>
+          <p:nvSpPr>
+            <p:cNvPr id="48" name="Isosceles Triangle 47">
+              <a:extLst>
+                <a:ext uri="{FF2B5EF4-FFF2-40B4-BE49-F238E27FC236}">
+                  <a16:creationId xmlns:a16="http://schemas.microsoft.com/office/drawing/2014/main" id="{0BA84559-2F4C-4795-9246-4C563F942DB9}"/>
+                </a:ext>
+                <a:ext uri="{C183D7F6-B498-43B3-948B-1728B52AA6E4}">
+                  <adec:decorative xmlns:adec="http://schemas.microsoft.com/office/drawing/2017/decorative" val="1"/>
+                </a:ext>
+              </a:extLst>
+            </p:cNvPr>
+            <p:cNvSpPr/>
+            <p:nvPr>
+              <p:extLst>
+                <p:ext uri="{386F3935-93C4-4BCD-93E2-E3B085C9AB24}">
+                  <p16:designElem xmlns:p16="http://schemas.microsoft.com/office/powerpoint/2015/main" val="1"/>
+                </p:ext>
+              </p:extLst>
+            </p:nvPr>
+          </p:nvSpPr>
+          <p:spPr>
+            <a:xfrm>
+              <a:off x="10371666" y="3589867"/>
+              <a:ext cx="1817159" cy="3268133"/>
+            </a:xfrm>
+            <a:prstGeom prst="triangle">
+              <a:avLst>
+                <a:gd name="adj" fmla="val 100000"/>
+              </a:avLst>
+            </a:prstGeom>
+            <a:solidFill>
+              <a:schemeClr val="accent1">
+                <a:alpha val="80000"/>
+              </a:schemeClr>
+            </a:solidFill>
+            <a:ln>
+              <a:noFill/>
+            </a:ln>
+            <a:effectLst/>
+          </p:spPr>
+          <p:style>
+            <a:lnRef idx="1">
+              <a:schemeClr val="accent1"/>
+            </a:lnRef>
+            <a:fillRef idx="3">
+              <a:schemeClr val="accent1"/>
+            </a:fillRef>
+            <a:effectRef idx="2">
+              <a:schemeClr val="accent1"/>
+            </a:effectRef>
+            <a:fontRef idx="minor">
+              <a:schemeClr val="lt1"/>
+            </a:fontRef>
+          </p:style>
+        </p:sp>
+        <p:sp>
+          <p:nvSpPr>
+            <p:cNvPr id="49" name="Isosceles Triangle 48">
+              <a:extLst>
+                <a:ext uri="{FF2B5EF4-FFF2-40B4-BE49-F238E27FC236}">
+                  <a16:creationId xmlns:a16="http://schemas.microsoft.com/office/drawing/2014/main" id="{FA77A1AA-CA47-4A91-A0A1-0A8CE31A985E}"/>
+                </a:ext>
+                <a:ext uri="{C183D7F6-B498-43B3-948B-1728B52AA6E4}">
+                  <adec:decorative xmlns:adec="http://schemas.microsoft.com/office/drawing/2017/decorative" val="1"/>
+                </a:ext>
+              </a:extLst>
+            </p:cNvPr>
+            <p:cNvSpPr/>
+            <p:nvPr>
+              <p:extLst>
+                <p:ext uri="{386F3935-93C4-4BCD-93E2-E3B085C9AB24}">
+                  <p16:designElem xmlns:p16="http://schemas.microsoft.com/office/powerpoint/2015/main" val="1"/>
+                </p:ext>
+              </p:extLst>
+            </p:nvPr>
+          </p:nvSpPr>
+          <p:spPr>
+            <a:xfrm>
+              <a:off x="0" y="4013200"/>
+              <a:ext cx="448733" cy="2844800"/>
+            </a:xfrm>
+            <a:prstGeom prst="triangle">
+              <a:avLst>
+                <a:gd name="adj" fmla="val 0"/>
+              </a:avLst>
+            </a:prstGeom>
+            <a:solidFill>
+              <a:schemeClr val="accent1">
+                <a:alpha val="85000"/>
+              </a:schemeClr>
+            </a:solidFill>
+            <a:ln>
+              <a:noFill/>
+            </a:ln>
+            <a:effectLst/>
+          </p:spPr>
+          <p:style>
+            <a:lnRef idx="1">
+              <a:schemeClr val="accent1"/>
+            </a:lnRef>
+            <a:fillRef idx="3">
+              <a:schemeClr val="accent1"/>
+            </a:fillRef>
+            <a:effectRef idx="2">
+              <a:schemeClr val="accent1"/>
+            </a:effectRef>
+            <a:fontRef idx="minor">
+              <a:schemeClr val="lt1"/>
+            </a:fontRef>
+          </p:style>
+        </p:sp>
+      </p:grpSp>
+      <p:sp>
+        <p:nvSpPr>
+          <p:cNvPr id="67" name="Rectangle 50">
+            <a:extLst>
+              <a:ext uri="{FF2B5EF4-FFF2-40B4-BE49-F238E27FC236}">
+                <a16:creationId xmlns:a16="http://schemas.microsoft.com/office/drawing/2014/main" id="{03E8462A-FEBA-4848-81CC-3F8DA3E477BE}"/>
+              </a:ext>
+              <a:ext uri="{C183D7F6-B498-43B3-948B-1728B52AA6E4}">
+                <adec:decorative xmlns:adec="http://schemas.microsoft.com/office/drawing/2017/decorative" val="1"/>
+              </a:ext>
+            </a:extLst>
+          </p:cNvPr>
+          <p:cNvSpPr>
+            <a:spLocks noGrp="1" noRot="1" noChangeAspect="1" noMove="1" noResize="1" noEditPoints="1" noAdjustHandles="1" noChangeArrowheads="1" noChangeShapeType="1" noTextEdit="1"/>
+          </p:cNvSpPr>
+          <p:nvPr>
+            <p:extLst>
+              <p:ext uri="{386F3935-93C4-4BCD-93E2-E3B085C9AB24}">
+                <p16:designElem xmlns:p16="http://schemas.microsoft.com/office/powerpoint/2015/main" val="1"/>
+              </p:ext>
+            </p:extLst>
+          </p:nvPr>
+        </p:nvSpPr>
+        <p:spPr>
+          <a:xfrm>
+            <a:off x="0" y="0"/>
+            <a:ext cx="12188952" cy="6858000"/>
+          </a:xfrm>
+          <a:prstGeom prst="rect">
+            <a:avLst/>
+          </a:prstGeom>
+          <a:solidFill>
+            <a:schemeClr val="accent2"/>
+          </a:solidFill>
+          <a:ln>
+            <a:noFill/>
+          </a:ln>
+        </p:spPr>
+        <p:style>
+          <a:lnRef idx="2">
+            <a:schemeClr val="accent1">
+              <a:shade val="50000"/>
+            </a:schemeClr>
+          </a:lnRef>
+          <a:fillRef idx="1">
+            <a:schemeClr val="accent1"/>
+          </a:fillRef>
+          <a:effectRef idx="0">
+            <a:schemeClr val="accent1"/>
+          </a:effectRef>
+          <a:fontRef idx="minor">
+            <a:schemeClr val="lt1"/>
+          </a:fontRef>
+        </p:style>
+        <p:txBody>
+          <a:bodyPr rtlCol="0" anchor="ctr"/>
+          <a:lstStyle/>
+          <a:p>
+            <a:pPr algn="ctr"/>
+            <a:endParaRPr lang="en-US"/>
+          </a:p>
+        </p:txBody>
+      </p:sp>
+      <p:grpSp>
+        <p:nvGrpSpPr>
+          <p:cNvPr id="68" name="Group 52">
+            <a:extLst>
+              <a:ext uri="{FF2B5EF4-FFF2-40B4-BE49-F238E27FC236}">
+                <a16:creationId xmlns:a16="http://schemas.microsoft.com/office/drawing/2014/main" id="{2109F83F-40FE-4DB3-84CC-09FB3340D06D}"/>
+              </a:ext>
+              <a:ext uri="{C183D7F6-B498-43B3-948B-1728B52AA6E4}">
+                <adec:decorative xmlns:adec="http://schemas.microsoft.com/office/drawing/2017/decorative" val="1"/>
+              </a:ext>
+            </a:extLst>
+          </p:cNvPr>
+          <p:cNvGrpSpPr>
+            <a:grpSpLocks noGrp="1" noUngrp="1" noRot="1" noChangeAspect="1" noMove="1" noResize="1"/>
+          </p:cNvGrpSpPr>
+          <p:nvPr>
+            <p:extLst>
+              <p:ext uri="{386F3935-93C4-4BCD-93E2-E3B085C9AB24}">
+                <p16:designElem xmlns:p16="http://schemas.microsoft.com/office/powerpoint/2015/main" val="1"/>
+              </p:ext>
+            </p:extLst>
+          </p:nvPr>
+        </p:nvGrpSpPr>
+        <p:grpSpPr>
+          <a:xfrm>
+            <a:off x="0" y="-8467"/>
+            <a:ext cx="12192000" cy="6866467"/>
+            <a:chOff x="0" y="-8467"/>
+            <a:chExt cx="12192000" cy="6866467"/>
+          </a:xfrm>
+        </p:grpSpPr>
+        <p:cxnSp>
+          <p:nvCxnSpPr>
+            <p:cNvPr id="54" name="Straight Connector 53">
+              <a:extLst>
+                <a:ext uri="{FF2B5EF4-FFF2-40B4-BE49-F238E27FC236}">
+                  <a16:creationId xmlns:a16="http://schemas.microsoft.com/office/drawing/2014/main" id="{1DE492D7-C3C3-48FF-80C8-37021EA0262F}"/>
+                </a:ext>
+                <a:ext uri="{C183D7F6-B498-43B3-948B-1728B52AA6E4}">
+                  <adec:decorative xmlns:adec="http://schemas.microsoft.com/office/drawing/2017/decorative" val="1"/>
+                </a:ext>
+              </a:extLst>
+            </p:cNvPr>
+            <p:cNvCxnSpPr/>
+            <p:nvPr>
+              <p:extLst>
+                <p:ext uri="{386F3935-93C4-4BCD-93E2-E3B085C9AB24}">
+                  <p16:designElem xmlns:p16="http://schemas.microsoft.com/office/powerpoint/2015/main" val="1"/>
+                </p:ext>
+              </p:extLst>
+            </p:nvPr>
+          </p:nvCxnSpPr>
+          <p:spPr>
+            <a:xfrm flipH="1">
+              <a:off x="7425267" y="3681413"/>
+              <a:ext cx="4763558" cy="3176587"/>
+            </a:xfrm>
+            <a:prstGeom prst="line">
+              <a:avLst/>
+            </a:prstGeom>
+            <a:ln w="9525">
+              <a:solidFill>
+                <a:schemeClr val="bg1">
+                  <a:lumMod val="85000"/>
+                </a:schemeClr>
+              </a:solidFill>
+            </a:ln>
+          </p:spPr>
+          <p:style>
+            <a:lnRef idx="2">
+              <a:schemeClr val="accent1"/>
+            </a:lnRef>
+            <a:fillRef idx="0">
+              <a:schemeClr val="accent1"/>
+            </a:fillRef>
+            <a:effectRef idx="1">
+              <a:schemeClr val="accent1"/>
+            </a:effectRef>
+            <a:fontRef idx="minor">
+              <a:schemeClr val="tx1"/>
+            </a:fontRef>
+          </p:style>
+        </p:cxnSp>
+        <p:sp>
+          <p:nvSpPr>
+            <p:cNvPr id="55" name="Rectangle 23">
+              <a:extLst>
+                <a:ext uri="{FF2B5EF4-FFF2-40B4-BE49-F238E27FC236}">
+                  <a16:creationId xmlns:a16="http://schemas.microsoft.com/office/drawing/2014/main" id="{0B30FF97-2E9A-490A-AED2-90BA2E0EC17F}"/>
+                </a:ext>
+                <a:ext uri="{C183D7F6-B498-43B3-948B-1728B52AA6E4}">
+                  <adec:decorative xmlns:adec="http://schemas.microsoft.com/office/drawing/2017/decorative" val="1"/>
+                </a:ext>
+              </a:extLst>
+            </p:cNvPr>
+            <p:cNvSpPr/>
+            <p:nvPr>
+              <p:extLst>
+                <p:ext uri="{386F3935-93C4-4BCD-93E2-E3B085C9AB24}">
+                  <p16:designElem xmlns:p16="http://schemas.microsoft.com/office/powerpoint/2015/main" val="1"/>
+                </p:ext>
+              </p:extLst>
+            </p:nvPr>
+          </p:nvSpPr>
+          <p:spPr>
+            <a:xfrm>
+              <a:off x="9181476" y="-8467"/>
+              <a:ext cx="3007349" cy="6866467"/>
+            </a:xfrm>
+            <a:custGeom>
+              <a:avLst/>
+              <a:gdLst/>
+              <a:ahLst/>
+              <a:cxnLst/>
+              <a:rect l="l" t="t" r="r" b="b"/>
+              <a:pathLst>
+                <a:path w="3007349" h="6866467">
+                  <a:moveTo>
+                    <a:pt x="2045532" y="0"/>
+                  </a:moveTo>
+                  <a:lnTo>
+                    <a:pt x="3007349" y="0"/>
+                  </a:lnTo>
+                  <a:lnTo>
+                    <a:pt x="3007349" y="6866467"/>
+                  </a:lnTo>
+                  <a:lnTo>
+                    <a:pt x="0" y="6866467"/>
+                  </a:lnTo>
+                  <a:lnTo>
+                    <a:pt x="2045532" y="0"/>
+                  </a:lnTo>
+                  <a:close/>
+                </a:path>
+              </a:pathLst>
+            </a:custGeom>
+            <a:solidFill>
+              <a:schemeClr val="accent1">
+                <a:alpha val="30000"/>
+              </a:schemeClr>
+            </a:solidFill>
+            <a:ln>
+              <a:noFill/>
+            </a:ln>
+            <a:effectLst/>
+          </p:spPr>
+          <p:style>
+            <a:lnRef idx="1">
+              <a:schemeClr val="accent1"/>
+            </a:lnRef>
+            <a:fillRef idx="3">
+              <a:schemeClr val="accent1"/>
+            </a:fillRef>
+            <a:effectRef idx="2">
+              <a:schemeClr val="accent1"/>
+            </a:effectRef>
+            <a:fontRef idx="minor">
+              <a:schemeClr val="lt1"/>
+            </a:fontRef>
+          </p:style>
+        </p:sp>
+        <p:sp>
+          <p:nvSpPr>
+            <p:cNvPr id="56" name="Rectangle 25">
+              <a:extLst>
+                <a:ext uri="{FF2B5EF4-FFF2-40B4-BE49-F238E27FC236}">
+                  <a16:creationId xmlns:a16="http://schemas.microsoft.com/office/drawing/2014/main" id="{B6D53C7D-A312-47B6-A66A-230A19CFACA6}"/>
+                </a:ext>
+                <a:ext uri="{C183D7F6-B498-43B3-948B-1728B52AA6E4}">
+                  <adec:decorative xmlns:adec="http://schemas.microsoft.com/office/drawing/2017/decorative" val="1"/>
+                </a:ext>
+              </a:extLst>
+            </p:cNvPr>
+            <p:cNvSpPr/>
+            <p:nvPr>
+              <p:extLst>
+                <p:ext uri="{386F3935-93C4-4BCD-93E2-E3B085C9AB24}">
+                  <p16:designElem xmlns:p16="http://schemas.microsoft.com/office/powerpoint/2015/main" val="1"/>
+                </p:ext>
+              </p:extLst>
+            </p:nvPr>
+          </p:nvSpPr>
+          <p:spPr>
+            <a:xfrm>
+              <a:off x="9603442" y="-8467"/>
+              <a:ext cx="2588558" cy="6866467"/>
+            </a:xfrm>
+            <a:custGeom>
+              <a:avLst/>
+              <a:gdLst/>
+              <a:ahLst/>
+              <a:cxnLst/>
+              <a:rect l="l" t="t" r="r" b="b"/>
+              <a:pathLst>
+                <a:path w="2573311" h="6866467">
+                  <a:moveTo>
+                    <a:pt x="0" y="0"/>
+                  </a:moveTo>
+                  <a:lnTo>
+                    <a:pt x="2573311" y="0"/>
+                  </a:lnTo>
+                  <a:lnTo>
+                    <a:pt x="2573311" y="6866467"/>
+                  </a:lnTo>
+                  <a:lnTo>
+                    <a:pt x="1202336" y="6866467"/>
+                  </a:lnTo>
+                  <a:lnTo>
+                    <a:pt x="0" y="0"/>
+                  </a:lnTo>
+                  <a:close/>
+                </a:path>
+              </a:pathLst>
+            </a:custGeom>
+            <a:solidFill>
+              <a:schemeClr val="accent1">
+                <a:alpha val="20000"/>
+              </a:schemeClr>
+            </a:solidFill>
+            <a:ln>
+              <a:noFill/>
+            </a:ln>
+            <a:effectLst/>
+          </p:spPr>
+          <p:style>
+            <a:lnRef idx="1">
+              <a:schemeClr val="accent1"/>
+            </a:lnRef>
+            <a:fillRef idx="3">
+              <a:schemeClr val="accent1"/>
+            </a:fillRef>
+            <a:effectRef idx="2">
+              <a:schemeClr val="accent1"/>
+            </a:effectRef>
+            <a:fontRef idx="minor">
+              <a:schemeClr val="lt1"/>
+            </a:fontRef>
+          </p:style>
+        </p:sp>
+        <p:sp>
+          <p:nvSpPr>
+            <p:cNvPr id="57" name="Isosceles Triangle 56">
+              <a:extLst>
+                <a:ext uri="{FF2B5EF4-FFF2-40B4-BE49-F238E27FC236}">
+                  <a16:creationId xmlns:a16="http://schemas.microsoft.com/office/drawing/2014/main" id="{9329D58C-0D2E-4A2B-AD6A-9CEE506784A8}"/>
+                </a:ext>
+                <a:ext uri="{C183D7F6-B498-43B3-948B-1728B52AA6E4}">
+                  <adec:decorative xmlns:adec="http://schemas.microsoft.com/office/drawing/2017/decorative" val="1"/>
+                </a:ext>
+              </a:extLst>
+            </p:cNvPr>
+            <p:cNvSpPr/>
+            <p:nvPr>
+              <p:extLst>
+                <p:ext uri="{386F3935-93C4-4BCD-93E2-E3B085C9AB24}">
+                  <p16:designElem xmlns:p16="http://schemas.microsoft.com/office/powerpoint/2015/main" val="1"/>
+                </p:ext>
+              </p:extLst>
+            </p:nvPr>
+          </p:nvSpPr>
+          <p:spPr>
+            <a:xfrm>
+              <a:off x="8932333" y="3048000"/>
+              <a:ext cx="3259667" cy="3810000"/>
+            </a:xfrm>
+            <a:prstGeom prst="triangle">
+              <a:avLst>
+                <a:gd name="adj" fmla="val 100000"/>
+              </a:avLst>
+            </a:prstGeom>
+            <a:solidFill>
+              <a:schemeClr val="accent2">
+                <a:alpha val="72000"/>
+              </a:schemeClr>
+            </a:solidFill>
+            <a:ln>
+              <a:noFill/>
+            </a:ln>
+            <a:effectLst/>
+          </p:spPr>
+          <p:style>
+            <a:lnRef idx="1">
+              <a:schemeClr val="accent1"/>
+            </a:lnRef>
+            <a:fillRef idx="3">
+              <a:schemeClr val="accent1"/>
+            </a:fillRef>
+            <a:effectRef idx="2">
+              <a:schemeClr val="accent1"/>
+            </a:effectRef>
+            <a:fontRef idx="minor">
+              <a:schemeClr val="lt1"/>
+            </a:fontRef>
+          </p:style>
+        </p:sp>
+        <p:sp>
+          <p:nvSpPr>
+            <p:cNvPr id="58" name="Rectangle 27">
+              <a:extLst>
+                <a:ext uri="{FF2B5EF4-FFF2-40B4-BE49-F238E27FC236}">
+                  <a16:creationId xmlns:a16="http://schemas.microsoft.com/office/drawing/2014/main" id="{9D446EDE-C690-4461-8BF2-7634808FC8B4}"/>
+                </a:ext>
+                <a:ext uri="{C183D7F6-B498-43B3-948B-1728B52AA6E4}">
+                  <adec:decorative xmlns:adec="http://schemas.microsoft.com/office/drawing/2017/decorative" val="1"/>
+                </a:ext>
+              </a:extLst>
+            </p:cNvPr>
+            <p:cNvSpPr/>
+            <p:nvPr>
+              <p:extLst>
+                <p:ext uri="{386F3935-93C4-4BCD-93E2-E3B085C9AB24}">
+                  <p16:designElem xmlns:p16="http://schemas.microsoft.com/office/powerpoint/2015/main" val="1"/>
+                </p:ext>
+              </p:extLst>
+            </p:nvPr>
+          </p:nvSpPr>
+          <p:spPr>
+            <a:xfrm>
+              <a:off x="9334500" y="-8467"/>
+              <a:ext cx="2854326" cy="6866467"/>
+            </a:xfrm>
+            <a:custGeom>
+              <a:avLst/>
+              <a:gdLst/>
+              <a:ahLst/>
+              <a:cxnLst/>
+              <a:rect l="l" t="t" r="r" b="b"/>
+              <a:pathLst>
+                <a:path w="2858013" h="6866467">
+                  <a:moveTo>
+                    <a:pt x="0" y="0"/>
+                  </a:moveTo>
+                  <a:lnTo>
+                    <a:pt x="2858013" y="0"/>
+                  </a:lnTo>
+                  <a:lnTo>
+                    <a:pt x="2858013" y="6866467"/>
+                  </a:lnTo>
+                  <a:lnTo>
+                    <a:pt x="2473942" y="6866467"/>
+                  </a:lnTo>
+                  <a:lnTo>
+                    <a:pt x="0" y="0"/>
+                  </a:lnTo>
+                  <a:close/>
+                </a:path>
+              </a:pathLst>
+            </a:custGeom>
+            <a:solidFill>
+              <a:schemeClr val="accent2">
+                <a:lumMod val="75000"/>
+                <a:alpha val="70000"/>
+              </a:schemeClr>
+            </a:solidFill>
+            <a:ln>
+              <a:noFill/>
+            </a:ln>
+            <a:effectLst/>
+          </p:spPr>
+          <p:style>
+            <a:lnRef idx="1">
+              <a:schemeClr val="accent1"/>
+            </a:lnRef>
+            <a:fillRef idx="3">
+              <a:schemeClr val="accent1"/>
+            </a:fillRef>
+            <a:effectRef idx="2">
+              <a:schemeClr val="accent1"/>
+            </a:effectRef>
+            <a:fontRef idx="minor">
+              <a:schemeClr val="lt1"/>
+            </a:fontRef>
+          </p:style>
+        </p:sp>
+        <p:sp>
+          <p:nvSpPr>
+            <p:cNvPr id="59" name="Rectangle 28">
+              <a:extLst>
+                <a:ext uri="{FF2B5EF4-FFF2-40B4-BE49-F238E27FC236}">
+                  <a16:creationId xmlns:a16="http://schemas.microsoft.com/office/drawing/2014/main" id="{323F3D34-6531-4AD7-A8C6-195A090281A1}"/>
+                </a:ext>
+                <a:ext uri="{C183D7F6-B498-43B3-948B-1728B52AA6E4}">
+                  <adec:decorative xmlns:adec="http://schemas.microsoft.com/office/drawing/2017/decorative" val="1"/>
+                </a:ext>
+              </a:extLst>
+            </p:cNvPr>
+            <p:cNvSpPr/>
+            <p:nvPr>
+              <p:extLst>
+                <p:ext uri="{386F3935-93C4-4BCD-93E2-E3B085C9AB24}">
+                  <p16:designElem xmlns:p16="http://schemas.microsoft.com/office/powerpoint/2015/main" val="1"/>
+                </p:ext>
+              </p:extLst>
+            </p:nvPr>
+          </p:nvSpPr>
+          <p:spPr>
+            <a:xfrm>
+              <a:off x="10898730" y="-8467"/>
+              <a:ext cx="1290094" cy="6866467"/>
+            </a:xfrm>
+            <a:custGeom>
+              <a:avLst/>
+              <a:gdLst/>
+              <a:ahLst/>
+              <a:cxnLst/>
+              <a:rect l="l" t="t" r="r" b="b"/>
+              <a:pathLst>
+                <a:path w="1290094" h="6858000">
+                  <a:moveTo>
+                    <a:pt x="1019735" y="0"/>
+                  </a:moveTo>
+                  <a:lnTo>
+                    <a:pt x="1290094" y="0"/>
+                  </a:lnTo>
+                  <a:lnTo>
+                    <a:pt x="1290094" y="6858000"/>
+                  </a:lnTo>
+                  <a:lnTo>
+                    <a:pt x="0" y="6858000"/>
+                  </a:lnTo>
+                  <a:lnTo>
+                    <a:pt x="1019735" y="0"/>
+                  </a:lnTo>
+                  <a:close/>
+                </a:path>
+              </a:pathLst>
+            </a:custGeom>
+            <a:solidFill>
+              <a:schemeClr val="accent1">
+                <a:lumMod val="60000"/>
+                <a:lumOff val="40000"/>
+                <a:alpha val="70000"/>
+              </a:schemeClr>
+            </a:solidFill>
+            <a:ln>
+              <a:noFill/>
+            </a:ln>
+            <a:effectLst/>
+          </p:spPr>
+          <p:style>
+            <a:lnRef idx="1">
+              <a:schemeClr val="accent1"/>
+            </a:lnRef>
+            <a:fillRef idx="3">
+              <a:schemeClr val="accent1"/>
+            </a:fillRef>
+            <a:effectRef idx="2">
+              <a:schemeClr val="accent1"/>
+            </a:effectRef>
+            <a:fontRef idx="minor">
+              <a:schemeClr val="lt1"/>
+            </a:fontRef>
+          </p:style>
+        </p:sp>
+        <p:sp>
+          <p:nvSpPr>
+            <p:cNvPr id="60" name="Rectangle 29">
+              <a:extLst>
+                <a:ext uri="{FF2B5EF4-FFF2-40B4-BE49-F238E27FC236}">
+                  <a16:creationId xmlns:a16="http://schemas.microsoft.com/office/drawing/2014/main" id="{B9B0AE3F-2350-435F-A9B0-C310BF876385}"/>
+                </a:ext>
+                <a:ext uri="{C183D7F6-B498-43B3-948B-1728B52AA6E4}">
+                  <adec:decorative xmlns:adec="http://schemas.microsoft.com/office/drawing/2017/decorative" val="1"/>
+                </a:ext>
+              </a:extLst>
+            </p:cNvPr>
+            <p:cNvSpPr/>
+            <p:nvPr>
+              <p:extLst>
+                <p:ext uri="{386F3935-93C4-4BCD-93E2-E3B085C9AB24}">
+                  <p16:designElem xmlns:p16="http://schemas.microsoft.com/office/powerpoint/2015/main" val="1"/>
+                </p:ext>
+              </p:extLst>
+            </p:nvPr>
+          </p:nvSpPr>
+          <p:spPr>
+            <a:xfrm>
+              <a:off x="10938999" y="-8467"/>
+              <a:ext cx="1249825" cy="6866467"/>
+            </a:xfrm>
+            <a:custGeom>
+              <a:avLst/>
+              <a:gdLst/>
+              <a:ahLst/>
+              <a:cxnLst/>
+              <a:rect l="l" t="t" r="r" b="b"/>
+              <a:pathLst>
+                <a:path w="1249825" h="6858000">
+                  <a:moveTo>
+                    <a:pt x="0" y="0"/>
+                  </a:moveTo>
+                  <a:lnTo>
+                    <a:pt x="1249825" y="0"/>
+                  </a:lnTo>
+                  <a:lnTo>
+                    <a:pt x="1249825" y="6858000"/>
+                  </a:lnTo>
+                  <a:lnTo>
+                    <a:pt x="1109382" y="6858000"/>
+                  </a:lnTo>
+                  <a:lnTo>
+                    <a:pt x="0" y="0"/>
+                  </a:lnTo>
+                  <a:close/>
+                </a:path>
+              </a:pathLst>
+            </a:custGeom>
+            <a:solidFill>
+              <a:schemeClr val="accent1">
+                <a:alpha val="65000"/>
+              </a:schemeClr>
+            </a:solidFill>
+            <a:ln>
+              <a:noFill/>
+            </a:ln>
+            <a:effectLst/>
+          </p:spPr>
+          <p:style>
+            <a:lnRef idx="1">
+              <a:schemeClr val="accent1"/>
+            </a:lnRef>
+            <a:fillRef idx="3">
+              <a:schemeClr val="accent1"/>
+            </a:fillRef>
+            <a:effectRef idx="2">
+              <a:schemeClr val="accent1"/>
+            </a:effectRef>
+            <a:fontRef idx="minor">
+              <a:schemeClr val="lt1"/>
+            </a:fontRef>
+          </p:style>
+        </p:sp>
+        <p:sp>
+          <p:nvSpPr>
+            <p:cNvPr id="61" name="Isosceles Triangle 60">
+              <a:extLst>
+                <a:ext uri="{FF2B5EF4-FFF2-40B4-BE49-F238E27FC236}">
+                  <a16:creationId xmlns:a16="http://schemas.microsoft.com/office/drawing/2014/main" id="{4EFA655C-9E50-4C14-A89E-AD7B648E4E2B}"/>
+                </a:ext>
+                <a:ext uri="{C183D7F6-B498-43B3-948B-1728B52AA6E4}">
+                  <adec:decorative xmlns:adec="http://schemas.microsoft.com/office/drawing/2017/decorative" val="1"/>
+                </a:ext>
+              </a:extLst>
+            </p:cNvPr>
+            <p:cNvSpPr/>
+            <p:nvPr>
+              <p:extLst>
+                <p:ext uri="{386F3935-93C4-4BCD-93E2-E3B085C9AB24}">
+                  <p16:designElem xmlns:p16="http://schemas.microsoft.com/office/powerpoint/2015/main" val="1"/>
+                </p:ext>
+              </p:extLst>
+            </p:nvPr>
+          </p:nvSpPr>
+          <p:spPr>
+            <a:xfrm>
+              <a:off x="10371666" y="3589867"/>
+              <a:ext cx="1817159" cy="3268133"/>
+            </a:xfrm>
+            <a:prstGeom prst="triangle">
+              <a:avLst>
+                <a:gd name="adj" fmla="val 100000"/>
+              </a:avLst>
+            </a:prstGeom>
+            <a:solidFill>
+              <a:schemeClr val="accent1">
+                <a:alpha val="80000"/>
+              </a:schemeClr>
+            </a:solidFill>
+            <a:ln>
+              <a:noFill/>
+            </a:ln>
+            <a:effectLst/>
+          </p:spPr>
+          <p:style>
+            <a:lnRef idx="1">
+              <a:schemeClr val="accent1"/>
+            </a:lnRef>
+            <a:fillRef idx="3">
+              <a:schemeClr val="accent1"/>
+            </a:fillRef>
+            <a:effectRef idx="2">
+              <a:schemeClr val="accent1"/>
+            </a:effectRef>
+            <a:fontRef idx="minor">
+              <a:schemeClr val="lt1"/>
+            </a:fontRef>
+          </p:style>
+        </p:sp>
+        <p:sp>
+          <p:nvSpPr>
+            <p:cNvPr id="62" name="Isosceles Triangle 61">
+              <a:extLst>
+                <a:ext uri="{FF2B5EF4-FFF2-40B4-BE49-F238E27FC236}">
+                  <a16:creationId xmlns:a16="http://schemas.microsoft.com/office/drawing/2014/main" id="{3E843863-7D25-4C01-9A17-E817CB6D998A}"/>
+                </a:ext>
+                <a:ext uri="{C183D7F6-B498-43B3-948B-1728B52AA6E4}">
+                  <adec:decorative xmlns:adec="http://schemas.microsoft.com/office/drawing/2017/decorative" val="1"/>
+                </a:ext>
+              </a:extLst>
+            </p:cNvPr>
+            <p:cNvSpPr/>
+            <p:nvPr>
+              <p:extLst>
+                <p:ext uri="{386F3935-93C4-4BCD-93E2-E3B085C9AB24}">
+                  <p16:designElem xmlns:p16="http://schemas.microsoft.com/office/powerpoint/2015/main" val="1"/>
+                </p:ext>
+              </p:extLst>
+            </p:nvPr>
+          </p:nvSpPr>
+          <p:spPr>
+            <a:xfrm>
+              <a:off x="0" y="4013200"/>
+              <a:ext cx="448733" cy="2844800"/>
+            </a:xfrm>
+            <a:prstGeom prst="triangle">
+              <a:avLst>
+                <a:gd name="adj" fmla="val 0"/>
+              </a:avLst>
+            </a:prstGeom>
+            <a:solidFill>
+              <a:schemeClr val="accent1">
+                <a:alpha val="85000"/>
+              </a:schemeClr>
+            </a:solidFill>
+            <a:ln>
+              <a:noFill/>
+            </a:ln>
+            <a:effectLst/>
+          </p:spPr>
+          <p:style>
+            <a:lnRef idx="1">
+              <a:schemeClr val="accent1"/>
+            </a:lnRef>
+            <a:fillRef idx="3">
+              <a:schemeClr val="accent1"/>
+            </a:fillRef>
+            <a:effectRef idx="2">
+              <a:schemeClr val="accent1"/>
+            </a:effectRef>
+            <a:fontRef idx="minor">
+              <a:schemeClr val="lt1"/>
+            </a:fontRef>
+          </p:style>
+        </p:sp>
+      </p:grpSp>
+      <p:sp>
+        <p:nvSpPr>
+          <p:cNvPr id="69" name="Rectangle 63">
+            <a:extLst>
+              <a:ext uri="{FF2B5EF4-FFF2-40B4-BE49-F238E27FC236}">
+                <a16:creationId xmlns:a16="http://schemas.microsoft.com/office/drawing/2014/main" id="{7941F9B1-B01B-4A84-89D9-B169AEB4E456}"/>
+              </a:ext>
+              <a:ext uri="{C183D7F6-B498-43B3-948B-1728B52AA6E4}">
+                <adec:decorative xmlns:adec="http://schemas.microsoft.com/office/drawing/2017/decorative" val="1"/>
+              </a:ext>
+            </a:extLst>
+          </p:cNvPr>
+          <p:cNvSpPr>
+            <a:spLocks noGrp="1" noRot="1" noChangeAspect="1" noMove="1" noResize="1" noEditPoints="1" noAdjustHandles="1" noChangeArrowheads="1" noChangeShapeType="1" noTextEdit="1"/>
+          </p:cNvSpPr>
+          <p:nvPr>
+            <p:extLst>
+              <p:ext uri="{386F3935-93C4-4BCD-93E2-E3B085C9AB24}">
+                <p16:designElem xmlns:p16="http://schemas.microsoft.com/office/powerpoint/2015/main" val="1"/>
+              </p:ext>
+            </p:extLst>
+          </p:nvPr>
+        </p:nvSpPr>
+        <p:spPr>
+          <a:xfrm>
+            <a:off x="477012" y="480060"/>
+            <a:ext cx="8301227" cy="5897880"/>
+          </a:xfrm>
+          <a:prstGeom prst="rect">
+            <a:avLst/>
+          </a:prstGeom>
+          <a:solidFill>
+            <a:srgbClr val="FFFFFF"/>
+          </a:solidFill>
+          <a:ln w="9525">
+            <a:noFill/>
+          </a:ln>
+          <a:effectLst>
+            <a:outerShdw blurRad="63500" dist="17780" dir="5400000" algn="t" rotWithShape="0">
+              <a:prstClr val="black">
+                <a:alpha val="43000"/>
+              </a:prstClr>
+            </a:outerShdw>
+          </a:effectLst>
+        </p:spPr>
+        <p:style>
+          <a:lnRef idx="2">
+            <a:schemeClr val="accent1">
+              <a:shade val="50000"/>
+            </a:schemeClr>
+          </a:lnRef>
+          <a:fillRef idx="1">
+            <a:schemeClr val="accent1"/>
+          </a:fillRef>
+          <a:effectRef idx="0">
+            <a:schemeClr val="accent1"/>
+          </a:effectRef>
+          <a:fontRef idx="minor">
+            <a:schemeClr val="lt1"/>
+          </a:fontRef>
+        </p:style>
+        <p:txBody>
+          <a:bodyPr rtlCol="0" anchor="ctr"/>
+          <a:lstStyle/>
+          <a:p>
+            <a:pPr algn="ctr"/>
+            <a:endParaRPr lang="en-US"/>
+          </a:p>
+        </p:txBody>
+      </p:sp>
+      <p:pic>
+        <p:nvPicPr>
+          <p:cNvPr id="4" name="Kép 3" descr="A képen szöveg, térkép látható&#10;&#10;Automatikusan generált leírás">
+            <a:extLst>
+              <a:ext uri="{FF2B5EF4-FFF2-40B4-BE49-F238E27FC236}">
+                <a16:creationId xmlns:a16="http://schemas.microsoft.com/office/drawing/2014/main" id="{5EE0CDAD-F625-4D3A-88ED-7EFB6CB91C9E}"/>
+              </a:ext>
+            </a:extLst>
+          </p:cNvPr>
+          <p:cNvPicPr/>
+          <p:nvPr/>
+        </p:nvPicPr>
+        <p:blipFill rotWithShape="1">
+          <a:blip r:embed="rId2" cstate="print">
+            <a:extLst>
+              <a:ext uri="{28A0092B-C50C-407E-A947-70E740481C1C}">
+                <a14:useLocalDpi xmlns:a14="http://schemas.microsoft.com/office/drawing/2010/main" val="0"/>
+              </a:ext>
+            </a:extLst>
+          </a:blip>
+          <a:srcRect l="3014" t="5022" r="19681" b="10274"/>
+          <a:stretch/>
+        </p:blipFill>
+        <p:spPr bwMode="auto">
+          <a:xfrm>
+            <a:off x="1204541" y="974921"/>
+            <a:ext cx="6857279" cy="5411486"/>
+          </a:xfrm>
+          <a:prstGeom prst="rect">
+            <a:avLst/>
+          </a:prstGeom>
+          <a:noFill/>
+          <a:extLst>
+            <a:ext uri="{53640926-AAD7-44D8-BBD7-CCE9431645EC}">
+              <a14:shadowObscured xmlns:a14="http://schemas.microsoft.com/office/drawing/2010/main"/>
+            </a:ext>
+          </a:extLst>
+        </p:spPr>
+      </p:pic>
+      <p:sp>
+        <p:nvSpPr>
+          <p:cNvPr id="65" name="Cím 1">
+            <a:extLst>
+              <a:ext uri="{FF2B5EF4-FFF2-40B4-BE49-F238E27FC236}">
+                <a16:creationId xmlns:a16="http://schemas.microsoft.com/office/drawing/2014/main" id="{D2708685-D035-4718-BFBF-1DEFBF064909}"/>
+              </a:ext>
+            </a:extLst>
+          </p:cNvPr>
+          <p:cNvSpPr>
+            <a:spLocks noGrp="1"/>
+          </p:cNvSpPr>
+          <p:nvPr>
+            <p:ph type="title"/>
+          </p:nvPr>
+        </p:nvSpPr>
+        <p:spPr>
+          <a:xfrm>
+            <a:off x="490089" y="400249"/>
+            <a:ext cx="8596668" cy="1320800"/>
+          </a:xfrm>
+        </p:spPr>
+        <p:txBody>
+          <a:bodyPr/>
+          <a:lstStyle/>
+          <a:p>
+            <a:r>
+              <a:rPr lang="hu-HU" dirty="0" err="1"/>
+              <a:t>Sequence</a:t>
+            </a:r>
+            <a:r>
+              <a:rPr lang="hu-HU" dirty="0"/>
+              <a:t> Diagram</a:t>
+            </a:r>
+          </a:p>
+        </p:txBody>
+      </p:sp>
+    </p:spTree>
+    <p:extLst>
+      <p:ext uri="{BB962C8B-B14F-4D97-AF65-F5344CB8AC3E}">
+        <p14:creationId xmlns:p14="http://schemas.microsoft.com/office/powerpoint/2010/main" val="3365433189"/>
       </p:ext>
     </p:extLst>
   </p:cSld>

--- a/Bemutato.pptx
+++ b/Bemutato.pptx
@@ -3864,7 +3864,7 @@
             <a:fld id="{B61BEF0D-F0BB-DE4B-95CE-6DB70DBA9567}" type="datetimeFigureOut">
               <a:rPr lang="en-US" dirty="0"/>
               <a:pPr/>
-              <a:t>5/17/2020</a:t>
+              <a:t>5/21/2020</a:t>
             </a:fld>
             <a:endParaRPr lang="en-US" dirty="0"/>
           </a:p>
@@ -4112,7 +4112,7 @@
             <a:fld id="{B61BEF0D-F0BB-DE4B-95CE-6DB70DBA9567}" type="datetimeFigureOut">
               <a:rPr lang="en-US" dirty="0"/>
               <a:pPr/>
-              <a:t>5/17/2020</a:t>
+              <a:t>5/21/2020</a:t>
             </a:fld>
             <a:endParaRPr lang="en-US" dirty="0"/>
           </a:p>
@@ -4423,7 +4423,7 @@
             <a:fld id="{B61BEF0D-F0BB-DE4B-95CE-6DB70DBA9567}" type="datetimeFigureOut">
               <a:rPr lang="en-US" dirty="0"/>
               <a:pPr/>
-              <a:t>5/17/2020</a:t>
+              <a:t>5/21/2020</a:t>
             </a:fld>
             <a:endParaRPr lang="en-US" dirty="0"/>
           </a:p>
@@ -4761,7 +4761,7 @@
             <a:fld id="{B61BEF0D-F0BB-DE4B-95CE-6DB70DBA9567}" type="datetimeFigureOut">
               <a:rPr lang="en-US" dirty="0"/>
               <a:pPr/>
-              <a:t>5/17/2020</a:t>
+              <a:t>5/21/2020</a:t>
             </a:fld>
             <a:endParaRPr lang="en-US" dirty="0"/>
           </a:p>
@@ -5072,7 +5072,7 @@
             <a:fld id="{B61BEF0D-F0BB-DE4B-95CE-6DB70DBA9567}" type="datetimeFigureOut">
               <a:rPr lang="en-US" dirty="0"/>
               <a:pPr/>
-              <a:t>5/17/2020</a:t>
+              <a:t>5/21/2020</a:t>
             </a:fld>
             <a:endParaRPr lang="en-US" dirty="0"/>
           </a:p>
@@ -5462,7 +5462,7 @@
             <a:fld id="{B61BEF0D-F0BB-DE4B-95CE-6DB70DBA9567}" type="datetimeFigureOut">
               <a:rPr lang="en-US" dirty="0"/>
               <a:pPr/>
-              <a:t>5/17/2020</a:t>
+              <a:t>5/21/2020</a:t>
             </a:fld>
             <a:endParaRPr lang="en-US" dirty="0"/>
           </a:p>
@@ -5628,7 +5628,7 @@
           <a:p>
             <a:fld id="{55C6B4A9-1611-4792-9094-5F34BCA07E0B}" type="datetimeFigureOut">
               <a:rPr lang="en-US" dirty="0"/>
-              <a:t>5/17/2020</a:t>
+              <a:t>5/21/2020</a:t>
             </a:fld>
             <a:endParaRPr lang="en-US" dirty="0"/>
           </a:p>
@@ -5804,7 +5804,7 @@
             <a:fld id="{B61BEF0D-F0BB-DE4B-95CE-6DB70DBA9567}" type="datetimeFigureOut">
               <a:rPr lang="en-US" dirty="0"/>
               <a:pPr/>
-              <a:t>5/17/2020</a:t>
+              <a:t>5/21/2020</a:t>
             </a:fld>
             <a:endParaRPr lang="en-US" dirty="0"/>
           </a:p>
@@ -5977,7 +5977,7 @@
             <a:fld id="{B61BEF0D-F0BB-DE4B-95CE-6DB70DBA9567}" type="datetimeFigureOut">
               <a:rPr lang="en-US" dirty="0"/>
               <a:pPr/>
-              <a:t>5/17/2020</a:t>
+              <a:t>5/21/2020</a:t>
             </a:fld>
             <a:endParaRPr lang="en-US" dirty="0"/>
           </a:p>
@@ -6221,7 +6221,7 @@
             <a:fld id="{B61BEF0D-F0BB-DE4B-95CE-6DB70DBA9567}" type="datetimeFigureOut">
               <a:rPr lang="en-US" dirty="0"/>
               <a:pPr/>
-              <a:t>5/17/2020</a:t>
+              <a:t>5/21/2020</a:t>
             </a:fld>
             <a:endParaRPr lang="en-US" dirty="0"/>
           </a:p>
@@ -6449,7 +6449,7 @@
           <a:p>
             <a:fld id="{EB712588-04B1-427B-82EE-E8DB90309F08}" type="datetimeFigureOut">
               <a:rPr lang="en-US" dirty="0"/>
-              <a:t>5/17/2020</a:t>
+              <a:t>5/21/2020</a:t>
             </a:fld>
             <a:endParaRPr lang="en-US" dirty="0"/>
           </a:p>
@@ -6819,7 +6819,7 @@
             <a:fld id="{B61BEF0D-F0BB-DE4B-95CE-6DB70DBA9567}" type="datetimeFigureOut">
               <a:rPr lang="en-US" dirty="0"/>
               <a:pPr/>
-              <a:t>5/17/2020</a:t>
+              <a:t>5/21/2020</a:t>
             </a:fld>
             <a:endParaRPr lang="en-US" dirty="0"/>
           </a:p>
@@ -6939,7 +6939,7 @@
             <a:fld id="{B61BEF0D-F0BB-DE4B-95CE-6DB70DBA9567}" type="datetimeFigureOut">
               <a:rPr lang="en-US" dirty="0"/>
               <a:pPr/>
-              <a:t>5/17/2020</a:t>
+              <a:t>5/21/2020</a:t>
             </a:fld>
             <a:endParaRPr lang="en-US" dirty="0"/>
           </a:p>
@@ -7031,7 +7031,7 @@
             <a:fld id="{B61BEF0D-F0BB-DE4B-95CE-6DB70DBA9567}" type="datetimeFigureOut">
               <a:rPr lang="en-US" dirty="0"/>
               <a:pPr/>
-              <a:t>5/17/2020</a:t>
+              <a:t>5/21/2020</a:t>
             </a:fld>
             <a:endParaRPr lang="en-US" dirty="0"/>
           </a:p>
@@ -7282,7 +7282,7 @@
           <a:p>
             <a:fld id="{42A54C80-263E-416B-A8E0-580EDEADCBDC}" type="datetimeFigureOut">
               <a:rPr lang="en-US" dirty="0"/>
-              <a:t>5/17/2020</a:t>
+              <a:t>5/21/2020</a:t>
             </a:fld>
             <a:endParaRPr lang="en-US" dirty="0"/>
           </a:p>
@@ -7541,7 +7541,7 @@
             <a:fld id="{B61BEF0D-F0BB-DE4B-95CE-6DB70DBA9567}" type="datetimeFigureOut">
               <a:rPr lang="en-US" dirty="0"/>
               <a:pPr/>
-              <a:t>5/17/2020</a:t>
+              <a:t>5/21/2020</a:t>
             </a:fld>
             <a:endParaRPr lang="en-US" dirty="0"/>
           </a:p>
@@ -8281,7 +8281,7 @@
             <a:fld id="{B61BEF0D-F0BB-DE4B-95CE-6DB70DBA9567}" type="datetimeFigureOut">
               <a:rPr lang="en-US" dirty="0"/>
               <a:pPr/>
-              <a:t>5/17/2020</a:t>
+              <a:t>5/21/2020</a:t>
             </a:fld>
             <a:endParaRPr lang="en-US" dirty="0"/>
           </a:p>
@@ -11403,13 +11403,8 @@
           <a:p>
             <a:r>
               <a:rPr lang="hu-HU" dirty="0"/>
-              <a:t>Kiválasztott </a:t>
+              <a:t>Kiválasztott Technológia</a:t>
             </a:r>
-            <a:r>
-              <a:rPr lang="hu-HU" dirty="0" err="1"/>
-              <a:t>Technológa</a:t>
-            </a:r>
-            <a:endParaRPr lang="hu-HU" dirty="0"/>
           </a:p>
         </p:txBody>
       </p:sp>
@@ -11530,41 +11525,32 @@
       </p:sp>
       <p:pic>
         <p:nvPicPr>
-          <p:cNvPr id="4" name="Kép 3">
+          <p:cNvPr id="6" name="Kép 5" descr="A képen képernyőkép látható&#10;&#10;Automatikusan generált leírás">
             <a:extLst>
               <a:ext uri="{FF2B5EF4-FFF2-40B4-BE49-F238E27FC236}">
-                <a16:creationId xmlns:a16="http://schemas.microsoft.com/office/drawing/2014/main" id="{14BEFBC1-2734-44F8-83FF-2BF3116FFDE2}"/>
+                <a16:creationId xmlns:a16="http://schemas.microsoft.com/office/drawing/2014/main" id="{CB79D8E8-1C0D-4FE0-B784-FD086223B9F9}"/>
               </a:ext>
             </a:extLst>
           </p:cNvPr>
-          <p:cNvPicPr/>
+          <p:cNvPicPr>
+            <a:picLocks noChangeAspect="1"/>
+          </p:cNvPicPr>
           <p:nvPr/>
         </p:nvPicPr>
         <p:blipFill>
-          <a:blip r:embed="rId2">
-            <a:extLst>
-              <a:ext uri="{28A0092B-C50C-407E-A947-70E740481C1C}">
-                <a14:useLocalDpi xmlns:a14="http://schemas.microsoft.com/office/drawing/2010/main" val="0"/>
-              </a:ext>
-            </a:extLst>
-          </a:blip>
-          <a:srcRect/>
+          <a:blip r:embed="rId2"/>
           <a:stretch>
             <a:fillRect/>
           </a:stretch>
         </p:blipFill>
-        <p:spPr bwMode="auto">
+        <p:spPr>
           <a:xfrm>
-            <a:off x="2236595" y="5041610"/>
-            <a:ext cx="5478145" cy="1628775"/>
+            <a:off x="5768953" y="3062822"/>
+            <a:ext cx="6311287" cy="2365212"/>
           </a:xfrm>
           <a:prstGeom prst="rect">
             <a:avLst/>
           </a:prstGeom>
-          <a:noFill/>
-          <a:ln>
-            <a:noFill/>
-          </a:ln>
         </p:spPr>
       </p:pic>
     </p:spTree>
